--- a/doc/基于Mesh的视频监控解决方案.pptx
+++ b/doc/基于Mesh的视频监控解决方案.pptx
@@ -13,7 +13,9 @@
     <p:sldId id="261" r:id="rId7"/>
     <p:sldId id="268" r:id="rId8"/>
     <p:sldId id="269" r:id="rId9"/>
-    <p:sldId id="266" r:id="rId10"/>
+    <p:sldId id="270" r:id="rId10"/>
+    <p:sldId id="271" r:id="rId11"/>
+    <p:sldId id="272" r:id="rId12"/>
   </p:sldIdLst>
   <p:sldSz cx="9144000" cy="6858000" type="screen4x3"/>
   <p:notesSz cx="6858000" cy="9144000"/>
@@ -159,6 +161,3546 @@
     </p:ext>
   </p:extLst>
 </p:presentation>
+</file>
+
+<file path=ppt/diagrams/colors1.xml><?xml version="1.0" encoding="utf-8"?>
+<dgm:colorsDef xmlns:dgm="http://schemas.openxmlformats.org/drawingml/2006/diagram" xmlns:a="http://schemas.openxmlformats.org/drawingml/2006/main" uniqueId="urn:microsoft.com/office/officeart/2005/8/colors/accent1_2">
+  <dgm:title val=""/>
+  <dgm:desc val=""/>
+  <dgm:catLst>
+    <dgm:cat type="accent1" pri="11200"/>
+  </dgm:catLst>
+  <dgm:styleLbl name="node0">
+    <dgm:fillClrLst meth="repeat">
+      <a:schemeClr val="accent1"/>
+    </dgm:fillClrLst>
+    <dgm:linClrLst meth="repeat">
+      <a:schemeClr val="lt1"/>
+    </dgm:linClrLst>
+    <dgm:effectClrLst/>
+    <dgm:txLinClrLst/>
+    <dgm:txFillClrLst/>
+    <dgm:txEffectClrLst/>
+  </dgm:styleLbl>
+  <dgm:styleLbl name="alignNode1">
+    <dgm:fillClrLst meth="repeat">
+      <a:schemeClr val="accent1"/>
+    </dgm:fillClrLst>
+    <dgm:linClrLst meth="repeat">
+      <a:schemeClr val="accent1"/>
+    </dgm:linClrLst>
+    <dgm:effectClrLst/>
+    <dgm:txLinClrLst/>
+    <dgm:txFillClrLst/>
+    <dgm:txEffectClrLst/>
+  </dgm:styleLbl>
+  <dgm:styleLbl name="node1">
+    <dgm:fillClrLst meth="repeat">
+      <a:schemeClr val="accent1"/>
+    </dgm:fillClrLst>
+    <dgm:linClrLst meth="repeat">
+      <a:schemeClr val="lt1"/>
+    </dgm:linClrLst>
+    <dgm:effectClrLst/>
+    <dgm:txLinClrLst/>
+    <dgm:txFillClrLst/>
+    <dgm:txEffectClrLst/>
+  </dgm:styleLbl>
+  <dgm:styleLbl name="lnNode1">
+    <dgm:fillClrLst meth="repeat">
+      <a:schemeClr val="accent1"/>
+    </dgm:fillClrLst>
+    <dgm:linClrLst meth="repeat">
+      <a:schemeClr val="lt1"/>
+    </dgm:linClrLst>
+    <dgm:effectClrLst/>
+    <dgm:txLinClrLst/>
+    <dgm:txFillClrLst/>
+    <dgm:txEffectClrLst/>
+  </dgm:styleLbl>
+  <dgm:styleLbl name="vennNode1">
+    <dgm:fillClrLst meth="repeat">
+      <a:schemeClr val="accent1">
+        <a:alpha val="50000"/>
+      </a:schemeClr>
+    </dgm:fillClrLst>
+    <dgm:linClrLst meth="repeat">
+      <a:schemeClr val="lt1"/>
+    </dgm:linClrLst>
+    <dgm:effectClrLst/>
+    <dgm:txLinClrLst/>
+    <dgm:txFillClrLst/>
+    <dgm:txEffectClrLst/>
+  </dgm:styleLbl>
+  <dgm:styleLbl name="node2">
+    <dgm:fillClrLst meth="repeat">
+      <a:schemeClr val="accent1"/>
+    </dgm:fillClrLst>
+    <dgm:linClrLst meth="repeat">
+      <a:schemeClr val="lt1"/>
+    </dgm:linClrLst>
+    <dgm:effectClrLst/>
+    <dgm:txLinClrLst/>
+    <dgm:txFillClrLst/>
+    <dgm:txEffectClrLst/>
+  </dgm:styleLbl>
+  <dgm:styleLbl name="node3">
+    <dgm:fillClrLst meth="repeat">
+      <a:schemeClr val="accent1"/>
+    </dgm:fillClrLst>
+    <dgm:linClrLst meth="repeat">
+      <a:schemeClr val="lt1"/>
+    </dgm:linClrLst>
+    <dgm:effectClrLst/>
+    <dgm:txLinClrLst/>
+    <dgm:txFillClrLst/>
+    <dgm:txEffectClrLst/>
+  </dgm:styleLbl>
+  <dgm:styleLbl name="node4">
+    <dgm:fillClrLst meth="repeat">
+      <a:schemeClr val="accent1"/>
+    </dgm:fillClrLst>
+    <dgm:linClrLst meth="repeat">
+      <a:schemeClr val="lt1"/>
+    </dgm:linClrLst>
+    <dgm:effectClrLst/>
+    <dgm:txLinClrLst/>
+    <dgm:txFillClrLst/>
+    <dgm:txEffectClrLst/>
+  </dgm:styleLbl>
+  <dgm:styleLbl name="fgImgPlace1">
+    <dgm:fillClrLst meth="repeat">
+      <a:schemeClr val="accent1">
+        <a:tint val="50000"/>
+      </a:schemeClr>
+    </dgm:fillClrLst>
+    <dgm:linClrLst meth="repeat">
+      <a:schemeClr val="lt1"/>
+    </dgm:linClrLst>
+    <dgm:effectClrLst/>
+    <dgm:txLinClrLst/>
+    <dgm:txFillClrLst meth="repeat">
+      <a:schemeClr val="lt1"/>
+    </dgm:txFillClrLst>
+    <dgm:txEffectClrLst/>
+  </dgm:styleLbl>
+  <dgm:styleLbl name="alignImgPlace1">
+    <dgm:fillClrLst meth="repeat">
+      <a:schemeClr val="accent1">
+        <a:tint val="50000"/>
+      </a:schemeClr>
+    </dgm:fillClrLst>
+    <dgm:linClrLst meth="repeat">
+      <a:schemeClr val="lt1"/>
+    </dgm:linClrLst>
+    <dgm:effectClrLst/>
+    <dgm:txLinClrLst/>
+    <dgm:txFillClrLst meth="repeat">
+      <a:schemeClr val="lt1"/>
+    </dgm:txFillClrLst>
+    <dgm:txEffectClrLst/>
+  </dgm:styleLbl>
+  <dgm:styleLbl name="bgImgPlace1">
+    <dgm:fillClrLst meth="repeat">
+      <a:schemeClr val="accent1">
+        <a:tint val="50000"/>
+      </a:schemeClr>
+    </dgm:fillClrLst>
+    <dgm:linClrLst meth="repeat">
+      <a:schemeClr val="lt1"/>
+    </dgm:linClrLst>
+    <dgm:effectClrLst/>
+    <dgm:txLinClrLst/>
+    <dgm:txFillClrLst meth="repeat">
+      <a:schemeClr val="lt1"/>
+    </dgm:txFillClrLst>
+    <dgm:txEffectClrLst/>
+  </dgm:styleLbl>
+  <dgm:styleLbl name="sibTrans2D1">
+    <dgm:fillClrLst meth="repeat">
+      <a:schemeClr val="accent1">
+        <a:tint val="60000"/>
+      </a:schemeClr>
+    </dgm:fillClrLst>
+    <dgm:linClrLst meth="repeat">
+      <a:schemeClr val="accent1">
+        <a:tint val="60000"/>
+      </a:schemeClr>
+    </dgm:linClrLst>
+    <dgm:effectClrLst/>
+    <dgm:txLinClrLst/>
+    <dgm:txFillClrLst/>
+    <dgm:txEffectClrLst/>
+  </dgm:styleLbl>
+  <dgm:styleLbl name="fgSibTrans2D1">
+    <dgm:fillClrLst meth="repeat">
+      <a:schemeClr val="accent1">
+        <a:tint val="60000"/>
+      </a:schemeClr>
+    </dgm:fillClrLst>
+    <dgm:linClrLst meth="repeat">
+      <a:schemeClr val="accent1">
+        <a:tint val="60000"/>
+      </a:schemeClr>
+    </dgm:linClrLst>
+    <dgm:effectClrLst/>
+    <dgm:txLinClrLst/>
+    <dgm:txFillClrLst/>
+    <dgm:txEffectClrLst/>
+  </dgm:styleLbl>
+  <dgm:styleLbl name="bgSibTrans2D1">
+    <dgm:fillClrLst meth="repeat">
+      <a:schemeClr val="accent1">
+        <a:tint val="60000"/>
+      </a:schemeClr>
+    </dgm:fillClrLst>
+    <dgm:linClrLst meth="repeat">
+      <a:schemeClr val="accent1">
+        <a:tint val="60000"/>
+      </a:schemeClr>
+    </dgm:linClrLst>
+    <dgm:effectClrLst/>
+    <dgm:txLinClrLst/>
+    <dgm:txFillClrLst/>
+    <dgm:txEffectClrLst/>
+  </dgm:styleLbl>
+  <dgm:styleLbl name="sibTrans1D1">
+    <dgm:fillClrLst meth="repeat">
+      <a:schemeClr val="accent1"/>
+    </dgm:fillClrLst>
+    <dgm:linClrLst meth="repeat">
+      <a:schemeClr val="accent1"/>
+    </dgm:linClrLst>
+    <dgm:effectClrLst/>
+    <dgm:txLinClrLst/>
+    <dgm:txFillClrLst meth="repeat">
+      <a:schemeClr val="tx1"/>
+    </dgm:txFillClrLst>
+    <dgm:txEffectClrLst/>
+  </dgm:styleLbl>
+  <dgm:styleLbl name="callout">
+    <dgm:fillClrLst meth="repeat">
+      <a:schemeClr val="accent1"/>
+    </dgm:fillClrLst>
+    <dgm:linClrLst meth="repeat">
+      <a:schemeClr val="accent1">
+        <a:tint val="50000"/>
+      </a:schemeClr>
+    </dgm:linClrLst>
+    <dgm:effectClrLst/>
+    <dgm:txLinClrLst/>
+    <dgm:txFillClrLst meth="repeat">
+      <a:schemeClr val="tx1"/>
+    </dgm:txFillClrLst>
+    <dgm:txEffectClrLst/>
+  </dgm:styleLbl>
+  <dgm:styleLbl name="asst0">
+    <dgm:fillClrLst meth="repeat">
+      <a:schemeClr val="accent1"/>
+    </dgm:fillClrLst>
+    <dgm:linClrLst meth="repeat">
+      <a:schemeClr val="lt1"/>
+    </dgm:linClrLst>
+    <dgm:effectClrLst/>
+    <dgm:txLinClrLst/>
+    <dgm:txFillClrLst/>
+    <dgm:txEffectClrLst/>
+  </dgm:styleLbl>
+  <dgm:styleLbl name="asst1">
+    <dgm:fillClrLst meth="repeat">
+      <a:schemeClr val="accent1"/>
+    </dgm:fillClrLst>
+    <dgm:linClrLst meth="repeat">
+      <a:schemeClr val="lt1"/>
+    </dgm:linClrLst>
+    <dgm:effectClrLst/>
+    <dgm:txLinClrLst/>
+    <dgm:txFillClrLst/>
+    <dgm:txEffectClrLst/>
+  </dgm:styleLbl>
+  <dgm:styleLbl name="asst2">
+    <dgm:fillClrLst meth="repeat">
+      <a:schemeClr val="accent1"/>
+    </dgm:fillClrLst>
+    <dgm:linClrLst meth="repeat">
+      <a:schemeClr val="lt1"/>
+    </dgm:linClrLst>
+    <dgm:effectClrLst/>
+    <dgm:txLinClrLst/>
+    <dgm:txFillClrLst/>
+    <dgm:txEffectClrLst/>
+  </dgm:styleLbl>
+  <dgm:styleLbl name="asst3">
+    <dgm:fillClrLst meth="repeat">
+      <a:schemeClr val="accent1"/>
+    </dgm:fillClrLst>
+    <dgm:linClrLst meth="repeat">
+      <a:schemeClr val="lt1"/>
+    </dgm:linClrLst>
+    <dgm:effectClrLst/>
+    <dgm:txLinClrLst/>
+    <dgm:txFillClrLst/>
+    <dgm:txEffectClrLst/>
+  </dgm:styleLbl>
+  <dgm:styleLbl name="asst4">
+    <dgm:fillClrLst meth="repeat">
+      <a:schemeClr val="accent1"/>
+    </dgm:fillClrLst>
+    <dgm:linClrLst meth="repeat">
+      <a:schemeClr val="lt1"/>
+    </dgm:linClrLst>
+    <dgm:effectClrLst/>
+    <dgm:txLinClrLst/>
+    <dgm:txFillClrLst/>
+    <dgm:txEffectClrLst/>
+  </dgm:styleLbl>
+  <dgm:styleLbl name="parChTrans2D1">
+    <dgm:fillClrLst meth="repeat">
+      <a:schemeClr val="accent1">
+        <a:tint val="60000"/>
+      </a:schemeClr>
+    </dgm:fillClrLst>
+    <dgm:linClrLst meth="repeat">
+      <a:schemeClr val="accent1">
+        <a:tint val="60000"/>
+      </a:schemeClr>
+    </dgm:linClrLst>
+    <dgm:effectClrLst/>
+    <dgm:txLinClrLst/>
+    <dgm:txFillClrLst meth="repeat">
+      <a:schemeClr val="lt1"/>
+    </dgm:txFillClrLst>
+    <dgm:txEffectClrLst/>
+  </dgm:styleLbl>
+  <dgm:styleLbl name="parChTrans2D2">
+    <dgm:fillClrLst meth="repeat">
+      <a:schemeClr val="accent1"/>
+    </dgm:fillClrLst>
+    <dgm:linClrLst meth="repeat">
+      <a:schemeClr val="accent1"/>
+    </dgm:linClrLst>
+    <dgm:effectClrLst/>
+    <dgm:txLinClrLst/>
+    <dgm:txFillClrLst meth="repeat">
+      <a:schemeClr val="lt1"/>
+    </dgm:txFillClrLst>
+    <dgm:txEffectClrLst/>
+  </dgm:styleLbl>
+  <dgm:styleLbl name="parChTrans2D3">
+    <dgm:fillClrLst meth="repeat">
+      <a:schemeClr val="accent1"/>
+    </dgm:fillClrLst>
+    <dgm:linClrLst meth="repeat">
+      <a:schemeClr val="accent1"/>
+    </dgm:linClrLst>
+    <dgm:effectClrLst/>
+    <dgm:txLinClrLst/>
+    <dgm:txFillClrLst meth="repeat">
+      <a:schemeClr val="lt1"/>
+    </dgm:txFillClrLst>
+    <dgm:txEffectClrLst/>
+  </dgm:styleLbl>
+  <dgm:styleLbl name="parChTrans2D4">
+    <dgm:fillClrLst meth="repeat">
+      <a:schemeClr val="accent1"/>
+    </dgm:fillClrLst>
+    <dgm:linClrLst meth="repeat">
+      <a:schemeClr val="accent1"/>
+    </dgm:linClrLst>
+    <dgm:effectClrLst/>
+    <dgm:txLinClrLst/>
+    <dgm:txFillClrLst meth="repeat">
+      <a:schemeClr val="lt1"/>
+    </dgm:txFillClrLst>
+    <dgm:txEffectClrLst/>
+  </dgm:styleLbl>
+  <dgm:styleLbl name="parChTrans1D1">
+    <dgm:fillClrLst meth="repeat">
+      <a:schemeClr val="accent1"/>
+    </dgm:fillClrLst>
+    <dgm:linClrLst meth="repeat">
+      <a:schemeClr val="accent1">
+        <a:shade val="60000"/>
+      </a:schemeClr>
+    </dgm:linClrLst>
+    <dgm:effectClrLst/>
+    <dgm:txLinClrLst/>
+    <dgm:txFillClrLst meth="repeat">
+      <a:schemeClr val="tx1"/>
+    </dgm:txFillClrLst>
+    <dgm:txEffectClrLst/>
+  </dgm:styleLbl>
+  <dgm:styleLbl name="parChTrans1D2">
+    <dgm:fillClrLst meth="repeat">
+      <a:schemeClr val="accent1"/>
+    </dgm:fillClrLst>
+    <dgm:linClrLst meth="repeat">
+      <a:schemeClr val="accent1">
+        <a:shade val="60000"/>
+      </a:schemeClr>
+    </dgm:linClrLst>
+    <dgm:effectClrLst/>
+    <dgm:txLinClrLst/>
+    <dgm:txFillClrLst meth="repeat">
+      <a:schemeClr val="tx1"/>
+    </dgm:txFillClrLst>
+    <dgm:txEffectClrLst/>
+  </dgm:styleLbl>
+  <dgm:styleLbl name="parChTrans1D3">
+    <dgm:fillClrLst meth="repeat">
+      <a:schemeClr val="accent1"/>
+    </dgm:fillClrLst>
+    <dgm:linClrLst meth="repeat">
+      <a:schemeClr val="accent1">
+        <a:shade val="80000"/>
+      </a:schemeClr>
+    </dgm:linClrLst>
+    <dgm:effectClrLst/>
+    <dgm:txLinClrLst/>
+    <dgm:txFillClrLst meth="repeat">
+      <a:schemeClr val="tx1"/>
+    </dgm:txFillClrLst>
+    <dgm:txEffectClrLst/>
+  </dgm:styleLbl>
+  <dgm:styleLbl name="parChTrans1D4">
+    <dgm:fillClrLst meth="repeat">
+      <a:schemeClr val="accent1"/>
+    </dgm:fillClrLst>
+    <dgm:linClrLst meth="repeat">
+      <a:schemeClr val="accent1">
+        <a:shade val="80000"/>
+      </a:schemeClr>
+    </dgm:linClrLst>
+    <dgm:effectClrLst/>
+    <dgm:txLinClrLst/>
+    <dgm:txFillClrLst meth="repeat">
+      <a:schemeClr val="tx1"/>
+    </dgm:txFillClrLst>
+    <dgm:txEffectClrLst/>
+  </dgm:styleLbl>
+  <dgm:styleLbl name="fgAcc1">
+    <dgm:fillClrLst meth="repeat">
+      <a:schemeClr val="lt1">
+        <a:alpha val="90000"/>
+      </a:schemeClr>
+    </dgm:fillClrLst>
+    <dgm:linClrLst meth="repeat">
+      <a:schemeClr val="accent1"/>
+    </dgm:linClrLst>
+    <dgm:effectClrLst/>
+    <dgm:txLinClrLst/>
+    <dgm:txFillClrLst meth="repeat">
+      <a:schemeClr val="dk1"/>
+    </dgm:txFillClrLst>
+    <dgm:txEffectClrLst/>
+  </dgm:styleLbl>
+  <dgm:styleLbl name="conFgAcc1">
+    <dgm:fillClrLst meth="repeat">
+      <a:schemeClr val="lt1">
+        <a:alpha val="90000"/>
+      </a:schemeClr>
+    </dgm:fillClrLst>
+    <dgm:linClrLst meth="repeat">
+      <a:schemeClr val="accent1"/>
+    </dgm:linClrLst>
+    <dgm:effectClrLst/>
+    <dgm:txLinClrLst/>
+    <dgm:txFillClrLst meth="repeat">
+      <a:schemeClr val="dk1"/>
+    </dgm:txFillClrLst>
+    <dgm:txEffectClrLst/>
+  </dgm:styleLbl>
+  <dgm:styleLbl name="alignAcc1">
+    <dgm:fillClrLst meth="repeat">
+      <a:schemeClr val="lt1">
+        <a:alpha val="90000"/>
+      </a:schemeClr>
+    </dgm:fillClrLst>
+    <dgm:linClrLst meth="repeat">
+      <a:schemeClr val="accent1"/>
+    </dgm:linClrLst>
+    <dgm:effectClrLst/>
+    <dgm:txLinClrLst/>
+    <dgm:txFillClrLst meth="repeat">
+      <a:schemeClr val="dk1"/>
+    </dgm:txFillClrLst>
+    <dgm:txEffectClrLst/>
+  </dgm:styleLbl>
+  <dgm:styleLbl name="trAlignAcc1">
+    <dgm:fillClrLst meth="repeat">
+      <a:schemeClr val="lt1">
+        <a:alpha val="40000"/>
+      </a:schemeClr>
+    </dgm:fillClrLst>
+    <dgm:linClrLst meth="repeat">
+      <a:schemeClr val="accent1"/>
+    </dgm:linClrLst>
+    <dgm:effectClrLst/>
+    <dgm:txLinClrLst/>
+    <dgm:txFillClrLst meth="repeat">
+      <a:schemeClr val="dk1"/>
+    </dgm:txFillClrLst>
+    <dgm:txEffectClrLst/>
+  </dgm:styleLbl>
+  <dgm:styleLbl name="bgAcc1">
+    <dgm:fillClrLst meth="repeat">
+      <a:schemeClr val="lt1">
+        <a:alpha val="90000"/>
+      </a:schemeClr>
+    </dgm:fillClrLst>
+    <dgm:linClrLst meth="repeat">
+      <a:schemeClr val="accent1"/>
+    </dgm:linClrLst>
+    <dgm:effectClrLst/>
+    <dgm:txLinClrLst/>
+    <dgm:txFillClrLst meth="repeat">
+      <a:schemeClr val="dk1"/>
+    </dgm:txFillClrLst>
+    <dgm:txEffectClrLst/>
+  </dgm:styleLbl>
+  <dgm:styleLbl name="solidFgAcc1">
+    <dgm:fillClrLst meth="repeat">
+      <a:schemeClr val="lt1"/>
+    </dgm:fillClrLst>
+    <dgm:linClrLst meth="repeat">
+      <a:schemeClr val="accent1"/>
+    </dgm:linClrLst>
+    <dgm:effectClrLst/>
+    <dgm:txLinClrLst/>
+    <dgm:txFillClrLst meth="repeat">
+      <a:schemeClr val="dk1"/>
+    </dgm:txFillClrLst>
+    <dgm:txEffectClrLst/>
+  </dgm:styleLbl>
+  <dgm:styleLbl name="solidAlignAcc1">
+    <dgm:fillClrLst meth="repeat">
+      <a:schemeClr val="lt1"/>
+    </dgm:fillClrLst>
+    <dgm:linClrLst meth="repeat">
+      <a:schemeClr val="accent1"/>
+    </dgm:linClrLst>
+    <dgm:effectClrLst/>
+    <dgm:txLinClrLst/>
+    <dgm:txFillClrLst meth="repeat">
+      <a:schemeClr val="dk1"/>
+    </dgm:txFillClrLst>
+    <dgm:txEffectClrLst/>
+  </dgm:styleLbl>
+  <dgm:styleLbl name="solidBgAcc1">
+    <dgm:fillClrLst meth="repeat">
+      <a:schemeClr val="lt1"/>
+    </dgm:fillClrLst>
+    <dgm:linClrLst meth="repeat">
+      <a:schemeClr val="accent1"/>
+    </dgm:linClrLst>
+    <dgm:effectClrLst/>
+    <dgm:txLinClrLst/>
+    <dgm:txFillClrLst meth="repeat">
+      <a:schemeClr val="dk1"/>
+    </dgm:txFillClrLst>
+    <dgm:txEffectClrLst/>
+  </dgm:styleLbl>
+  <dgm:styleLbl name="fgAccFollowNode1">
+    <dgm:fillClrLst meth="repeat">
+      <a:schemeClr val="accent1">
+        <a:alpha val="90000"/>
+        <a:tint val="40000"/>
+      </a:schemeClr>
+    </dgm:fillClrLst>
+    <dgm:linClrLst meth="repeat">
+      <a:schemeClr val="accent1">
+        <a:alpha val="90000"/>
+        <a:tint val="40000"/>
+      </a:schemeClr>
+    </dgm:linClrLst>
+    <dgm:effectClrLst/>
+    <dgm:txLinClrLst/>
+    <dgm:txFillClrLst meth="repeat">
+      <a:schemeClr val="dk1"/>
+    </dgm:txFillClrLst>
+    <dgm:txEffectClrLst/>
+  </dgm:styleLbl>
+  <dgm:styleLbl name="alignAccFollowNode1">
+    <dgm:fillClrLst meth="repeat">
+      <a:schemeClr val="accent1">
+        <a:alpha val="90000"/>
+        <a:tint val="40000"/>
+      </a:schemeClr>
+    </dgm:fillClrLst>
+    <dgm:linClrLst meth="repeat">
+      <a:schemeClr val="accent1">
+        <a:alpha val="90000"/>
+        <a:tint val="40000"/>
+      </a:schemeClr>
+    </dgm:linClrLst>
+    <dgm:effectClrLst/>
+    <dgm:txLinClrLst/>
+    <dgm:txFillClrLst meth="repeat">
+      <a:schemeClr val="dk1"/>
+    </dgm:txFillClrLst>
+    <dgm:txEffectClrLst/>
+  </dgm:styleLbl>
+  <dgm:styleLbl name="bgAccFollowNode1">
+    <dgm:fillClrLst meth="repeat">
+      <a:schemeClr val="accent1">
+        <a:alpha val="90000"/>
+        <a:tint val="40000"/>
+      </a:schemeClr>
+    </dgm:fillClrLst>
+    <dgm:linClrLst meth="repeat">
+      <a:schemeClr val="accent1">
+        <a:alpha val="90000"/>
+        <a:tint val="40000"/>
+      </a:schemeClr>
+    </dgm:linClrLst>
+    <dgm:effectClrLst/>
+    <dgm:txLinClrLst/>
+    <dgm:txFillClrLst meth="repeat">
+      <a:schemeClr val="dk1"/>
+    </dgm:txFillClrLst>
+    <dgm:txEffectClrLst/>
+  </dgm:styleLbl>
+  <dgm:styleLbl name="fgAcc0">
+    <dgm:fillClrLst meth="repeat">
+      <a:schemeClr val="lt1">
+        <a:alpha val="90000"/>
+      </a:schemeClr>
+    </dgm:fillClrLst>
+    <dgm:linClrLst meth="repeat">
+      <a:schemeClr val="accent1"/>
+    </dgm:linClrLst>
+    <dgm:effectClrLst/>
+    <dgm:txLinClrLst/>
+    <dgm:txFillClrLst meth="repeat">
+      <a:schemeClr val="dk1"/>
+    </dgm:txFillClrLst>
+    <dgm:txEffectClrLst/>
+  </dgm:styleLbl>
+  <dgm:styleLbl name="fgAcc2">
+    <dgm:fillClrLst meth="repeat">
+      <a:schemeClr val="lt1">
+        <a:alpha val="90000"/>
+      </a:schemeClr>
+    </dgm:fillClrLst>
+    <dgm:linClrLst meth="repeat">
+      <a:schemeClr val="accent1"/>
+    </dgm:linClrLst>
+    <dgm:effectClrLst/>
+    <dgm:txLinClrLst/>
+    <dgm:txFillClrLst meth="repeat">
+      <a:schemeClr val="dk1"/>
+    </dgm:txFillClrLst>
+    <dgm:txEffectClrLst/>
+  </dgm:styleLbl>
+  <dgm:styleLbl name="fgAcc3">
+    <dgm:fillClrLst meth="repeat">
+      <a:schemeClr val="lt1">
+        <a:alpha val="90000"/>
+      </a:schemeClr>
+    </dgm:fillClrLst>
+    <dgm:linClrLst meth="repeat">
+      <a:schemeClr val="accent1"/>
+    </dgm:linClrLst>
+    <dgm:effectClrLst/>
+    <dgm:txLinClrLst/>
+    <dgm:txFillClrLst meth="repeat">
+      <a:schemeClr val="dk1"/>
+    </dgm:txFillClrLst>
+    <dgm:txEffectClrLst/>
+  </dgm:styleLbl>
+  <dgm:styleLbl name="fgAcc4">
+    <dgm:fillClrLst meth="repeat">
+      <a:schemeClr val="lt1">
+        <a:alpha val="90000"/>
+      </a:schemeClr>
+    </dgm:fillClrLst>
+    <dgm:linClrLst meth="repeat">
+      <a:schemeClr val="accent1"/>
+    </dgm:linClrLst>
+    <dgm:effectClrLst/>
+    <dgm:txLinClrLst/>
+    <dgm:txFillClrLst meth="repeat">
+      <a:schemeClr val="dk1"/>
+    </dgm:txFillClrLst>
+    <dgm:txEffectClrLst/>
+  </dgm:styleLbl>
+  <dgm:styleLbl name="bgShp">
+    <dgm:fillClrLst meth="repeat">
+      <a:schemeClr val="accent1">
+        <a:tint val="40000"/>
+      </a:schemeClr>
+    </dgm:fillClrLst>
+    <dgm:linClrLst meth="repeat">
+      <a:schemeClr val="accent1"/>
+    </dgm:linClrLst>
+    <dgm:effectClrLst/>
+    <dgm:txLinClrLst/>
+    <dgm:txFillClrLst meth="repeat">
+      <a:schemeClr val="dk1"/>
+    </dgm:txFillClrLst>
+    <dgm:txEffectClrLst/>
+  </dgm:styleLbl>
+  <dgm:styleLbl name="dkBgShp">
+    <dgm:fillClrLst meth="repeat">
+      <a:schemeClr val="accent1">
+        <a:shade val="80000"/>
+      </a:schemeClr>
+    </dgm:fillClrLst>
+    <dgm:linClrLst meth="repeat">
+      <a:schemeClr val="accent1"/>
+    </dgm:linClrLst>
+    <dgm:effectClrLst/>
+    <dgm:txLinClrLst/>
+    <dgm:txFillClrLst meth="repeat">
+      <a:schemeClr val="lt1"/>
+    </dgm:txFillClrLst>
+    <dgm:txEffectClrLst/>
+  </dgm:styleLbl>
+  <dgm:styleLbl name="trBgShp">
+    <dgm:fillClrLst meth="repeat">
+      <a:schemeClr val="accent1">
+        <a:tint val="50000"/>
+        <a:alpha val="40000"/>
+      </a:schemeClr>
+    </dgm:fillClrLst>
+    <dgm:linClrLst meth="repeat">
+      <a:schemeClr val="accent1"/>
+    </dgm:linClrLst>
+    <dgm:effectClrLst/>
+    <dgm:txLinClrLst/>
+    <dgm:txFillClrLst meth="repeat">
+      <a:schemeClr val="lt1"/>
+    </dgm:txFillClrLst>
+    <dgm:txEffectClrLst/>
+  </dgm:styleLbl>
+  <dgm:styleLbl name="fgShp">
+    <dgm:fillClrLst meth="repeat">
+      <a:schemeClr val="accent1">
+        <a:tint val="60000"/>
+      </a:schemeClr>
+    </dgm:fillClrLst>
+    <dgm:linClrLst meth="repeat">
+      <a:schemeClr val="lt1"/>
+    </dgm:linClrLst>
+    <dgm:effectClrLst/>
+    <dgm:txLinClrLst/>
+    <dgm:txFillClrLst meth="repeat">
+      <a:schemeClr val="dk1"/>
+    </dgm:txFillClrLst>
+    <dgm:txEffectClrLst/>
+  </dgm:styleLbl>
+  <dgm:styleLbl name="revTx">
+    <dgm:fillClrLst meth="repeat">
+      <a:schemeClr val="lt1">
+        <a:alpha val="0"/>
+      </a:schemeClr>
+    </dgm:fillClrLst>
+    <dgm:linClrLst meth="repeat">
+      <a:schemeClr val="dk1">
+        <a:alpha val="0"/>
+      </a:schemeClr>
+    </dgm:linClrLst>
+    <dgm:effectClrLst/>
+    <dgm:txLinClrLst/>
+    <dgm:txFillClrLst meth="repeat">
+      <a:schemeClr val="tx1"/>
+    </dgm:txFillClrLst>
+    <dgm:txEffectClrLst/>
+  </dgm:styleLbl>
+</dgm:colorsDef>
+</file>
+
+<file path=ppt/diagrams/data1.xml><?xml version="1.0" encoding="utf-8"?>
+<dgm:dataModel xmlns:dgm="http://schemas.openxmlformats.org/drawingml/2006/diagram" xmlns:a="http://schemas.openxmlformats.org/drawingml/2006/main">
+  <dgm:ptLst>
+    <dgm:pt modelId="{5F794FBA-07E8-4B9C-883F-3A69CE84C8B8}" type="doc">
+      <dgm:prSet loTypeId="urn:microsoft.com/office/officeart/2005/8/layout/chart3" loCatId="relationship" qsTypeId="urn:microsoft.com/office/officeart/2005/8/quickstyle/simple1" qsCatId="simple" csTypeId="urn:microsoft.com/office/officeart/2005/8/colors/accent1_2" csCatId="accent1" phldr="1"/>
+      <dgm:spPr/>
+    </dgm:pt>
+    <dgm:pt modelId="{434F5F95-70C6-4DB2-97C6-3BDC6A7DDE1C}">
+      <dgm:prSet phldrT="[文本]"/>
+      <dgm:spPr/>
+      <dgm:t>
+        <a:bodyPr/>
+        <a:lstStyle/>
+        <a:p>
+          <a:r>
+            <a:rPr lang="zh-CN" altLang="en-US" dirty="0" smtClean="0"/>
+            <a:t>摄像头</a:t>
+          </a:r>
+          <a:endParaRPr lang="zh-CN" altLang="en-US" dirty="0"/>
+        </a:p>
+      </dgm:t>
+    </dgm:pt>
+    <dgm:pt modelId="{8BFBD196-D354-4AB4-A31B-CC8E49AC0026}" type="parTrans" cxnId="{107D961A-35F5-4A93-B271-31E6D7F732A0}">
+      <dgm:prSet/>
+      <dgm:spPr/>
+      <dgm:t>
+        <a:bodyPr/>
+        <a:lstStyle/>
+        <a:p>
+          <a:endParaRPr lang="zh-CN" altLang="en-US"/>
+        </a:p>
+      </dgm:t>
+    </dgm:pt>
+    <dgm:pt modelId="{17C3480B-43C4-4812-AE55-0E2DB49A4B3B}" type="sibTrans" cxnId="{107D961A-35F5-4A93-B271-31E6D7F732A0}">
+      <dgm:prSet/>
+      <dgm:spPr/>
+      <dgm:t>
+        <a:bodyPr/>
+        <a:lstStyle/>
+        <a:p>
+          <a:endParaRPr lang="zh-CN" altLang="en-US"/>
+        </a:p>
+      </dgm:t>
+    </dgm:pt>
+    <dgm:pt modelId="{0B4D35FC-A0DB-4B47-B807-761DAE6C95C2}">
+      <dgm:prSet phldrT="[文本]"/>
+      <dgm:spPr/>
+      <dgm:t>
+        <a:bodyPr/>
+        <a:lstStyle/>
+        <a:p>
+          <a:r>
+            <a:rPr lang="zh-CN" altLang="en-US" dirty="0" smtClean="0"/>
+            <a:t>网络</a:t>
+          </a:r>
+          <a:endParaRPr lang="zh-CN" altLang="en-US" dirty="0"/>
+        </a:p>
+      </dgm:t>
+    </dgm:pt>
+    <dgm:pt modelId="{029C0BC3-E4D1-4489-8408-91D42C92F746}" type="parTrans" cxnId="{4B5AD040-E7FD-45F3-9320-3FE3BA632AD0}">
+      <dgm:prSet/>
+      <dgm:spPr/>
+      <dgm:t>
+        <a:bodyPr/>
+        <a:lstStyle/>
+        <a:p>
+          <a:endParaRPr lang="zh-CN" altLang="en-US"/>
+        </a:p>
+      </dgm:t>
+    </dgm:pt>
+    <dgm:pt modelId="{D22B74B2-BA26-4046-B21E-54668C5E6819}" type="sibTrans" cxnId="{4B5AD040-E7FD-45F3-9320-3FE3BA632AD0}">
+      <dgm:prSet/>
+      <dgm:spPr/>
+      <dgm:t>
+        <a:bodyPr/>
+        <a:lstStyle/>
+        <a:p>
+          <a:endParaRPr lang="zh-CN" altLang="en-US"/>
+        </a:p>
+      </dgm:t>
+    </dgm:pt>
+    <dgm:pt modelId="{536850B8-8CA5-4775-ADDE-ABA5C792F576}">
+      <dgm:prSet phldrT="[文本]"/>
+      <dgm:spPr/>
+      <dgm:t>
+        <a:bodyPr/>
+        <a:lstStyle/>
+        <a:p>
+          <a:r>
+            <a:rPr lang="zh-CN" altLang="en-US" dirty="0" smtClean="0"/>
+            <a:t>后台</a:t>
+          </a:r>
+          <a:endParaRPr lang="zh-CN" altLang="en-US" dirty="0"/>
+        </a:p>
+      </dgm:t>
+    </dgm:pt>
+    <dgm:pt modelId="{941217D9-E035-4809-B6F5-BE87C60833C2}" type="parTrans" cxnId="{9816DADA-FC73-4197-B1B1-5FA8B4DD6677}">
+      <dgm:prSet/>
+      <dgm:spPr/>
+      <dgm:t>
+        <a:bodyPr/>
+        <a:lstStyle/>
+        <a:p>
+          <a:endParaRPr lang="zh-CN" altLang="en-US"/>
+        </a:p>
+      </dgm:t>
+    </dgm:pt>
+    <dgm:pt modelId="{197F6096-262F-4919-A99D-E0BE8FE98A9D}" type="sibTrans" cxnId="{9816DADA-FC73-4197-B1B1-5FA8B4DD6677}">
+      <dgm:prSet/>
+      <dgm:spPr/>
+      <dgm:t>
+        <a:bodyPr/>
+        <a:lstStyle/>
+        <a:p>
+          <a:endParaRPr lang="zh-CN" altLang="en-US"/>
+        </a:p>
+      </dgm:t>
+    </dgm:pt>
+    <dgm:pt modelId="{89D84C3D-C0F0-4052-913E-5C9B66528EF6}" type="pres">
+      <dgm:prSet presAssocID="{5F794FBA-07E8-4B9C-883F-3A69CE84C8B8}" presName="compositeShape" presStyleCnt="0">
+        <dgm:presLayoutVars>
+          <dgm:chMax val="7"/>
+          <dgm:dir/>
+          <dgm:resizeHandles val="exact"/>
+        </dgm:presLayoutVars>
+      </dgm:prSet>
+      <dgm:spPr/>
+    </dgm:pt>
+    <dgm:pt modelId="{DC6B959F-CEF1-4584-A5EF-09C7B2DA3DF2}" type="pres">
+      <dgm:prSet presAssocID="{5F794FBA-07E8-4B9C-883F-3A69CE84C8B8}" presName="wedge1" presStyleLbl="node1" presStyleIdx="0" presStyleCnt="3"/>
+      <dgm:spPr/>
+    </dgm:pt>
+    <dgm:pt modelId="{438047A4-F1FD-4629-99B6-C80678FC1F23}" type="pres">
+      <dgm:prSet presAssocID="{5F794FBA-07E8-4B9C-883F-3A69CE84C8B8}" presName="wedge1Tx" presStyleLbl="node1" presStyleIdx="0" presStyleCnt="3">
+        <dgm:presLayoutVars>
+          <dgm:chMax val="0"/>
+          <dgm:chPref val="0"/>
+          <dgm:bulletEnabled val="1"/>
+        </dgm:presLayoutVars>
+      </dgm:prSet>
+      <dgm:spPr/>
+    </dgm:pt>
+    <dgm:pt modelId="{FE62A468-0522-4548-A37C-B18569B2C0D4}" type="pres">
+      <dgm:prSet presAssocID="{5F794FBA-07E8-4B9C-883F-3A69CE84C8B8}" presName="wedge2" presStyleLbl="node1" presStyleIdx="1" presStyleCnt="3"/>
+      <dgm:spPr/>
+    </dgm:pt>
+    <dgm:pt modelId="{49CA772F-1E33-44F7-9BBC-9F1E8D7D2101}" type="pres">
+      <dgm:prSet presAssocID="{5F794FBA-07E8-4B9C-883F-3A69CE84C8B8}" presName="wedge2Tx" presStyleLbl="node1" presStyleIdx="1" presStyleCnt="3">
+        <dgm:presLayoutVars>
+          <dgm:chMax val="0"/>
+          <dgm:chPref val="0"/>
+          <dgm:bulletEnabled val="1"/>
+        </dgm:presLayoutVars>
+      </dgm:prSet>
+      <dgm:spPr/>
+    </dgm:pt>
+    <dgm:pt modelId="{AFC5880C-93DC-4A29-B567-1ECB0C16D596}" type="pres">
+      <dgm:prSet presAssocID="{5F794FBA-07E8-4B9C-883F-3A69CE84C8B8}" presName="wedge3" presStyleLbl="node1" presStyleIdx="2" presStyleCnt="3"/>
+      <dgm:spPr/>
+    </dgm:pt>
+    <dgm:pt modelId="{42062A33-7FB4-4F2B-83EA-E814020E255B}" type="pres">
+      <dgm:prSet presAssocID="{5F794FBA-07E8-4B9C-883F-3A69CE84C8B8}" presName="wedge3Tx" presStyleLbl="node1" presStyleIdx="2" presStyleCnt="3">
+        <dgm:presLayoutVars>
+          <dgm:chMax val="0"/>
+          <dgm:chPref val="0"/>
+          <dgm:bulletEnabled val="1"/>
+        </dgm:presLayoutVars>
+      </dgm:prSet>
+      <dgm:spPr/>
+    </dgm:pt>
+  </dgm:ptLst>
+  <dgm:cxnLst>
+    <dgm:cxn modelId="{27425C95-DD9A-4714-971B-EAA0AFA16EF4}" type="presOf" srcId="{536850B8-8CA5-4775-ADDE-ABA5C792F576}" destId="{42062A33-7FB4-4F2B-83EA-E814020E255B}" srcOrd="1" destOrd="0" presId="urn:microsoft.com/office/officeart/2005/8/layout/chart3"/>
+    <dgm:cxn modelId="{4B5AD040-E7FD-45F3-9320-3FE3BA632AD0}" srcId="{5F794FBA-07E8-4B9C-883F-3A69CE84C8B8}" destId="{0B4D35FC-A0DB-4B47-B807-761DAE6C95C2}" srcOrd="1" destOrd="0" parTransId="{029C0BC3-E4D1-4489-8408-91D42C92F746}" sibTransId="{D22B74B2-BA26-4046-B21E-54668C5E6819}"/>
+    <dgm:cxn modelId="{107D961A-35F5-4A93-B271-31E6D7F732A0}" srcId="{5F794FBA-07E8-4B9C-883F-3A69CE84C8B8}" destId="{434F5F95-70C6-4DB2-97C6-3BDC6A7DDE1C}" srcOrd="0" destOrd="0" parTransId="{8BFBD196-D354-4AB4-A31B-CC8E49AC0026}" sibTransId="{17C3480B-43C4-4812-AE55-0E2DB49A4B3B}"/>
+    <dgm:cxn modelId="{213AEA32-D5E5-45A8-9F40-4653ADD8A9CE}" type="presOf" srcId="{434F5F95-70C6-4DB2-97C6-3BDC6A7DDE1C}" destId="{DC6B959F-CEF1-4584-A5EF-09C7B2DA3DF2}" srcOrd="0" destOrd="0" presId="urn:microsoft.com/office/officeart/2005/8/layout/chart3"/>
+    <dgm:cxn modelId="{6C10A4CF-4E72-42E9-B908-09AC460877A1}" type="presOf" srcId="{0B4D35FC-A0DB-4B47-B807-761DAE6C95C2}" destId="{49CA772F-1E33-44F7-9BBC-9F1E8D7D2101}" srcOrd="1" destOrd="0" presId="urn:microsoft.com/office/officeart/2005/8/layout/chart3"/>
+    <dgm:cxn modelId="{E53119FA-9B47-42D9-8EDE-728624F3D437}" type="presOf" srcId="{5F794FBA-07E8-4B9C-883F-3A69CE84C8B8}" destId="{89D84C3D-C0F0-4052-913E-5C9B66528EF6}" srcOrd="0" destOrd="0" presId="urn:microsoft.com/office/officeart/2005/8/layout/chart3"/>
+    <dgm:cxn modelId="{0966600E-E66E-49FE-BBB0-66D9700E0F50}" type="presOf" srcId="{0B4D35FC-A0DB-4B47-B807-761DAE6C95C2}" destId="{FE62A468-0522-4548-A37C-B18569B2C0D4}" srcOrd="0" destOrd="0" presId="urn:microsoft.com/office/officeart/2005/8/layout/chart3"/>
+    <dgm:cxn modelId="{FA901170-1679-4066-8834-8C24CF8851B1}" type="presOf" srcId="{434F5F95-70C6-4DB2-97C6-3BDC6A7DDE1C}" destId="{438047A4-F1FD-4629-99B6-C80678FC1F23}" srcOrd="1" destOrd="0" presId="urn:microsoft.com/office/officeart/2005/8/layout/chart3"/>
+    <dgm:cxn modelId="{9816DADA-FC73-4197-B1B1-5FA8B4DD6677}" srcId="{5F794FBA-07E8-4B9C-883F-3A69CE84C8B8}" destId="{536850B8-8CA5-4775-ADDE-ABA5C792F576}" srcOrd="2" destOrd="0" parTransId="{941217D9-E035-4809-B6F5-BE87C60833C2}" sibTransId="{197F6096-262F-4919-A99D-E0BE8FE98A9D}"/>
+    <dgm:cxn modelId="{33CFA850-B81B-449F-9EF3-F4FCACCFFAAC}" type="presOf" srcId="{536850B8-8CA5-4775-ADDE-ABA5C792F576}" destId="{AFC5880C-93DC-4A29-B567-1ECB0C16D596}" srcOrd="0" destOrd="0" presId="urn:microsoft.com/office/officeart/2005/8/layout/chart3"/>
+    <dgm:cxn modelId="{1D858A2A-BABF-4E48-BD88-C18F72C9211A}" type="presParOf" srcId="{89D84C3D-C0F0-4052-913E-5C9B66528EF6}" destId="{DC6B959F-CEF1-4584-A5EF-09C7B2DA3DF2}" srcOrd="0" destOrd="0" presId="urn:microsoft.com/office/officeart/2005/8/layout/chart3"/>
+    <dgm:cxn modelId="{909E3EBF-D2B8-4C89-84E5-8CB761F17417}" type="presParOf" srcId="{89D84C3D-C0F0-4052-913E-5C9B66528EF6}" destId="{438047A4-F1FD-4629-99B6-C80678FC1F23}" srcOrd="1" destOrd="0" presId="urn:microsoft.com/office/officeart/2005/8/layout/chart3"/>
+    <dgm:cxn modelId="{40B642FD-5ECA-4505-9E9A-BEF4EBE2D2F5}" type="presParOf" srcId="{89D84C3D-C0F0-4052-913E-5C9B66528EF6}" destId="{FE62A468-0522-4548-A37C-B18569B2C0D4}" srcOrd="2" destOrd="0" presId="urn:microsoft.com/office/officeart/2005/8/layout/chart3"/>
+    <dgm:cxn modelId="{FFA6691E-E70E-4D83-ACDF-AB053205A2E9}" type="presParOf" srcId="{89D84C3D-C0F0-4052-913E-5C9B66528EF6}" destId="{49CA772F-1E33-44F7-9BBC-9F1E8D7D2101}" srcOrd="3" destOrd="0" presId="urn:microsoft.com/office/officeart/2005/8/layout/chart3"/>
+    <dgm:cxn modelId="{C5FA9BBF-8F99-4A22-903E-E2DE3311BAA7}" type="presParOf" srcId="{89D84C3D-C0F0-4052-913E-5C9B66528EF6}" destId="{AFC5880C-93DC-4A29-B567-1ECB0C16D596}" srcOrd="4" destOrd="0" presId="urn:microsoft.com/office/officeart/2005/8/layout/chart3"/>
+    <dgm:cxn modelId="{5CA8CBCB-784F-4FEF-A57A-BDE37737CB2D}" type="presParOf" srcId="{89D84C3D-C0F0-4052-913E-5C9B66528EF6}" destId="{42062A33-7FB4-4F2B-83EA-E814020E255B}" srcOrd="5" destOrd="0" presId="urn:microsoft.com/office/officeart/2005/8/layout/chart3"/>
+  </dgm:cxnLst>
+  <dgm:bg/>
+  <dgm:whole/>
+  <dgm:extLst>
+    <a:ext uri="http://schemas.microsoft.com/office/drawing/2008/diagram">
+      <dsp:dataModelExt xmlns:dsp="http://schemas.microsoft.com/office/drawing/2008/diagram" relId="rId6" minVer="http://schemas.openxmlformats.org/drawingml/2006/diagram"/>
+    </a:ext>
+  </dgm:extLst>
+</dgm:dataModel>
+</file>
+
+<file path=ppt/diagrams/drawing1.xml><?xml version="1.0" encoding="utf-8"?>
+<dsp:drawing xmlns:dgm="http://schemas.openxmlformats.org/drawingml/2006/diagram" xmlns:dsp="http://schemas.microsoft.com/office/drawing/2008/diagram" xmlns:a="http://schemas.openxmlformats.org/drawingml/2006/main">
+  <dsp:spTree>
+    <dsp:nvGrpSpPr>
+      <dsp:cNvPr id="0" name=""/>
+      <dsp:cNvGrpSpPr/>
+    </dsp:nvGrpSpPr>
+    <dsp:grpSpPr/>
+    <dsp:sp modelId="{DC6B959F-CEF1-4584-A5EF-09C7B2DA3DF2}">
+      <dsp:nvSpPr>
+        <dsp:cNvPr id="0" name=""/>
+        <dsp:cNvSpPr/>
+      </dsp:nvSpPr>
+      <dsp:spPr>
+        <a:xfrm>
+          <a:off x="867670" y="214928"/>
+          <a:ext cx="2674667" cy="2674667"/>
+        </a:xfrm>
+        <a:prstGeom prst="pie">
+          <a:avLst>
+            <a:gd name="adj1" fmla="val 16200000"/>
+            <a:gd name="adj2" fmla="val 1800000"/>
+          </a:avLst>
+        </a:prstGeom>
+        <a:solidFill>
+          <a:schemeClr val="accent1">
+            <a:hueOff val="0"/>
+            <a:satOff val="0"/>
+            <a:lumOff val="0"/>
+            <a:alphaOff val="0"/>
+          </a:schemeClr>
+        </a:solidFill>
+        <a:ln w="12700" cap="flat" cmpd="sng" algn="ctr">
+          <a:solidFill>
+            <a:schemeClr val="lt1">
+              <a:hueOff val="0"/>
+              <a:satOff val="0"/>
+              <a:lumOff val="0"/>
+              <a:alphaOff val="0"/>
+            </a:schemeClr>
+          </a:solidFill>
+          <a:prstDash val="solid"/>
+          <a:miter lim="800000"/>
+        </a:ln>
+        <a:effectLst/>
+      </dsp:spPr>
+      <dsp:style>
+        <a:lnRef idx="2">
+          <a:scrgbClr r="0" g="0" b="0"/>
+        </a:lnRef>
+        <a:fillRef idx="1">
+          <a:scrgbClr r="0" g="0" b="0"/>
+        </a:fillRef>
+        <a:effectRef idx="0">
+          <a:scrgbClr r="0" g="0" b="0"/>
+        </a:effectRef>
+        <a:fontRef idx="minor">
+          <a:schemeClr val="lt1"/>
+        </a:fontRef>
+      </dsp:style>
+      <dsp:txBody>
+        <a:bodyPr spcFirstLastPara="0" vert="horz" wrap="square" lIns="34290" tIns="34290" rIns="34290" bIns="34290" numCol="1" spcCol="1270" anchor="ctr" anchorCtr="0">
+          <a:noAutofit/>
+        </a:bodyPr>
+        <a:lstStyle/>
+        <a:p>
+          <a:pPr lvl="0" algn="ctr" defTabSz="1200150">
+            <a:lnSpc>
+              <a:spcPct val="90000"/>
+            </a:lnSpc>
+            <a:spcBef>
+              <a:spcPct val="0"/>
+            </a:spcBef>
+            <a:spcAft>
+              <a:spcPct val="35000"/>
+            </a:spcAft>
+          </a:pPr>
+          <a:r>
+            <a:rPr lang="zh-CN" altLang="en-US" sz="2700" kern="1200" dirty="0" smtClean="0"/>
+            <a:t>摄像头</a:t>
+          </a:r>
+          <a:endParaRPr lang="zh-CN" altLang="en-US" sz="2700" kern="1200" dirty="0"/>
+        </a:p>
+      </dsp:txBody>
+      <dsp:txXfrm>
+        <a:off x="2321861" y="708468"/>
+        <a:ext cx="907476" cy="891555"/>
+      </dsp:txXfrm>
+    </dsp:sp>
+    <dsp:sp modelId="{FE62A468-0522-4548-A37C-B18569B2C0D4}">
+      <dsp:nvSpPr>
+        <dsp:cNvPr id="0" name=""/>
+        <dsp:cNvSpPr/>
+      </dsp:nvSpPr>
+      <dsp:spPr>
+        <a:xfrm>
+          <a:off x="729797" y="294531"/>
+          <a:ext cx="2674667" cy="2674667"/>
+        </a:xfrm>
+        <a:prstGeom prst="pie">
+          <a:avLst>
+            <a:gd name="adj1" fmla="val 1800000"/>
+            <a:gd name="adj2" fmla="val 9000000"/>
+          </a:avLst>
+        </a:prstGeom>
+        <a:solidFill>
+          <a:schemeClr val="accent1">
+            <a:hueOff val="0"/>
+            <a:satOff val="0"/>
+            <a:lumOff val="0"/>
+            <a:alphaOff val="0"/>
+          </a:schemeClr>
+        </a:solidFill>
+        <a:ln w="12700" cap="flat" cmpd="sng" algn="ctr">
+          <a:solidFill>
+            <a:schemeClr val="lt1">
+              <a:hueOff val="0"/>
+              <a:satOff val="0"/>
+              <a:lumOff val="0"/>
+              <a:alphaOff val="0"/>
+            </a:schemeClr>
+          </a:solidFill>
+          <a:prstDash val="solid"/>
+          <a:miter lim="800000"/>
+        </a:ln>
+        <a:effectLst/>
+      </dsp:spPr>
+      <dsp:style>
+        <a:lnRef idx="2">
+          <a:scrgbClr r="0" g="0" b="0"/>
+        </a:lnRef>
+        <a:fillRef idx="1">
+          <a:scrgbClr r="0" g="0" b="0"/>
+        </a:fillRef>
+        <a:effectRef idx="0">
+          <a:scrgbClr r="0" g="0" b="0"/>
+        </a:effectRef>
+        <a:fontRef idx="minor">
+          <a:schemeClr val="lt1"/>
+        </a:fontRef>
+      </dsp:style>
+      <dsp:txBody>
+        <a:bodyPr spcFirstLastPara="0" vert="horz" wrap="square" lIns="34290" tIns="34290" rIns="34290" bIns="34290" numCol="1" spcCol="1270" anchor="ctr" anchorCtr="0">
+          <a:noAutofit/>
+        </a:bodyPr>
+        <a:lstStyle/>
+        <a:p>
+          <a:pPr lvl="0" algn="ctr" defTabSz="1200150">
+            <a:lnSpc>
+              <a:spcPct val="90000"/>
+            </a:lnSpc>
+            <a:spcBef>
+              <a:spcPct val="0"/>
+            </a:spcBef>
+            <a:spcAft>
+              <a:spcPct val="35000"/>
+            </a:spcAft>
+          </a:pPr>
+          <a:r>
+            <a:rPr lang="zh-CN" altLang="en-US" sz="2700" kern="1200" dirty="0" smtClean="0"/>
+            <a:t>网络</a:t>
+          </a:r>
+          <a:endParaRPr lang="zh-CN" altLang="en-US" sz="2700" kern="1200" dirty="0"/>
+        </a:p>
+      </dsp:txBody>
+      <dsp:txXfrm>
+        <a:off x="1462147" y="1982119"/>
+        <a:ext cx="1209968" cy="827873"/>
+      </dsp:txXfrm>
+    </dsp:sp>
+    <dsp:sp modelId="{AFC5880C-93DC-4A29-B567-1ECB0C16D596}">
+      <dsp:nvSpPr>
+        <dsp:cNvPr id="0" name=""/>
+        <dsp:cNvSpPr/>
+      </dsp:nvSpPr>
+      <dsp:spPr>
+        <a:xfrm>
+          <a:off x="729797" y="294531"/>
+          <a:ext cx="2674667" cy="2674667"/>
+        </a:xfrm>
+        <a:prstGeom prst="pie">
+          <a:avLst>
+            <a:gd name="adj1" fmla="val 9000000"/>
+            <a:gd name="adj2" fmla="val 16200000"/>
+          </a:avLst>
+        </a:prstGeom>
+        <a:solidFill>
+          <a:schemeClr val="accent1">
+            <a:hueOff val="0"/>
+            <a:satOff val="0"/>
+            <a:lumOff val="0"/>
+            <a:alphaOff val="0"/>
+          </a:schemeClr>
+        </a:solidFill>
+        <a:ln w="12700" cap="flat" cmpd="sng" algn="ctr">
+          <a:solidFill>
+            <a:schemeClr val="lt1">
+              <a:hueOff val="0"/>
+              <a:satOff val="0"/>
+              <a:lumOff val="0"/>
+              <a:alphaOff val="0"/>
+            </a:schemeClr>
+          </a:solidFill>
+          <a:prstDash val="solid"/>
+          <a:miter lim="800000"/>
+        </a:ln>
+        <a:effectLst/>
+      </dsp:spPr>
+      <dsp:style>
+        <a:lnRef idx="2">
+          <a:scrgbClr r="0" g="0" b="0"/>
+        </a:lnRef>
+        <a:fillRef idx="1">
+          <a:scrgbClr r="0" g="0" b="0"/>
+        </a:fillRef>
+        <a:effectRef idx="0">
+          <a:scrgbClr r="0" g="0" b="0"/>
+        </a:effectRef>
+        <a:fontRef idx="minor">
+          <a:schemeClr val="lt1"/>
+        </a:fontRef>
+      </dsp:style>
+      <dsp:txBody>
+        <a:bodyPr spcFirstLastPara="0" vert="horz" wrap="square" lIns="34290" tIns="34290" rIns="34290" bIns="34290" numCol="1" spcCol="1270" anchor="ctr" anchorCtr="0">
+          <a:noAutofit/>
+        </a:bodyPr>
+        <a:lstStyle/>
+        <a:p>
+          <a:pPr lvl="0" algn="ctr" defTabSz="1200150">
+            <a:lnSpc>
+              <a:spcPct val="90000"/>
+            </a:lnSpc>
+            <a:spcBef>
+              <a:spcPct val="0"/>
+            </a:spcBef>
+            <a:spcAft>
+              <a:spcPct val="35000"/>
+            </a:spcAft>
+          </a:pPr>
+          <a:r>
+            <a:rPr lang="zh-CN" altLang="en-US" sz="2700" kern="1200" dirty="0" smtClean="0"/>
+            <a:t>后台</a:t>
+          </a:r>
+          <a:endParaRPr lang="zh-CN" altLang="en-US" sz="2700" kern="1200" dirty="0"/>
+        </a:p>
+      </dsp:txBody>
+      <dsp:txXfrm>
+        <a:off x="1016369" y="819912"/>
+        <a:ext cx="907476" cy="891555"/>
+      </dsp:txXfrm>
+    </dsp:sp>
+  </dsp:spTree>
+</dsp:drawing>
+</file>
+
+<file path=ppt/diagrams/layout1.xml><?xml version="1.0" encoding="utf-8"?>
+<dgm:layoutDef xmlns:dgm="http://schemas.openxmlformats.org/drawingml/2006/diagram" xmlns:a="http://schemas.openxmlformats.org/drawingml/2006/main" uniqueId="urn:microsoft.com/office/officeart/2005/8/layout/chart3">
+  <dgm:title val=""/>
+  <dgm:desc val=""/>
+  <dgm:catLst>
+    <dgm:cat type="relationship" pri="27000"/>
+    <dgm:cat type="cycle" pri="8000"/>
+  </dgm:catLst>
+  <dgm:sampData useDef="1">
+    <dgm:dataModel>
+      <dgm:ptLst/>
+      <dgm:bg/>
+      <dgm:whole/>
+    </dgm:dataModel>
+  </dgm:sampData>
+  <dgm:styleData useDef="1">
+    <dgm:dataModel>
+      <dgm:ptLst/>
+      <dgm:bg/>
+      <dgm:whole/>
+    </dgm:dataModel>
+  </dgm:styleData>
+  <dgm:clrData>
+    <dgm:dataModel>
+      <dgm:ptLst>
+        <dgm:pt modelId="0" type="doc"/>
+        <dgm:pt modelId="1"/>
+        <dgm:pt modelId="2"/>
+        <dgm:pt modelId="3"/>
+        <dgm:pt modelId="4"/>
+        <dgm:pt modelId="5"/>
+        <dgm:pt modelId="6"/>
+      </dgm:ptLst>
+      <dgm:cxnLst>
+        <dgm:cxn modelId="7" srcId="0" destId="1" srcOrd="0" destOrd="0"/>
+        <dgm:cxn modelId="8" srcId="0" destId="2" srcOrd="1" destOrd="0"/>
+        <dgm:cxn modelId="9" srcId="0" destId="3" srcOrd="2" destOrd="0"/>
+        <dgm:cxn modelId="10" srcId="0" destId="4" srcOrd="3" destOrd="0"/>
+        <dgm:cxn modelId="11" srcId="0" destId="5" srcOrd="4" destOrd="0"/>
+        <dgm:cxn modelId="12" srcId="0" destId="6" srcOrd="5" destOrd="0"/>
+      </dgm:cxnLst>
+      <dgm:bg/>
+      <dgm:whole/>
+    </dgm:dataModel>
+  </dgm:clrData>
+  <dgm:layoutNode name="compositeShape">
+    <dgm:varLst>
+      <dgm:chMax val="7"/>
+      <dgm:dir/>
+      <dgm:resizeHandles val="exact"/>
+    </dgm:varLst>
+    <dgm:alg type="composite">
+      <dgm:param type="horzAlign" val="ctr"/>
+      <dgm:param type="vertAlign" val="mid"/>
+      <dgm:param type="ar" val="1"/>
+    </dgm:alg>
+    <dgm:presOf/>
+    <dgm:shape xmlns:r="http://schemas.openxmlformats.org/officeDocument/2006/relationships" r:blip="">
+      <dgm:adjLst/>
+    </dgm:shape>
+    <dgm:choose name="Name0">
+      <dgm:if name="Name1" axis="ch" ptType="node" func="cnt" op="equ" val="1">
+        <dgm:constrLst>
+          <dgm:constr type="l" for="ch" forName="wedge1" refType="w" fact="0.08"/>
+          <dgm:constr type="t" for="ch" forName="wedge1" refType="w" fact="0.08"/>
+          <dgm:constr type="w" for="ch" forName="wedge1" refType="w" fact="0.84"/>
+          <dgm:constr type="h" for="ch" forName="wedge1" refType="h" fact="0.84"/>
+          <dgm:constr type="l" for="ch" forName="wedge1Tx" refType="w" fact="0.205"/>
+          <dgm:constr type="t" for="ch" forName="wedge1Tx" refType="h" fact="0.205"/>
+          <dgm:constr type="w" for="ch" forName="wedge1Tx" refType="w" fact="0.59"/>
+          <dgm:constr type="h" for="ch" forName="wedge1Tx" refType="h" fact="0.59"/>
+          <dgm:constr type="primFontSz" for="ch" ptType="node" op="equ"/>
+        </dgm:constrLst>
+      </dgm:if>
+      <dgm:if name="Name2" axis="ch" ptType="node" func="cnt" op="equ" val="2">
+        <dgm:constrLst>
+          <dgm:constr type="l" for="ch" forName="wedge1" refType="w" fact="0.1"/>
+          <dgm:constr type="t" for="ch" forName="wedge1" refType="w" fact="0.08"/>
+          <dgm:constr type="w" for="ch" forName="wedge1" refType="w" fact="0.84"/>
+          <dgm:constr type="h" for="ch" forName="wedge1" refType="h" fact="0.84"/>
+          <dgm:constr type="l" for="ch" forName="wedge1Tx" refType="w" fact="0.52"/>
+          <dgm:constr type="t" for="ch" forName="wedge1Tx" refType="h" fact="0.205"/>
+          <dgm:constr type="w" for="ch" forName="wedge1Tx" refType="w" fact="0.295"/>
+          <dgm:constr type="h" for="ch" forName="wedge1Tx" refType="h" fact="0.59"/>
+          <dgm:constr type="l" for="ch" forName="wedge2" refType="w" fact="0.08"/>
+          <dgm:constr type="t" for="ch" forName="wedge2" refType="w" fact="0.08"/>
+          <dgm:constr type="w" for="ch" forName="wedge2" refType="w" fact="0.84"/>
+          <dgm:constr type="h" for="ch" forName="wedge2" refType="h" fact="0.84"/>
+          <dgm:constr type="l" for="ch" forName="wedge2Tx" refType="w" fact="0.2"/>
+          <dgm:constr type="t" for="ch" forName="wedge2Tx" refType="h" fact="0.205"/>
+          <dgm:constr type="w" for="ch" forName="wedge2Tx" refType="w" fact="0.295"/>
+          <dgm:constr type="h" for="ch" forName="wedge2Tx" refType="h" fact="0.59"/>
+          <dgm:constr type="primFontSz" for="ch" ptType="node" op="equ"/>
+        </dgm:constrLst>
+      </dgm:if>
+      <dgm:if name="Name3" axis="ch" ptType="node" func="cnt" op="equ" val="3">
+        <dgm:choose name="Name4">
+          <dgm:if name="Name5" func="var" arg="dir" op="equ" val="norm">
+            <dgm:constrLst>
+              <dgm:constr type="l" for="ch" forName="wedge1" refType="w" fact="0.1233"/>
+              <dgm:constr type="t" for="ch" forName="wedge1" refType="w" fact="0.055"/>
+              <dgm:constr type="w" for="ch" forName="wedge1" refType="w" fact="0.84"/>
+              <dgm:constr type="h" for="ch" forName="wedge1" refType="h" fact="0.84"/>
+              <dgm:constr type="l" for="ch" forName="wedge1Tx" refType="w" fact="0.58"/>
+              <dgm:constr type="t" for="ch" forName="wedge1Tx" refType="h" fact="0.21"/>
+              <dgm:constr type="w" for="ch" forName="wedge1Tx" refType="w" fact="0.285"/>
+              <dgm:constr type="h" for="ch" forName="wedge1Tx" refType="h" fact="0.28"/>
+              <dgm:constr type="l" for="ch" forName="wedge2" refType="w" fact="0.08"/>
+              <dgm:constr type="t" for="ch" forName="wedge2" refType="w" fact="0.08"/>
+              <dgm:constr type="w" for="ch" forName="wedge2" refType="w" fact="0.84"/>
+              <dgm:constr type="h" for="ch" forName="wedge2" refType="h" fact="0.84"/>
+              <dgm:constr type="l" for="ch" forName="wedge2Tx" refType="w" fact="0.31"/>
+              <dgm:constr type="t" for="ch" forName="wedge2Tx" refType="h" fact="0.61"/>
+              <dgm:constr type="w" for="ch" forName="wedge2Tx" refType="w" fact="0.38"/>
+              <dgm:constr type="h" for="ch" forName="wedge2Tx" refType="h" fact="0.26"/>
+              <dgm:constr type="l" for="ch" forName="wedge3" refType="w" fact="0.08"/>
+              <dgm:constr type="t" for="ch" forName="wedge3" refType="w" fact="0.08"/>
+              <dgm:constr type="w" for="ch" forName="wedge3" refType="w" fact="0.84"/>
+              <dgm:constr type="h" for="ch" forName="wedge3" refType="h" fact="0.84"/>
+              <dgm:constr type="l" for="ch" forName="wedge3Tx" refType="w" fact="0.17"/>
+              <dgm:constr type="t" for="ch" forName="wedge3Tx" refType="h" fact="0.245"/>
+              <dgm:constr type="w" for="ch" forName="wedge3Tx" refType="w" fact="0.285"/>
+              <dgm:constr type="h" for="ch" forName="wedge3Tx" refType="h" fact="0.28"/>
+              <dgm:constr type="primFontSz" for="ch" ptType="node" op="equ"/>
+            </dgm:constrLst>
+          </dgm:if>
+          <dgm:else name="Name6">
+            <dgm:constrLst>
+              <dgm:constr type="l" for="ch" forName="wedge1" refType="w" fact="0.08"/>
+              <dgm:constr type="t" for="ch" forName="wedge1" refType="w" fact="0.08"/>
+              <dgm:constr type="w" for="ch" forName="wedge1" refType="w" fact="0.84"/>
+              <dgm:constr type="h" for="ch" forName="wedge1" refType="h" fact="0.84"/>
+              <dgm:constr type="l" for="ch" forName="wedge1Tx" refType="w" fact="0.545"/>
+              <dgm:constr type="t" for="ch" forName="wedge1Tx" refType="h" fact="0.245"/>
+              <dgm:constr type="w" for="ch" forName="wedge1Tx" refType="w" fact="0.285"/>
+              <dgm:constr type="h" for="ch" forName="wedge1Tx" refType="h" fact="0.28"/>
+              <dgm:constr type="l" for="ch" forName="wedge2" refType="w" fact="0.08"/>
+              <dgm:constr type="t" for="ch" forName="wedge2" refType="w" fact="0.08"/>
+              <dgm:constr type="w" for="ch" forName="wedge2" refType="w" fact="0.84"/>
+              <dgm:constr type="h" for="ch" forName="wedge2" refType="h" fact="0.84"/>
+              <dgm:constr type="l" for="ch" forName="wedge2Tx" refType="w" fact="0.31"/>
+              <dgm:constr type="t" for="ch" forName="wedge2Tx" refType="h" fact="0.61"/>
+              <dgm:constr type="w" for="ch" forName="wedge2Tx" refType="w" fact="0.38"/>
+              <dgm:constr type="h" for="ch" forName="wedge2Tx" refType="h" fact="0.26"/>
+              <dgm:constr type="l" for="ch" forName="wedge3" refType="w" fact="0.0367"/>
+              <dgm:constr type="t" for="ch" forName="wedge3" refType="w" fact="0.055"/>
+              <dgm:constr type="w" for="ch" forName="wedge3" refType="w" fact="0.84"/>
+              <dgm:constr type="h" for="ch" forName="wedge3" refType="h" fact="0.84"/>
+              <dgm:constr type="l" for="ch" forName="wedge3Tx" refType="w" fact="0.14"/>
+              <dgm:constr type="t" for="ch" forName="wedge3Tx" refType="h" fact="0.21"/>
+              <dgm:constr type="w" for="ch" forName="wedge3Tx" refType="w" fact="0.285"/>
+              <dgm:constr type="h" for="ch" forName="wedge3Tx" refType="h" fact="0.28"/>
+              <dgm:constr type="primFontSz" for="ch" ptType="node" op="equ"/>
+            </dgm:constrLst>
+          </dgm:else>
+        </dgm:choose>
+      </dgm:if>
+      <dgm:if name="Name7" axis="ch" ptType="node" func="cnt" op="equ" val="4">
+        <dgm:choose name="Name8">
+          <dgm:if name="Name9" func="var" arg="dir" op="equ" val="norm">
+            <dgm:constrLst>
+              <dgm:constr type="l" for="ch" forName="wedge1" refType="w" fact="0.1154"/>
+              <dgm:constr type="t" for="ch" forName="wedge1" refType="w" fact="0.0446"/>
+              <dgm:constr type="w" for="ch" forName="wedge1" refType="w" fact="0.84"/>
+              <dgm:constr type="h" for="ch" forName="wedge1" refType="h" fact="0.84"/>
+              <dgm:constr type="l" for="ch" forName="wedge1Tx" refType="w" fact="0.545"/>
+              <dgm:constr type="t" for="ch" forName="wedge1Tx" refType="h" fact="0.2"/>
+              <dgm:constr type="w" for="ch" forName="wedge1Tx" refType="w" fact="0.31"/>
+              <dgm:constr type="h" for="ch" forName="wedge1Tx" refType="h" fact="0.25"/>
+              <dgm:constr type="l" for="ch" forName="wedge2" refType="w" fact="0.08"/>
+              <dgm:constr type="t" for="ch" forName="wedge2" refType="w" fact="0.08"/>
+              <dgm:constr type="w" for="ch" forName="wedge2" refType="w" fact="0.84"/>
+              <dgm:constr type="h" for="ch" forName="wedge2" refType="h" fact="0.84"/>
+              <dgm:constr type="l" for="ch" forName="wedge2Tx" refType="w" fact="0.515"/>
+              <dgm:constr type="t" for="ch" forName="wedge2Tx" refType="h" fact="0.515"/>
+              <dgm:constr type="w" for="ch" forName="wedge2Tx" refType="w" fact="0.31"/>
+              <dgm:constr type="h" for="ch" forName="wedge2Tx" refType="h" fact="0.25"/>
+              <dgm:constr type="l" for="ch" forName="wedge3" refType="w" fact="0.08"/>
+              <dgm:constr type="t" for="ch" forName="wedge3" refType="w" fact="0.08"/>
+              <dgm:constr type="w" for="ch" forName="wedge3" refType="w" fact="0.84"/>
+              <dgm:constr type="h" for="ch" forName="wedge3" refType="h" fact="0.84"/>
+              <dgm:constr type="l" for="ch" forName="wedge3Tx" refType="w" fact="0.175"/>
+              <dgm:constr type="t" for="ch" forName="wedge3Tx" refType="h" fact="0.515"/>
+              <dgm:constr type="w" for="ch" forName="wedge3Tx" refType="w" fact="0.31"/>
+              <dgm:constr type="h" for="ch" forName="wedge3Tx" refType="h" fact="0.25"/>
+              <dgm:constr type="l" for="ch" forName="wedge4" refType="w" fact="0.08"/>
+              <dgm:constr type="t" for="ch" forName="wedge4" refType="h" fact="0.08"/>
+              <dgm:constr type="w" for="ch" forName="wedge4" refType="w" fact="0.84"/>
+              <dgm:constr type="h" for="ch" forName="wedge4" refType="h" fact="0.84"/>
+              <dgm:constr type="l" for="ch" forName="wedge4Tx" refType="w" fact="0.175"/>
+              <dgm:constr type="t" for="ch" forName="wedge4Tx" refType="h" fact="0.235"/>
+              <dgm:constr type="w" for="ch" forName="wedge4Tx" refType="w" fact="0.31"/>
+              <dgm:constr type="h" for="ch" forName="wedge4Tx" refType="h" fact="0.25"/>
+              <dgm:constr type="primFontSz" for="ch" ptType="node" op="equ"/>
+            </dgm:constrLst>
+          </dgm:if>
+          <dgm:else name="Name10">
+            <dgm:constrLst>
+              <dgm:constr type="l" for="ch" forName="wedge1" refType="w" fact="0.08"/>
+              <dgm:constr type="t" for="ch" forName="wedge1" refType="w" fact="0.08"/>
+              <dgm:constr type="w" for="ch" forName="wedge1" refType="w" fact="0.84"/>
+              <dgm:constr type="h" for="ch" forName="wedge1" refType="h" fact="0.84"/>
+              <dgm:constr type="l" for="ch" forName="wedge1Tx" refType="w" fact="0.515"/>
+              <dgm:constr type="t" for="ch" forName="wedge1Tx" refType="h" fact="0.235"/>
+              <dgm:constr type="w" for="ch" forName="wedge1Tx" refType="w" fact="0.31"/>
+              <dgm:constr type="h" for="ch" forName="wedge1Tx" refType="h" fact="0.25"/>
+              <dgm:constr type="l" for="ch" forName="wedge2" refType="w" fact="0.08"/>
+              <dgm:constr type="t" for="ch" forName="wedge2" refType="w" fact="0.08"/>
+              <dgm:constr type="w" for="ch" forName="wedge2" refType="w" fact="0.84"/>
+              <dgm:constr type="h" for="ch" forName="wedge2" refType="h" fact="0.84"/>
+              <dgm:constr type="l" for="ch" forName="wedge2Tx" refType="w" fact="0.515"/>
+              <dgm:constr type="t" for="ch" forName="wedge2Tx" refType="h" fact="0.515"/>
+              <dgm:constr type="w" for="ch" forName="wedge2Tx" refType="w" fact="0.31"/>
+              <dgm:constr type="h" for="ch" forName="wedge2Tx" refType="h" fact="0.25"/>
+              <dgm:constr type="l" for="ch" forName="wedge3" refType="w" fact="0.08"/>
+              <dgm:constr type="t" for="ch" forName="wedge3" refType="w" fact="0.08"/>
+              <dgm:constr type="w" for="ch" forName="wedge3" refType="w" fact="0.84"/>
+              <dgm:constr type="h" for="ch" forName="wedge3" refType="h" fact="0.84"/>
+              <dgm:constr type="l" for="ch" forName="wedge3Tx" refType="w" fact="0.175"/>
+              <dgm:constr type="t" for="ch" forName="wedge3Tx" refType="h" fact="0.515"/>
+              <dgm:constr type="w" for="ch" forName="wedge3Tx" refType="w" fact="0.31"/>
+              <dgm:constr type="h" for="ch" forName="wedge3Tx" refType="h" fact="0.25"/>
+              <dgm:constr type="l" for="ch" forName="wedge4" refType="w" fact="0.0446"/>
+              <dgm:constr type="t" for="ch" forName="wedge4" refType="h" fact="0.0446"/>
+              <dgm:constr type="w" for="ch" forName="wedge4" refType="w" fact="0.84"/>
+              <dgm:constr type="h" for="ch" forName="wedge4" refType="h" fact="0.84"/>
+              <dgm:constr type="l" for="ch" forName="wedge4Tx" refType="w" fact="0.145"/>
+              <dgm:constr type="t" for="ch" forName="wedge4Tx" refType="h" fact="0.2"/>
+              <dgm:constr type="w" for="ch" forName="wedge4Tx" refType="w" fact="0.31"/>
+              <dgm:constr type="h" for="ch" forName="wedge4Tx" refType="h" fact="0.25"/>
+              <dgm:constr type="primFontSz" for="ch" ptType="node" op="equ"/>
+            </dgm:constrLst>
+          </dgm:else>
+        </dgm:choose>
+      </dgm:if>
+      <dgm:if name="Name11" axis="ch" ptType="node" func="cnt" op="equ" val="5">
+        <dgm:choose name="Name12">
+          <dgm:if name="Name13" func="var" arg="dir" op="equ" val="norm">
+            <dgm:constrLst>
+              <dgm:constr type="l" for="ch" forName="wedge1" refType="w" fact="0.1094"/>
+              <dgm:constr type="t" for="ch" forName="wedge1" refType="w" fact="0.0395"/>
+              <dgm:constr type="w" for="ch" forName="wedge1" refType="w" fact="0.84"/>
+              <dgm:constr type="h" for="ch" forName="wedge1" refType="h" fact="0.84"/>
+              <dgm:constr type="l" for="ch" forName="wedge1Tx" refType="w" fact="0.54"/>
+              <dgm:constr type="t" for="ch" forName="wedge1Tx" refType="h" fact="0.165"/>
+              <dgm:constr type="w" for="ch" forName="wedge1Tx" refType="w" fact="0.285"/>
+              <dgm:constr type="h" for="ch" forName="wedge1Tx" refType="h" fact="0.195"/>
+              <dgm:constr type="l" for="ch" forName="wedge2" refType="w" fact="0.08"/>
+              <dgm:constr type="t" for="ch" forName="wedge2" refType="w" fact="0.08"/>
+              <dgm:constr type="w" for="ch" forName="wedge2" refType="w" fact="0.84"/>
+              <dgm:constr type="h" for="ch" forName="wedge2" refType="h" fact="0.84"/>
+              <dgm:constr type="l" for="ch" forName="wedge2Tx" refType="w" fact="0.629"/>
+              <dgm:constr type="t" for="ch" forName="wedge2Tx" refType="h" fact="0.46"/>
+              <dgm:constr type="w" for="ch" forName="wedge2Tx" refType="w" fact="0.25"/>
+              <dgm:constr type="h" for="ch" forName="wedge2Tx" refType="h" fact="0.211"/>
+              <dgm:constr type="l" for="ch" forName="wedge3" refType="w" fact="0.08"/>
+              <dgm:constr type="t" for="ch" forName="wedge3" refType="w" fact="0.08"/>
+              <dgm:constr type="w" for="ch" forName="wedge3" refType="w" fact="0.84"/>
+              <dgm:constr type="h" for="ch" forName="wedge3" refType="h" fact="0.84"/>
+              <dgm:constr type="l" for="ch" forName="wedge3Tx" refType="w" fact="0.35"/>
+              <dgm:constr type="t" for="ch" forName="wedge3Tx" refType="h" fact="0.71"/>
+              <dgm:constr type="w" for="ch" forName="wedge3Tx" refType="w" fact="0.3"/>
+              <dgm:constr type="h" for="ch" forName="wedge3Tx" refType="h" fact="0.18"/>
+              <dgm:constr type="l" for="ch" forName="wedge4" refType="w" fact="0.08"/>
+              <dgm:constr type="t" for="ch" forName="wedge4" refType="h" fact="0.08"/>
+              <dgm:constr type="w" for="ch" forName="wedge4" refType="w" fact="0.84"/>
+              <dgm:constr type="h" for="ch" forName="wedge4" refType="h" fact="0.84"/>
+              <dgm:constr type="l" for="ch" forName="wedge4Tx" refType="w" fact="0.12"/>
+              <dgm:constr type="t" for="ch" forName="wedge4Tx" refType="h" fact="0.46"/>
+              <dgm:constr type="w" for="ch" forName="wedge4Tx" refType="w" fact="0.25"/>
+              <dgm:constr type="h" for="ch" forName="wedge4Tx" refType="h" fact="0.211"/>
+              <dgm:constr type="l" for="ch" forName="wedge5" refType="w" fact="0.08"/>
+              <dgm:constr type="t" for="ch" forName="wedge5" refType="h" fact="0.08"/>
+              <dgm:constr type="w" for="ch" forName="wedge5" refType="w" fact="0.84"/>
+              <dgm:constr type="h" for="ch" forName="wedge5" refType="h" fact="0.84"/>
+              <dgm:constr type="l" for="ch" forName="wedge5Tx" refType="w" fact="0.2025"/>
+              <dgm:constr type="t" for="ch" forName="wedge5Tx" refType="h" fact="0.208"/>
+              <dgm:constr type="w" for="ch" forName="wedge5Tx" refType="w" fact="0.285"/>
+              <dgm:constr type="h" for="ch" forName="wedge5Tx" refType="h" fact="0.195"/>
+              <dgm:constr type="primFontSz" for="ch" ptType="node" op="equ"/>
+            </dgm:constrLst>
+          </dgm:if>
+          <dgm:else name="Name14">
+            <dgm:constrLst>
+              <dgm:constr type="l" for="ch" forName="wedge1" refType="w" fact="0.08"/>
+              <dgm:constr type="t" for="ch" forName="wedge1" refType="w" fact="0.08"/>
+              <dgm:constr type="w" for="ch" forName="wedge1" refType="w" fact="0.84"/>
+              <dgm:constr type="h" for="ch" forName="wedge1" refType="h" fact="0.84"/>
+              <dgm:constr type="l" for="ch" forName="wedge1Tx" refType="w" fact="0.51"/>
+              <dgm:constr type="t" for="ch" forName="wedge1Tx" refType="h" fact="0.208"/>
+              <dgm:constr type="w" for="ch" forName="wedge1Tx" refType="w" fact="0.285"/>
+              <dgm:constr type="h" for="ch" forName="wedge1Tx" refType="h" fact="0.195"/>
+              <dgm:constr type="l" for="ch" forName="wedge2" refType="w" fact="0.08"/>
+              <dgm:constr type="t" for="ch" forName="wedge2" refType="w" fact="0.08"/>
+              <dgm:constr type="w" for="ch" forName="wedge2" refType="w" fact="0.84"/>
+              <dgm:constr type="h" for="ch" forName="wedge2" refType="h" fact="0.84"/>
+              <dgm:constr type="l" for="ch" forName="wedge2Tx" refType="w" fact="0.629"/>
+              <dgm:constr type="t" for="ch" forName="wedge2Tx" refType="h" fact="0.46"/>
+              <dgm:constr type="w" for="ch" forName="wedge2Tx" refType="w" fact="0.25"/>
+              <dgm:constr type="h" for="ch" forName="wedge2Tx" refType="h" fact="0.211"/>
+              <dgm:constr type="l" for="ch" forName="wedge3" refType="w" fact="0.08"/>
+              <dgm:constr type="t" for="ch" forName="wedge3" refType="w" fact="0.08"/>
+              <dgm:constr type="w" for="ch" forName="wedge3" refType="w" fact="0.84"/>
+              <dgm:constr type="h" for="ch" forName="wedge3" refType="h" fact="0.84"/>
+              <dgm:constr type="l" for="ch" forName="wedge3Tx" refType="w" fact="0.35"/>
+              <dgm:constr type="t" for="ch" forName="wedge3Tx" refType="h" fact="0.71"/>
+              <dgm:constr type="w" for="ch" forName="wedge3Tx" refType="w" fact="0.3"/>
+              <dgm:constr type="h" for="ch" forName="wedge3Tx" refType="h" fact="0.18"/>
+              <dgm:constr type="l" for="ch" forName="wedge4" refType="w" fact="0.08"/>
+              <dgm:constr type="t" for="ch" forName="wedge4" refType="h" fact="0.08"/>
+              <dgm:constr type="w" for="ch" forName="wedge4" refType="w" fact="0.84"/>
+              <dgm:constr type="h" for="ch" forName="wedge4" refType="h" fact="0.84"/>
+              <dgm:constr type="l" for="ch" forName="wedge4Tx" refType="w" fact="0.12"/>
+              <dgm:constr type="t" for="ch" forName="wedge4Tx" refType="h" fact="0.46"/>
+              <dgm:constr type="w" for="ch" forName="wedge4Tx" refType="w" fact="0.25"/>
+              <dgm:constr type="h" for="ch" forName="wedge4Tx" refType="h" fact="0.211"/>
+              <dgm:constr type="l" for="ch" forName="wedge5" refType="w" fact="0.0506"/>
+              <dgm:constr type="t" for="ch" forName="wedge5" refType="h" fact="0.0395"/>
+              <dgm:constr type="w" for="ch" forName="wedge5" refType="w" fact="0.84"/>
+              <dgm:constr type="h" for="ch" forName="wedge5" refType="h" fact="0.84"/>
+              <dgm:constr type="l" for="ch" forName="wedge5Tx" refType="w" fact="0.18"/>
+              <dgm:constr type="t" for="ch" forName="wedge5Tx" refType="h" fact="0.165"/>
+              <dgm:constr type="w" for="ch" forName="wedge5Tx" refType="w" fact="0.285"/>
+              <dgm:constr type="h" for="ch" forName="wedge5Tx" refType="h" fact="0.195"/>
+              <dgm:constr type="primFontSz" for="ch" ptType="node" op="equ"/>
+            </dgm:constrLst>
+          </dgm:else>
+        </dgm:choose>
+      </dgm:if>
+      <dgm:if name="Name15" axis="ch" ptType="node" func="cnt" op="equ" val="6">
+        <dgm:choose name="Name16">
+          <dgm:if name="Name17" func="var" arg="dir" op="equ" val="norm">
+            <dgm:constrLst>
+              <dgm:constr type="l" for="ch" forName="wedge1" refType="w" fact="0.105"/>
+              <dgm:constr type="t" for="ch" forName="wedge1" refType="w" fact="0.0367"/>
+              <dgm:constr type="w" for="ch" forName="wedge1" refType="w" fact="0.84"/>
+              <dgm:constr type="h" for="ch" forName="wedge1" refType="h" fact="0.84"/>
+              <dgm:constr type="l" for="ch" forName="wedge1Tx" refType="w" fact="0.534"/>
+              <dgm:constr type="t" for="ch" forName="wedge1Tx" refType="h" fact="0.1267"/>
+              <dgm:constr type="w" for="ch" forName="wedge1Tx" refType="w" fact="0.245"/>
+              <dgm:constr type="h" for="ch" forName="wedge1Tx" refType="h" fact="0.18"/>
+              <dgm:constr type="l" for="ch" forName="wedge2" refType="w" fact="0.08"/>
+              <dgm:constr type="t" for="ch" forName="wedge2" refType="w" fact="0.08"/>
+              <dgm:constr type="w" for="ch" forName="wedge2" refType="w" fact="0.84"/>
+              <dgm:constr type="h" for="ch" forName="wedge2" refType="h" fact="0.84"/>
+              <dgm:constr type="l" for="ch" forName="wedge2Tx" refType="w" fact="0.655"/>
+              <dgm:constr type="t" for="ch" forName="wedge2Tx" refType="h" fact="0.415"/>
+              <dgm:constr type="w" for="ch" forName="wedge2Tx" refType="w" fact="0.254"/>
+              <dgm:constr type="h" for="ch" forName="wedge2Tx" refType="h" fact="0.17"/>
+              <dgm:constr type="l" for="ch" forName="wedge3" refType="w" fact="0.08"/>
+              <dgm:constr type="t" for="ch" forName="wedge3" refType="w" fact="0.08"/>
+              <dgm:constr type="w" for="ch" forName="wedge3" refType="w" fact="0.84"/>
+              <dgm:constr type="h" for="ch" forName="wedge3" refType="h" fact="0.84"/>
+              <dgm:constr type="l" for="ch" forName="wedge3Tx" refType="w" fact="0.509"/>
+              <dgm:constr type="t" for="ch" forName="wedge3Tx" refType="h" fact="0.65"/>
+              <dgm:constr type="w" for="ch" forName="wedge3Tx" refType="w" fact="0.245"/>
+              <dgm:constr type="h" for="ch" forName="wedge3Tx" refType="h" fact="0.18"/>
+              <dgm:constr type="l" for="ch" forName="wedge4" refType="w" fact="0.08"/>
+              <dgm:constr type="t" for="ch" forName="wedge4" refType="h" fact="0.08"/>
+              <dgm:constr type="w" for="ch" forName="wedge4" refType="w" fact="0.84"/>
+              <dgm:constr type="h" for="ch" forName="wedge4" refType="h" fact="0.84"/>
+              <dgm:constr type="l" for="ch" forName="wedge4Tx" refType="w" fact="0.246"/>
+              <dgm:constr type="t" for="ch" forName="wedge4Tx" refType="h" fact="0.65"/>
+              <dgm:constr type="w" for="ch" forName="wedge4Tx" refType="w" fact="0.245"/>
+              <dgm:constr type="h" for="ch" forName="wedge4Tx" refType="h" fact="0.18"/>
+              <dgm:constr type="l" for="ch" forName="wedge5" refType="w" fact="0.08"/>
+              <dgm:constr type="t" for="ch" forName="wedge5" refType="h" fact="0.08"/>
+              <dgm:constr type="w" for="ch" forName="wedge5" refType="w" fact="0.84"/>
+              <dgm:constr type="h" for="ch" forName="wedge5" refType="h" fact="0.84"/>
+              <dgm:constr type="l" for="ch" forName="wedge5Tx" refType="w" fact="0.093"/>
+              <dgm:constr type="t" for="ch" forName="wedge5Tx" refType="h" fact="0.415"/>
+              <dgm:constr type="w" for="ch" forName="wedge5Tx" refType="w" fact="0.254"/>
+              <dgm:constr type="h" for="ch" forName="wedge5Tx" refType="h" fact="0.17"/>
+              <dgm:constr type="l" for="ch" forName="wedge6" refType="w" fact="0.08"/>
+              <dgm:constr type="t" for="ch" forName="wedge6" refType="h" fact="0.08"/>
+              <dgm:constr type="w" for="ch" forName="wedge6" refType="w" fact="0.84"/>
+              <dgm:constr type="h" for="ch" forName="wedge6" refType="h" fact="0.84"/>
+              <dgm:constr type="l" for="ch" forName="wedge6Tx" refType="w" fact="0.246"/>
+              <dgm:constr type="t" for="ch" forName="wedge6Tx" refType="h" fact="0.17"/>
+              <dgm:constr type="w" for="ch" forName="wedge6Tx" refType="w" fact="0.245"/>
+              <dgm:constr type="h" for="ch" forName="wedge6Tx" refType="h" fact="0.18"/>
+              <dgm:constr type="primFontSz" for="ch" ptType="node" op="equ"/>
+            </dgm:constrLst>
+          </dgm:if>
+          <dgm:else name="Name18">
+            <dgm:constrLst>
+              <dgm:constr type="l" for="ch" forName="wedge1" refType="w" fact="0.08"/>
+              <dgm:constr type="t" for="ch" forName="wedge1" refType="w" fact="0.08"/>
+              <dgm:constr type="w" for="ch" forName="wedge1" refType="w" fact="0.84"/>
+              <dgm:constr type="h" for="ch" forName="wedge1" refType="h" fact="0.84"/>
+              <dgm:constr type="l" for="ch" forName="wedge1Tx" refType="w" fact="0.509"/>
+              <dgm:constr type="t" for="ch" forName="wedge1Tx" refType="h" fact="0.17"/>
+              <dgm:constr type="w" for="ch" forName="wedge1Tx" refType="w" fact="0.245"/>
+              <dgm:constr type="h" for="ch" forName="wedge1Tx" refType="h" fact="0.18"/>
+              <dgm:constr type="l" for="ch" forName="wedge2" refType="w" fact="0.08"/>
+              <dgm:constr type="t" for="ch" forName="wedge2" refType="w" fact="0.08"/>
+              <dgm:constr type="w" for="ch" forName="wedge2" refType="w" fact="0.84"/>
+              <dgm:constr type="h" for="ch" forName="wedge2" refType="h" fact="0.84"/>
+              <dgm:constr type="l" for="ch" forName="wedge2Tx" refType="w" fact="0.655"/>
+              <dgm:constr type="t" for="ch" forName="wedge2Tx" refType="h" fact="0.415"/>
+              <dgm:constr type="w" for="ch" forName="wedge2Tx" refType="w" fact="0.254"/>
+              <dgm:constr type="h" for="ch" forName="wedge2Tx" refType="h" fact="0.17"/>
+              <dgm:constr type="l" for="ch" forName="wedge3" refType="w" fact="0.08"/>
+              <dgm:constr type="t" for="ch" forName="wedge3" refType="w" fact="0.08"/>
+              <dgm:constr type="w" for="ch" forName="wedge3" refType="w" fact="0.84"/>
+              <dgm:constr type="h" for="ch" forName="wedge3" refType="h" fact="0.84"/>
+              <dgm:constr type="l" for="ch" forName="wedge3Tx" refType="w" fact="0.509"/>
+              <dgm:constr type="t" for="ch" forName="wedge3Tx" refType="h" fact="0.65"/>
+              <dgm:constr type="w" for="ch" forName="wedge3Tx" refType="w" fact="0.245"/>
+              <dgm:constr type="h" for="ch" forName="wedge3Tx" refType="h" fact="0.18"/>
+              <dgm:constr type="l" for="ch" forName="wedge4" refType="w" fact="0.08"/>
+              <dgm:constr type="t" for="ch" forName="wedge4" refType="h" fact="0.08"/>
+              <dgm:constr type="w" for="ch" forName="wedge4" refType="w" fact="0.84"/>
+              <dgm:constr type="h" for="ch" forName="wedge4" refType="h" fact="0.84"/>
+              <dgm:constr type="l" for="ch" forName="wedge4Tx" refType="w" fact="0.246"/>
+              <dgm:constr type="t" for="ch" forName="wedge4Tx" refType="h" fact="0.65"/>
+              <dgm:constr type="w" for="ch" forName="wedge4Tx" refType="w" fact="0.245"/>
+              <dgm:constr type="h" for="ch" forName="wedge4Tx" refType="h" fact="0.18"/>
+              <dgm:constr type="l" for="ch" forName="wedge5" refType="w" fact="0.08"/>
+              <dgm:constr type="t" for="ch" forName="wedge5" refType="h" fact="0.08"/>
+              <dgm:constr type="w" for="ch" forName="wedge5" refType="w" fact="0.84"/>
+              <dgm:constr type="h" for="ch" forName="wedge5" refType="h" fact="0.84"/>
+              <dgm:constr type="l" for="ch" forName="wedge5Tx" refType="w" fact="0.093"/>
+              <dgm:constr type="t" for="ch" forName="wedge5Tx" refType="h" fact="0.415"/>
+              <dgm:constr type="w" for="ch" forName="wedge5Tx" refType="w" fact="0.254"/>
+              <dgm:constr type="h" for="ch" forName="wedge5Tx" refType="h" fact="0.17"/>
+              <dgm:constr type="l" for="ch" forName="wedge6" refType="w" fact="0.055"/>
+              <dgm:constr type="t" for="ch" forName="wedge6" refType="h" fact="0.0367"/>
+              <dgm:constr type="w" for="ch" forName="wedge6" refType="w" fact="0.84"/>
+              <dgm:constr type="h" for="ch" forName="wedge6" refType="h" fact="0.84"/>
+              <dgm:constr type="l" for="ch" forName="wedge6Tx" refType="w" fact="0.221"/>
+              <dgm:constr type="t" for="ch" forName="wedge6Tx" refType="h" fact="0.1267"/>
+              <dgm:constr type="w" for="ch" forName="wedge6Tx" refType="w" fact="0.245"/>
+              <dgm:constr type="h" for="ch" forName="wedge6Tx" refType="h" fact="0.18"/>
+              <dgm:constr type="primFontSz" for="ch" ptType="node" op="equ"/>
+            </dgm:constrLst>
+          </dgm:else>
+        </dgm:choose>
+      </dgm:if>
+      <dgm:else name="Name19">
+        <dgm:choose name="Name20">
+          <dgm:if name="Name21" func="var" arg="dir" op="equ" val="norm">
+            <dgm:constrLst>
+              <dgm:constr type="l" for="ch" forName="wedge1" refType="w" fact="0.1017"/>
+              <dgm:constr type="t" for="ch" forName="wedge1" refType="w" fact="0.035"/>
+              <dgm:constr type="w" for="ch" forName="wedge1" refType="w" fact="0.84"/>
+              <dgm:constr type="h" for="ch" forName="wedge1" refType="h" fact="0.84"/>
+              <dgm:constr type="l" for="ch" forName="wedge1Tx" refType="w" fact="0.53"/>
+              <dgm:constr type="t" for="ch" forName="wedge1Tx" refType="h" fact="0.115"/>
+              <dgm:constr type="w" for="ch" forName="wedge1Tx" refType="w" fact="0.23"/>
+              <dgm:constr type="h" for="ch" forName="wedge1Tx" refType="h" fact="0.145"/>
+              <dgm:constr type="l" for="ch" forName="wedge2" refType="w" fact="0.08"/>
+              <dgm:constr type="t" for="ch" forName="wedge2" refType="w" fact="0.08"/>
+              <dgm:constr type="w" for="ch" forName="wedge2" refType="w" fact="0.84"/>
+              <dgm:constr type="h" for="ch" forName="wedge2" refType="h" fact="0.84"/>
+              <dgm:constr type="l" for="ch" forName="wedge2Tx" refType="w" fact="0.655"/>
+              <dgm:constr type="t" for="ch" forName="wedge2Tx" refType="h" fact="0.38"/>
+              <dgm:constr type="w" for="ch" forName="wedge2Tx" refType="w" fact="0.244"/>
+              <dgm:constr type="h" for="ch" forName="wedge2Tx" refType="h" fact="0.155"/>
+              <dgm:constr type="l" for="ch" forName="wedge3" refType="w" fact="0.08"/>
+              <dgm:constr type="t" for="ch" forName="wedge3" refType="w" fact="0.08"/>
+              <dgm:constr type="w" for="ch" forName="wedge3" refType="w" fact="0.84"/>
+              <dgm:constr type="h" for="ch" forName="wedge3" refType="h" fact="0.84"/>
+              <dgm:constr type="l" for="ch" forName="wedge3Tx" refType="w" fact="0.62"/>
+              <dgm:constr type="t" for="ch" forName="wedge3Tx" refType="h" fact="0.58"/>
+              <dgm:constr type="w" for="ch" forName="wedge3Tx" refType="w" fact="0.22"/>
+              <dgm:constr type="h" for="ch" forName="wedge3Tx" refType="h" fact="0.16"/>
+              <dgm:constr type="l" for="ch" forName="wedge4" refType="w" fact="0.08"/>
+              <dgm:constr type="t" for="ch" forName="wedge4" refType="h" fact="0.08"/>
+              <dgm:constr type="w" for="ch" forName="wedge4" refType="w" fact="0.84"/>
+              <dgm:constr type="h" for="ch" forName="wedge4" refType="h" fact="0.84"/>
+              <dgm:constr type="l" for="ch" forName="wedge4Tx" refType="w" fact="0.3875"/>
+              <dgm:constr type="t" for="ch" forName="wedge4Tx" refType="h" fact="0.74"/>
+              <dgm:constr type="w" for="ch" forName="wedge4Tx" refType="w" fact="0.225"/>
+              <dgm:constr type="h" for="ch" forName="wedge4Tx" refType="h" fact="0.16"/>
+              <dgm:constr type="l" for="ch" forName="wedge5" refType="w" fact="0.08"/>
+              <dgm:constr type="t" for="ch" forName="wedge5" refType="h" fact="0.08"/>
+              <dgm:constr type="w" for="ch" forName="wedge5" refType="w" fact="0.84"/>
+              <dgm:constr type="h" for="ch" forName="wedge5" refType="h" fact="0.84"/>
+              <dgm:constr type="l" for="ch" forName="wedge5Tx" refType="w" fact="0.16"/>
+              <dgm:constr type="t" for="ch" forName="wedge5Tx" refType="h" fact="0.58"/>
+              <dgm:constr type="w" for="ch" forName="wedge5Tx" refType="w" fact="0.22"/>
+              <dgm:constr type="h" for="ch" forName="wedge5Tx" refType="h" fact="0.16"/>
+              <dgm:constr type="l" for="ch" forName="wedge6" refType="w" fact="0.08"/>
+              <dgm:constr type="t" for="ch" forName="wedge6" refType="h" fact="0.08"/>
+              <dgm:constr type="w" for="ch" forName="wedge6" refType="w" fact="0.84"/>
+              <dgm:constr type="h" for="ch" forName="wedge6" refType="h" fact="0.84"/>
+              <dgm:constr type="l" for="ch" forName="wedge6Tx" refType="w" fact="0.101"/>
+              <dgm:constr type="t" for="ch" forName="wedge6Tx" refType="h" fact="0.38"/>
+              <dgm:constr type="w" for="ch" forName="wedge6Tx" refType="w" fact="0.244"/>
+              <dgm:constr type="h" for="ch" forName="wedge6Tx" refType="h" fact="0.155"/>
+              <dgm:constr type="l" for="ch" forName="wedge7" refType="w" fact="0.08"/>
+              <dgm:constr type="t" for="ch" forName="wedge7" refType="h" fact="0.08"/>
+              <dgm:constr type="w" for="ch" forName="wedge7" refType="w" fact="0.84"/>
+              <dgm:constr type="h" for="ch" forName="wedge7" refType="h" fact="0.84"/>
+              <dgm:constr type="l" for="ch" forName="wedge7Tx" refType="w" fact="0.262"/>
+              <dgm:constr type="t" for="ch" forName="wedge7Tx" refType="h" fact="0.16"/>
+              <dgm:constr type="w" for="ch" forName="wedge7Tx" refType="w" fact="0.23"/>
+              <dgm:constr type="h" for="ch" forName="wedge7Tx" refType="h" fact="0.145"/>
+              <dgm:constr type="primFontSz" for="ch" ptType="node" op="equ"/>
+            </dgm:constrLst>
+          </dgm:if>
+          <dgm:else name="Name22">
+            <dgm:constrLst>
+              <dgm:constr type="l" for="ch" forName="wedge1" refType="w" fact="0.08"/>
+              <dgm:constr type="t" for="ch" forName="wedge1" refType="w" fact="0.08"/>
+              <dgm:constr type="w" for="ch" forName="wedge1" refType="w" fact="0.84"/>
+              <dgm:constr type="h" for="ch" forName="wedge1" refType="h" fact="0.84"/>
+              <dgm:constr type="l" for="ch" forName="wedge1Tx" refType="w" fact="0.508"/>
+              <dgm:constr type="t" for="ch" forName="wedge1Tx" refType="h" fact="0.16"/>
+              <dgm:constr type="w" for="ch" forName="wedge1Tx" refType="w" fact="0.23"/>
+              <dgm:constr type="h" for="ch" forName="wedge1Tx" refType="h" fact="0.145"/>
+              <dgm:constr type="l" for="ch" forName="wedge2" refType="w" fact="0.08"/>
+              <dgm:constr type="t" for="ch" forName="wedge2" refType="w" fact="0.08"/>
+              <dgm:constr type="w" for="ch" forName="wedge2" refType="w" fact="0.84"/>
+              <dgm:constr type="h" for="ch" forName="wedge2" refType="h" fact="0.84"/>
+              <dgm:constr type="l" for="ch" forName="wedge2Tx" refType="w" fact="0.655"/>
+              <dgm:constr type="t" for="ch" forName="wedge2Tx" refType="h" fact="0.38"/>
+              <dgm:constr type="w" for="ch" forName="wedge2Tx" refType="w" fact="0.244"/>
+              <dgm:constr type="h" for="ch" forName="wedge2Tx" refType="h" fact="0.155"/>
+              <dgm:constr type="l" for="ch" forName="wedge3" refType="w" fact="0.08"/>
+              <dgm:constr type="t" for="ch" forName="wedge3" refType="w" fact="0.08"/>
+              <dgm:constr type="w" for="ch" forName="wedge3" refType="w" fact="0.84"/>
+              <dgm:constr type="h" for="ch" forName="wedge3" refType="h" fact="0.84"/>
+              <dgm:constr type="l" for="ch" forName="wedge3Tx" refType="w" fact="0.62"/>
+              <dgm:constr type="t" for="ch" forName="wedge3Tx" refType="h" fact="0.58"/>
+              <dgm:constr type="w" for="ch" forName="wedge3Tx" refType="w" fact="0.22"/>
+              <dgm:constr type="h" for="ch" forName="wedge3Tx" refType="h" fact="0.16"/>
+              <dgm:constr type="l" for="ch" forName="wedge4" refType="w" fact="0.08"/>
+              <dgm:constr type="t" for="ch" forName="wedge4" refType="h" fact="0.08"/>
+              <dgm:constr type="w" for="ch" forName="wedge4" refType="w" fact="0.84"/>
+              <dgm:constr type="h" for="ch" forName="wedge4" refType="h" fact="0.84"/>
+              <dgm:constr type="l" for="ch" forName="wedge4Tx" refType="w" fact="0.3875"/>
+              <dgm:constr type="t" for="ch" forName="wedge4Tx" refType="h" fact="0.74"/>
+              <dgm:constr type="w" for="ch" forName="wedge4Tx" refType="w" fact="0.225"/>
+              <dgm:constr type="h" for="ch" forName="wedge4Tx" refType="h" fact="0.16"/>
+              <dgm:constr type="l" for="ch" forName="wedge5" refType="w" fact="0.08"/>
+              <dgm:constr type="t" for="ch" forName="wedge5" refType="h" fact="0.08"/>
+              <dgm:constr type="w" for="ch" forName="wedge5" refType="w" fact="0.84"/>
+              <dgm:constr type="h" for="ch" forName="wedge5" refType="h" fact="0.84"/>
+              <dgm:constr type="l" for="ch" forName="wedge5Tx" refType="w" fact="0.16"/>
+              <dgm:constr type="t" for="ch" forName="wedge5Tx" refType="h" fact="0.58"/>
+              <dgm:constr type="w" for="ch" forName="wedge5Tx" refType="w" fact="0.22"/>
+              <dgm:constr type="h" for="ch" forName="wedge5Tx" refType="h" fact="0.16"/>
+              <dgm:constr type="l" for="ch" forName="wedge6" refType="w" fact="0.08"/>
+              <dgm:constr type="t" for="ch" forName="wedge6" refType="h" fact="0.08"/>
+              <dgm:constr type="w" for="ch" forName="wedge6" refType="w" fact="0.84"/>
+              <dgm:constr type="h" for="ch" forName="wedge6" refType="h" fact="0.84"/>
+              <dgm:constr type="l" for="ch" forName="wedge6Tx" refType="w" fact="0.101"/>
+              <dgm:constr type="t" for="ch" forName="wedge6Tx" refType="h" fact="0.38"/>
+              <dgm:constr type="w" for="ch" forName="wedge6Tx" refType="w" fact="0.244"/>
+              <dgm:constr type="h" for="ch" forName="wedge6Tx" refType="h" fact="0.155"/>
+              <dgm:constr type="l" for="ch" forName="wedge7" refType="w" fact="0.0583"/>
+              <dgm:constr type="t" for="ch" forName="wedge7" refType="h" fact="0.035"/>
+              <dgm:constr type="w" for="ch" forName="wedge7" refType="w" fact="0.84"/>
+              <dgm:constr type="h" for="ch" forName="wedge7" refType="h" fact="0.84"/>
+              <dgm:constr type="l" for="ch" forName="wedge7Tx" refType="w" fact="0.2403"/>
+              <dgm:constr type="t" for="ch" forName="wedge7Tx" refType="h" fact="0.115"/>
+              <dgm:constr type="w" for="ch" forName="wedge7Tx" refType="w" fact="0.23"/>
+              <dgm:constr type="h" for="ch" forName="wedge7Tx" refType="h" fact="0.145"/>
+              <dgm:constr type="primFontSz" for="ch" ptType="node" op="equ"/>
+            </dgm:constrLst>
+          </dgm:else>
+        </dgm:choose>
+      </dgm:else>
+    </dgm:choose>
+    <dgm:ruleLst/>
+    <dgm:choose name="Name23">
+      <dgm:if name="Name24" axis="ch" ptType="node" func="cnt" op="gte" val="1">
+        <dgm:layoutNode name="wedge1">
+          <dgm:alg type="sp"/>
+          <dgm:choose name="Name25">
+            <dgm:if name="Name26" axis="ch" ptType="node" func="cnt" op="equ" val="1">
+              <dgm:shape xmlns:r="http://schemas.openxmlformats.org/officeDocument/2006/relationships" type="ellipse" r:blip="">
+                <dgm:adjLst/>
+              </dgm:shape>
+            </dgm:if>
+            <dgm:if name="Name27" axis="ch" ptType="node" func="cnt" op="equ" val="2">
+              <dgm:shape xmlns:r="http://schemas.openxmlformats.org/officeDocument/2006/relationships" type="pie" r:blip="">
+                <dgm:adjLst>
+                  <dgm:adj idx="1" val="270"/>
+                  <dgm:adj idx="2" val="90"/>
+                </dgm:adjLst>
+              </dgm:shape>
+            </dgm:if>
+            <dgm:if name="Name28" axis="ch" ptType="node" func="cnt" op="equ" val="3">
+              <dgm:shape xmlns:r="http://schemas.openxmlformats.org/officeDocument/2006/relationships" type="pie" r:blip="">
+                <dgm:adjLst>
+                  <dgm:adj idx="1" val="270"/>
+                  <dgm:adj idx="2" val="30"/>
+                </dgm:adjLst>
+              </dgm:shape>
+            </dgm:if>
+            <dgm:if name="Name29" axis="ch" ptType="node" func="cnt" op="equ" val="4">
+              <dgm:shape xmlns:r="http://schemas.openxmlformats.org/officeDocument/2006/relationships" type="pie" r:blip="">
+                <dgm:adjLst>
+                  <dgm:adj idx="1" val="270"/>
+                  <dgm:adj idx="2" val="0"/>
+                </dgm:adjLst>
+              </dgm:shape>
+            </dgm:if>
+            <dgm:if name="Name30" axis="ch" ptType="node" func="cnt" op="equ" val="5">
+              <dgm:shape xmlns:r="http://schemas.openxmlformats.org/officeDocument/2006/relationships" type="pie" r:blip="">
+                <dgm:adjLst>
+                  <dgm:adj idx="1" val="270"/>
+                  <dgm:adj idx="2" val="342"/>
+                </dgm:adjLst>
+              </dgm:shape>
+            </dgm:if>
+            <dgm:if name="Name31" axis="ch" ptType="node" func="cnt" op="equ" val="6">
+              <dgm:shape xmlns:r="http://schemas.openxmlformats.org/officeDocument/2006/relationships" type="pie" r:blip="">
+                <dgm:adjLst>
+                  <dgm:adj idx="1" val="270"/>
+                  <dgm:adj idx="2" val="330"/>
+                </dgm:adjLst>
+              </dgm:shape>
+            </dgm:if>
+            <dgm:else name="Name32">
+              <dgm:shape xmlns:r="http://schemas.openxmlformats.org/officeDocument/2006/relationships" type="pie" r:blip="">
+                <dgm:adjLst>
+                  <dgm:adj idx="1" val="270"/>
+                  <dgm:adj idx="2" val="321.4286"/>
+                </dgm:adjLst>
+              </dgm:shape>
+            </dgm:else>
+          </dgm:choose>
+          <dgm:choose name="Name33">
+            <dgm:if name="Name34" func="var" arg="dir" op="equ" val="norm">
+              <dgm:presOf axis="ch desOrSelf" ptType="node node" st="1 1" cnt="1 0"/>
+            </dgm:if>
+            <dgm:else name="Name35">
+              <dgm:choose name="Name36">
+                <dgm:if name="Name37" axis="ch" ptType="node" func="cnt" op="equ" val="1">
+                  <dgm:presOf axis="ch desOrSelf" ptType="node node" st="1 1" cnt="1 0"/>
+                </dgm:if>
+                <dgm:if name="Name38" axis="ch" ptType="node" func="cnt" op="equ" val="2">
+                  <dgm:presOf axis="ch desOrSelf" ptType="node node" st="2 1" cnt="1 0"/>
+                </dgm:if>
+                <dgm:if name="Name39" axis="ch" ptType="node" func="cnt" op="equ" val="3">
+                  <dgm:presOf axis="ch desOrSelf" ptType="node node" st="3 1" cnt="1 0"/>
+                </dgm:if>
+                <dgm:if name="Name40" axis="ch" ptType="node" func="cnt" op="equ" val="4">
+                  <dgm:presOf axis="ch desOrSelf" ptType="node node" st="4 1" cnt="1 0"/>
+                </dgm:if>
+                <dgm:if name="Name41" axis="ch" ptType="node" func="cnt" op="equ" val="5">
+                  <dgm:presOf axis="ch desOrSelf" ptType="node node" st="5 1" cnt="1 0"/>
+                </dgm:if>
+                <dgm:if name="Name42" axis="ch" ptType="node" func="cnt" op="equ" val="6">
+                  <dgm:presOf axis="ch desOrSelf" ptType="node node" st="6 1" cnt="1 0"/>
+                </dgm:if>
+                <dgm:else name="Name43">
+                  <dgm:presOf axis="ch desOrSelf" ptType="node node" st="7 1" cnt="1 0"/>
+                </dgm:else>
+              </dgm:choose>
+            </dgm:else>
+          </dgm:choose>
+          <dgm:constrLst/>
+          <dgm:ruleLst/>
+        </dgm:layoutNode>
+        <dgm:layoutNode name="wedge1Tx" moveWith="wedge1">
+          <dgm:varLst>
+            <dgm:chMax val="0"/>
+            <dgm:chPref val="0"/>
+            <dgm:bulletEnabled val="1"/>
+          </dgm:varLst>
+          <dgm:alg type="tx"/>
+          <dgm:shape xmlns:r="http://schemas.openxmlformats.org/officeDocument/2006/relationships" type="rect" r:blip="" hideGeom="1">
+            <dgm:adjLst/>
+          </dgm:shape>
+          <dgm:choose name="Name44">
+            <dgm:if name="Name45" func="var" arg="dir" op="equ" val="norm">
+              <dgm:presOf axis="ch desOrSelf" ptType="node node" st="1 1" cnt="1 0"/>
+            </dgm:if>
+            <dgm:else name="Name46">
+              <dgm:choose name="Name47">
+                <dgm:if name="Name48" axis="ch" ptType="node" func="cnt" op="equ" val="1">
+                  <dgm:presOf axis="ch desOrSelf" ptType="node node" st="1 1" cnt="1 0"/>
+                </dgm:if>
+                <dgm:if name="Name49" axis="ch" ptType="node" func="cnt" op="equ" val="2">
+                  <dgm:presOf axis="ch desOrSelf" ptType="node node" st="2 1" cnt="1 0"/>
+                </dgm:if>
+                <dgm:if name="Name50" axis="ch" ptType="node" func="cnt" op="equ" val="3">
+                  <dgm:presOf axis="ch desOrSelf" ptType="node node" st="3 1" cnt="1 0"/>
+                </dgm:if>
+                <dgm:if name="Name51" axis="ch" ptType="node" func="cnt" op="equ" val="4">
+                  <dgm:presOf axis="ch desOrSelf" ptType="node node" st="4 1" cnt="1 0"/>
+                </dgm:if>
+                <dgm:if name="Name52" axis="ch" ptType="node" func="cnt" op="equ" val="5">
+                  <dgm:presOf axis="ch desOrSelf" ptType="node node" st="5 1" cnt="1 0"/>
+                </dgm:if>
+                <dgm:if name="Name53" axis="ch" ptType="node" func="cnt" op="equ" val="6">
+                  <dgm:presOf axis="ch desOrSelf" ptType="node node" st="6 1" cnt="1 0"/>
+                </dgm:if>
+                <dgm:else name="Name54">
+                  <dgm:presOf axis="ch desOrSelf" ptType="node node" st="7 1" cnt="1 0"/>
+                </dgm:else>
+              </dgm:choose>
+            </dgm:else>
+          </dgm:choose>
+          <dgm:constrLst>
+            <dgm:constr type="tMarg" refType="primFontSz" fact="0.1"/>
+            <dgm:constr type="bMarg" refType="primFontSz" fact="0.1"/>
+            <dgm:constr type="lMarg" refType="primFontSz" fact="0.1"/>
+            <dgm:constr type="rMarg" refType="primFontSz" fact="0.1"/>
+            <dgm:constr type="primFontSz" val="65"/>
+          </dgm:constrLst>
+          <dgm:ruleLst>
+            <dgm:rule type="primFontSz" val="5" fact="NaN" max="NaN"/>
+          </dgm:ruleLst>
+        </dgm:layoutNode>
+      </dgm:if>
+      <dgm:else name="Name55"/>
+    </dgm:choose>
+    <dgm:choose name="Name56">
+      <dgm:if name="Name57" axis="ch" ptType="node" func="cnt" op="gte" val="2">
+        <dgm:layoutNode name="wedge2">
+          <dgm:alg type="sp"/>
+          <dgm:choose name="Name58">
+            <dgm:if name="Name59" axis="ch" ptType="node" func="cnt" op="equ" val="2">
+              <dgm:shape xmlns:r="http://schemas.openxmlformats.org/officeDocument/2006/relationships" type="pie" r:blip="">
+                <dgm:adjLst>
+                  <dgm:adj idx="1" val="90"/>
+                  <dgm:adj idx="2" val="270"/>
+                </dgm:adjLst>
+              </dgm:shape>
+            </dgm:if>
+            <dgm:if name="Name60" axis="ch" ptType="node" func="cnt" op="equ" val="3">
+              <dgm:shape xmlns:r="http://schemas.openxmlformats.org/officeDocument/2006/relationships" type="pie" r:blip="">
+                <dgm:adjLst>
+                  <dgm:adj idx="1" val="30"/>
+                  <dgm:adj idx="2" val="150"/>
+                </dgm:adjLst>
+              </dgm:shape>
+            </dgm:if>
+            <dgm:if name="Name61" axis="ch" ptType="node" func="cnt" op="equ" val="4">
+              <dgm:shape xmlns:r="http://schemas.openxmlformats.org/officeDocument/2006/relationships" type="pie" r:blip="">
+                <dgm:adjLst>
+                  <dgm:adj idx="1" val="0"/>
+                  <dgm:adj idx="2" val="90"/>
+                </dgm:adjLst>
+              </dgm:shape>
+            </dgm:if>
+            <dgm:if name="Name62" axis="ch" ptType="node" func="cnt" op="equ" val="5">
+              <dgm:shape xmlns:r="http://schemas.openxmlformats.org/officeDocument/2006/relationships" type="pie" r:blip="">
+                <dgm:adjLst>
+                  <dgm:adj idx="1" val="342"/>
+                  <dgm:adj idx="2" val="54"/>
+                </dgm:adjLst>
+              </dgm:shape>
+            </dgm:if>
+            <dgm:if name="Name63" axis="ch" ptType="node" func="cnt" op="equ" val="6">
+              <dgm:shape xmlns:r="http://schemas.openxmlformats.org/officeDocument/2006/relationships" type="pie" r:blip="">
+                <dgm:adjLst>
+                  <dgm:adj idx="1" val="330"/>
+                  <dgm:adj idx="2" val="30"/>
+                </dgm:adjLst>
+              </dgm:shape>
+            </dgm:if>
+            <dgm:else name="Name64">
+              <dgm:shape xmlns:r="http://schemas.openxmlformats.org/officeDocument/2006/relationships" type="pie" r:blip="">
+                <dgm:adjLst>
+                  <dgm:adj idx="1" val="321.4286"/>
+                  <dgm:adj idx="2" val="12.85714"/>
+                </dgm:adjLst>
+              </dgm:shape>
+            </dgm:else>
+          </dgm:choose>
+          <dgm:choose name="Name65">
+            <dgm:if name="Name66" func="var" arg="dir" op="equ" val="norm">
+              <dgm:presOf axis="ch desOrSelf" ptType="node node" st="2 1" cnt="1 0"/>
+            </dgm:if>
+            <dgm:else name="Name67">
+              <dgm:choose name="Name68">
+                <dgm:if name="Name69" axis="ch" ptType="node" func="cnt" op="equ" val="2">
+                  <dgm:presOf axis="ch desOrSelf" ptType="node node" st="1 1" cnt="1 0"/>
+                </dgm:if>
+                <dgm:if name="Name70" axis="ch" ptType="node" func="cnt" op="equ" val="3">
+                  <dgm:presOf axis="ch desOrSelf" ptType="node node" st="2 1" cnt="1 0"/>
+                </dgm:if>
+                <dgm:if name="Name71" axis="ch" ptType="node" func="cnt" op="equ" val="4">
+                  <dgm:presOf axis="ch desOrSelf" ptType="node node" st="3 1" cnt="1 0"/>
+                </dgm:if>
+                <dgm:if name="Name72" axis="ch" ptType="node" func="cnt" op="equ" val="5">
+                  <dgm:presOf axis="ch desOrSelf" ptType="node node" st="4 1" cnt="1 0"/>
+                </dgm:if>
+                <dgm:if name="Name73" axis="ch" ptType="node" func="cnt" op="equ" val="6">
+                  <dgm:presOf axis="ch desOrSelf" ptType="node node" st="5 1" cnt="1 0"/>
+                </dgm:if>
+                <dgm:else name="Name74">
+                  <dgm:presOf axis="ch desOrSelf" ptType="node node" st="6 1" cnt="1 0"/>
+                </dgm:else>
+              </dgm:choose>
+            </dgm:else>
+          </dgm:choose>
+          <dgm:constrLst/>
+          <dgm:ruleLst/>
+        </dgm:layoutNode>
+        <dgm:layoutNode name="wedge2Tx" moveWith="wedge2">
+          <dgm:varLst>
+            <dgm:chMax val="0"/>
+            <dgm:chPref val="0"/>
+            <dgm:bulletEnabled val="1"/>
+          </dgm:varLst>
+          <dgm:alg type="tx"/>
+          <dgm:shape xmlns:r="http://schemas.openxmlformats.org/officeDocument/2006/relationships" type="rect" r:blip="" hideGeom="1">
+            <dgm:adjLst/>
+          </dgm:shape>
+          <dgm:choose name="Name75">
+            <dgm:if name="Name76" func="var" arg="dir" op="equ" val="norm">
+              <dgm:presOf axis="ch desOrSelf" ptType="node node" st="2 1" cnt="1 0"/>
+            </dgm:if>
+            <dgm:else name="Name77">
+              <dgm:choose name="Name78">
+                <dgm:if name="Name79" axis="ch" ptType="node" func="cnt" op="equ" val="2">
+                  <dgm:presOf axis="ch desOrSelf" ptType="node node" st="1 1" cnt="1 0"/>
+                </dgm:if>
+                <dgm:if name="Name80" axis="ch" ptType="node" func="cnt" op="equ" val="3">
+                  <dgm:presOf axis="ch desOrSelf" ptType="node node" st="2 1" cnt="1 0"/>
+                </dgm:if>
+                <dgm:if name="Name81" axis="ch" ptType="node" func="cnt" op="equ" val="4">
+                  <dgm:presOf axis="ch desOrSelf" ptType="node node" st="3 1" cnt="1 0"/>
+                </dgm:if>
+                <dgm:if name="Name82" axis="ch" ptType="node" func="cnt" op="equ" val="5">
+                  <dgm:presOf axis="ch desOrSelf" ptType="node node" st="4 1" cnt="1 0"/>
+                </dgm:if>
+                <dgm:if name="Name83" axis="ch" ptType="node" func="cnt" op="equ" val="6">
+                  <dgm:presOf axis="ch desOrSelf" ptType="node node" st="5 1" cnt="1 0"/>
+                </dgm:if>
+                <dgm:else name="Name84">
+                  <dgm:presOf axis="ch desOrSelf" ptType="node node" st="6 1" cnt="1 0"/>
+                </dgm:else>
+              </dgm:choose>
+            </dgm:else>
+          </dgm:choose>
+          <dgm:constrLst>
+            <dgm:constr type="tMarg" refType="primFontSz" fact="0.1"/>
+            <dgm:constr type="bMarg" refType="primFontSz" fact="0.1"/>
+            <dgm:constr type="lMarg" refType="primFontSz" fact="0.1"/>
+            <dgm:constr type="rMarg" refType="primFontSz" fact="0.1"/>
+            <dgm:constr type="primFontSz" val="65"/>
+          </dgm:constrLst>
+          <dgm:ruleLst>
+            <dgm:rule type="primFontSz" val="5" fact="NaN" max="NaN"/>
+          </dgm:ruleLst>
+        </dgm:layoutNode>
+      </dgm:if>
+      <dgm:else name="Name85"/>
+    </dgm:choose>
+    <dgm:choose name="Name86">
+      <dgm:if name="Name87" axis="ch" ptType="node" func="cnt" op="gte" val="3">
+        <dgm:layoutNode name="wedge3">
+          <dgm:alg type="sp"/>
+          <dgm:choose name="Name88">
+            <dgm:if name="Name89" axis="ch" ptType="node" func="cnt" op="equ" val="3">
+              <dgm:shape xmlns:r="http://schemas.openxmlformats.org/officeDocument/2006/relationships" type="pie" r:blip="">
+                <dgm:adjLst>
+                  <dgm:adj idx="1" val="150"/>
+                  <dgm:adj idx="2" val="270"/>
+                </dgm:adjLst>
+              </dgm:shape>
+            </dgm:if>
+            <dgm:if name="Name90" axis="ch" ptType="node" func="cnt" op="equ" val="4">
+              <dgm:shape xmlns:r="http://schemas.openxmlformats.org/officeDocument/2006/relationships" type="pie" r:blip="">
+                <dgm:adjLst>
+                  <dgm:adj idx="1" val="90"/>
+                  <dgm:adj idx="2" val="180"/>
+                </dgm:adjLst>
+              </dgm:shape>
+            </dgm:if>
+            <dgm:if name="Name91" axis="ch" ptType="node" func="cnt" op="equ" val="5">
+              <dgm:shape xmlns:r="http://schemas.openxmlformats.org/officeDocument/2006/relationships" type="pie" r:blip="">
+                <dgm:adjLst>
+                  <dgm:adj idx="1" val="54"/>
+                  <dgm:adj idx="2" val="126"/>
+                </dgm:adjLst>
+              </dgm:shape>
+            </dgm:if>
+            <dgm:if name="Name92" axis="ch" ptType="node" func="cnt" op="equ" val="6">
+              <dgm:shape xmlns:r="http://schemas.openxmlformats.org/officeDocument/2006/relationships" type="pie" r:blip="">
+                <dgm:adjLst>
+                  <dgm:adj idx="1" val="30"/>
+                  <dgm:adj idx="2" val="90"/>
+                </dgm:adjLst>
+              </dgm:shape>
+            </dgm:if>
+            <dgm:else name="Name93">
+              <dgm:shape xmlns:r="http://schemas.openxmlformats.org/officeDocument/2006/relationships" type="pie" r:blip="">
+                <dgm:adjLst>
+                  <dgm:adj idx="1" val="12.85714"/>
+                  <dgm:adj idx="2" val="64.28571"/>
+                </dgm:adjLst>
+              </dgm:shape>
+            </dgm:else>
+          </dgm:choose>
+          <dgm:choose name="Name94">
+            <dgm:if name="Name95" func="var" arg="dir" op="equ" val="norm">
+              <dgm:presOf axis="ch desOrSelf" ptType="node node" st="3 1" cnt="1 0"/>
+            </dgm:if>
+            <dgm:else name="Name96">
+              <dgm:choose name="Name97">
+                <dgm:if name="Name98" axis="ch" ptType="node" func="cnt" op="equ" val="3">
+                  <dgm:presOf axis="ch desOrSelf" ptType="node node" st="1 1" cnt="1 0"/>
+                </dgm:if>
+                <dgm:if name="Name99" axis="ch" ptType="node" func="cnt" op="equ" val="4">
+                  <dgm:presOf axis="ch desOrSelf" ptType="node node" st="2 1" cnt="1 0"/>
+                </dgm:if>
+                <dgm:if name="Name100" axis="ch" ptType="node" func="cnt" op="equ" val="5">
+                  <dgm:presOf axis="ch desOrSelf" ptType="node node" st="3 1" cnt="1 0"/>
+                </dgm:if>
+                <dgm:if name="Name101" axis="ch" ptType="node" func="cnt" op="equ" val="6">
+                  <dgm:presOf axis="ch desOrSelf" ptType="node node" st="4 1" cnt="1 0"/>
+                </dgm:if>
+                <dgm:else name="Name102">
+                  <dgm:presOf axis="ch desOrSelf" ptType="node node" st="5 1" cnt="1 0"/>
+                </dgm:else>
+              </dgm:choose>
+            </dgm:else>
+          </dgm:choose>
+          <dgm:constrLst/>
+          <dgm:ruleLst/>
+        </dgm:layoutNode>
+        <dgm:layoutNode name="wedge3Tx" moveWith="wedge3">
+          <dgm:varLst>
+            <dgm:chMax val="0"/>
+            <dgm:chPref val="0"/>
+            <dgm:bulletEnabled val="1"/>
+          </dgm:varLst>
+          <dgm:alg type="tx"/>
+          <dgm:shape xmlns:r="http://schemas.openxmlformats.org/officeDocument/2006/relationships" type="rect" r:blip="" hideGeom="1">
+            <dgm:adjLst/>
+          </dgm:shape>
+          <dgm:choose name="Name103">
+            <dgm:if name="Name104" func="var" arg="dir" op="equ" val="norm">
+              <dgm:presOf axis="ch desOrSelf" ptType="node node" st="3 1" cnt="1 0"/>
+            </dgm:if>
+            <dgm:else name="Name105">
+              <dgm:choose name="Name106">
+                <dgm:if name="Name107" axis="ch" ptType="node" func="cnt" op="equ" val="3">
+                  <dgm:presOf axis="ch desOrSelf" ptType="node node" st="1 1" cnt="1 0"/>
+                </dgm:if>
+                <dgm:if name="Name108" axis="ch" ptType="node" func="cnt" op="equ" val="4">
+                  <dgm:presOf axis="ch desOrSelf" ptType="node node" st="2 1" cnt="1 0"/>
+                </dgm:if>
+                <dgm:if name="Name109" axis="ch" ptType="node" func="cnt" op="equ" val="5">
+                  <dgm:presOf axis="ch desOrSelf" ptType="node node" st="3 1" cnt="1 0"/>
+                </dgm:if>
+                <dgm:if name="Name110" axis="ch" ptType="node" func="cnt" op="equ" val="6">
+                  <dgm:presOf axis="ch desOrSelf" ptType="node node" st="4 1" cnt="1 0"/>
+                </dgm:if>
+                <dgm:else name="Name111">
+                  <dgm:presOf axis="ch desOrSelf" ptType="node node" st="5 1" cnt="1 0"/>
+                </dgm:else>
+              </dgm:choose>
+            </dgm:else>
+          </dgm:choose>
+          <dgm:constrLst>
+            <dgm:constr type="tMarg" refType="primFontSz" fact="0.1"/>
+            <dgm:constr type="bMarg" refType="primFontSz" fact="0.1"/>
+            <dgm:constr type="lMarg" refType="primFontSz" fact="0.1"/>
+            <dgm:constr type="rMarg" refType="primFontSz" fact="0.1"/>
+            <dgm:constr type="primFontSz" val="65"/>
+          </dgm:constrLst>
+          <dgm:ruleLst>
+            <dgm:rule type="primFontSz" val="5" fact="NaN" max="NaN"/>
+          </dgm:ruleLst>
+        </dgm:layoutNode>
+      </dgm:if>
+      <dgm:else name="Name112"/>
+    </dgm:choose>
+    <dgm:choose name="Name113">
+      <dgm:if name="Name114" axis="ch" ptType="node" func="cnt" op="gte" val="4">
+        <dgm:layoutNode name="wedge4">
+          <dgm:alg type="sp"/>
+          <dgm:choose name="Name115">
+            <dgm:if name="Name116" axis="ch" ptType="node" func="cnt" op="equ" val="4">
+              <dgm:shape xmlns:r="http://schemas.openxmlformats.org/officeDocument/2006/relationships" type="pie" r:blip="">
+                <dgm:adjLst>
+                  <dgm:adj idx="1" val="180"/>
+                  <dgm:adj idx="2" val="270"/>
+                </dgm:adjLst>
+              </dgm:shape>
+            </dgm:if>
+            <dgm:if name="Name117" axis="ch" ptType="node" func="cnt" op="equ" val="5">
+              <dgm:shape xmlns:r="http://schemas.openxmlformats.org/officeDocument/2006/relationships" type="pie" r:blip="">
+                <dgm:adjLst>
+                  <dgm:adj idx="1" val="126"/>
+                  <dgm:adj idx="2" val="198"/>
+                </dgm:adjLst>
+              </dgm:shape>
+            </dgm:if>
+            <dgm:if name="Name118" axis="ch" ptType="node" func="cnt" op="equ" val="6">
+              <dgm:shape xmlns:r="http://schemas.openxmlformats.org/officeDocument/2006/relationships" type="pie" r:blip="">
+                <dgm:adjLst>
+                  <dgm:adj idx="1" val="90"/>
+                  <dgm:adj idx="2" val="150"/>
+                </dgm:adjLst>
+              </dgm:shape>
+            </dgm:if>
+            <dgm:else name="Name119">
+              <dgm:shape xmlns:r="http://schemas.openxmlformats.org/officeDocument/2006/relationships" type="pie" r:blip="">
+                <dgm:adjLst>
+                  <dgm:adj idx="1" val="64.2871"/>
+                  <dgm:adj idx="2" val="115.7143"/>
+                </dgm:adjLst>
+              </dgm:shape>
+            </dgm:else>
+          </dgm:choose>
+          <dgm:choose name="Name120">
+            <dgm:if name="Name121" func="var" arg="dir" op="equ" val="norm">
+              <dgm:presOf axis="ch desOrSelf" ptType="node node" st="4 1" cnt="1 0"/>
+            </dgm:if>
+            <dgm:else name="Name122">
+              <dgm:choose name="Name123">
+                <dgm:if name="Name124" axis="ch" ptType="node" func="cnt" op="equ" val="4">
+                  <dgm:presOf axis="ch desOrSelf" ptType="node node" st="1 1" cnt="1 0"/>
+                </dgm:if>
+                <dgm:if name="Name125" axis="ch" ptType="node" func="cnt" op="equ" val="5">
+                  <dgm:presOf axis="ch desOrSelf" ptType="node node" st="2 1" cnt="1 0"/>
+                </dgm:if>
+                <dgm:if name="Name126" axis="ch" ptType="node" func="cnt" op="equ" val="6">
+                  <dgm:presOf axis="ch desOrSelf" ptType="node node" st="3 1" cnt="1 0"/>
+                </dgm:if>
+                <dgm:else name="Name127">
+                  <dgm:presOf axis="ch desOrSelf" ptType="node node" st="4 1" cnt="1 0"/>
+                </dgm:else>
+              </dgm:choose>
+            </dgm:else>
+          </dgm:choose>
+          <dgm:constrLst/>
+          <dgm:ruleLst/>
+        </dgm:layoutNode>
+        <dgm:layoutNode name="wedge4Tx" moveWith="wedge4">
+          <dgm:varLst>
+            <dgm:chMax val="0"/>
+            <dgm:chPref val="0"/>
+            <dgm:bulletEnabled val="1"/>
+          </dgm:varLst>
+          <dgm:alg type="tx"/>
+          <dgm:shape xmlns:r="http://schemas.openxmlformats.org/officeDocument/2006/relationships" type="rect" r:blip="" hideGeom="1">
+            <dgm:adjLst/>
+          </dgm:shape>
+          <dgm:choose name="Name128">
+            <dgm:if name="Name129" func="var" arg="dir" op="equ" val="norm">
+              <dgm:presOf axis="ch desOrSelf" ptType="node node" st="4 1" cnt="1 0"/>
+            </dgm:if>
+            <dgm:else name="Name130">
+              <dgm:choose name="Name131">
+                <dgm:if name="Name132" axis="ch" ptType="node" func="cnt" op="equ" val="4">
+                  <dgm:presOf axis="ch desOrSelf" ptType="node node" st="1 1" cnt="1 0"/>
+                </dgm:if>
+                <dgm:if name="Name133" axis="ch" ptType="node" func="cnt" op="equ" val="5">
+                  <dgm:presOf axis="ch desOrSelf" ptType="node node" st="2 1" cnt="1 0"/>
+                </dgm:if>
+                <dgm:if name="Name134" axis="ch" ptType="node" func="cnt" op="equ" val="6">
+                  <dgm:presOf axis="ch desOrSelf" ptType="node node" st="3 1" cnt="1 0"/>
+                </dgm:if>
+                <dgm:else name="Name135">
+                  <dgm:presOf axis="ch desOrSelf" ptType="node node" st="4 1" cnt="1 0"/>
+                </dgm:else>
+              </dgm:choose>
+            </dgm:else>
+          </dgm:choose>
+          <dgm:constrLst>
+            <dgm:constr type="tMarg" refType="primFontSz" fact="0.1"/>
+            <dgm:constr type="bMarg" refType="primFontSz" fact="0.1"/>
+            <dgm:constr type="lMarg" refType="primFontSz" fact="0.1"/>
+            <dgm:constr type="rMarg" refType="primFontSz" fact="0.1"/>
+            <dgm:constr type="primFontSz" val="65"/>
+          </dgm:constrLst>
+          <dgm:ruleLst>
+            <dgm:rule type="primFontSz" val="5" fact="NaN" max="NaN"/>
+          </dgm:ruleLst>
+        </dgm:layoutNode>
+      </dgm:if>
+      <dgm:else name="Name136"/>
+    </dgm:choose>
+    <dgm:choose name="Name137">
+      <dgm:if name="Name138" axis="ch" ptType="node" func="cnt" op="gte" val="5">
+        <dgm:layoutNode name="wedge5">
+          <dgm:alg type="sp"/>
+          <dgm:choose name="Name139">
+            <dgm:if name="Name140" axis="ch" ptType="node" func="cnt" op="equ" val="5">
+              <dgm:shape xmlns:r="http://schemas.openxmlformats.org/officeDocument/2006/relationships" type="pie" r:blip="">
+                <dgm:adjLst>
+                  <dgm:adj idx="1" val="198"/>
+                  <dgm:adj idx="2" val="270"/>
+                </dgm:adjLst>
+              </dgm:shape>
+            </dgm:if>
+            <dgm:if name="Name141" axis="ch" ptType="node" func="cnt" op="equ" val="6">
+              <dgm:shape xmlns:r="http://schemas.openxmlformats.org/officeDocument/2006/relationships" type="pie" r:blip="">
+                <dgm:adjLst>
+                  <dgm:adj idx="1" val="150"/>
+                  <dgm:adj idx="2" val="210"/>
+                </dgm:adjLst>
+              </dgm:shape>
+            </dgm:if>
+            <dgm:else name="Name142">
+              <dgm:shape xmlns:r="http://schemas.openxmlformats.org/officeDocument/2006/relationships" type="pie" r:blip="">
+                <dgm:adjLst>
+                  <dgm:adj idx="1" val="115.7143"/>
+                  <dgm:adj idx="2" val="167.1429"/>
+                </dgm:adjLst>
+              </dgm:shape>
+            </dgm:else>
+          </dgm:choose>
+          <dgm:choose name="Name143">
+            <dgm:if name="Name144" func="var" arg="dir" op="equ" val="norm">
+              <dgm:presOf axis="ch desOrSelf" ptType="node node" st="5 1" cnt="1 0"/>
+            </dgm:if>
+            <dgm:else name="Name145">
+              <dgm:choose name="Name146">
+                <dgm:if name="Name147" axis="ch" ptType="node" func="cnt" op="equ" val="5">
+                  <dgm:presOf axis="ch desOrSelf" ptType="node node" st="1 1" cnt="1 0"/>
+                </dgm:if>
+                <dgm:if name="Name148" axis="ch" ptType="node" func="cnt" op="equ" val="6">
+                  <dgm:presOf axis="ch desOrSelf" ptType="node node" st="2 1" cnt="1 0"/>
+                </dgm:if>
+                <dgm:else name="Name149">
+                  <dgm:presOf axis="ch desOrSelf" ptType="node node" st="3 1" cnt="1 0"/>
+                </dgm:else>
+              </dgm:choose>
+            </dgm:else>
+          </dgm:choose>
+          <dgm:constrLst/>
+          <dgm:ruleLst/>
+        </dgm:layoutNode>
+        <dgm:layoutNode name="wedge5Tx" moveWith="wedge5">
+          <dgm:varLst>
+            <dgm:chMax val="0"/>
+            <dgm:chPref val="0"/>
+            <dgm:bulletEnabled val="1"/>
+          </dgm:varLst>
+          <dgm:alg type="tx"/>
+          <dgm:shape xmlns:r="http://schemas.openxmlformats.org/officeDocument/2006/relationships" type="rect" r:blip="" hideGeom="1">
+            <dgm:adjLst/>
+          </dgm:shape>
+          <dgm:choose name="Name150">
+            <dgm:if name="Name151" func="var" arg="dir" op="equ" val="norm">
+              <dgm:presOf axis="ch desOrSelf" ptType="node node" st="5 1" cnt="1 0"/>
+            </dgm:if>
+            <dgm:else name="Name152">
+              <dgm:choose name="Name153">
+                <dgm:if name="Name154" axis="ch" ptType="node" func="cnt" op="equ" val="5">
+                  <dgm:presOf axis="ch desOrSelf" ptType="node node" st="1 1" cnt="1 0"/>
+                </dgm:if>
+                <dgm:if name="Name155" axis="ch" ptType="node" func="cnt" op="equ" val="6">
+                  <dgm:presOf axis="ch desOrSelf" ptType="node node" st="2 1" cnt="1 0"/>
+                </dgm:if>
+                <dgm:else name="Name156">
+                  <dgm:presOf axis="ch desOrSelf" ptType="node node" st="3 1" cnt="1 0"/>
+                </dgm:else>
+              </dgm:choose>
+            </dgm:else>
+          </dgm:choose>
+          <dgm:constrLst>
+            <dgm:constr type="tMarg" refType="primFontSz" fact="0.1"/>
+            <dgm:constr type="bMarg" refType="primFontSz" fact="0.1"/>
+            <dgm:constr type="lMarg" refType="primFontSz" fact="0.1"/>
+            <dgm:constr type="rMarg" refType="primFontSz" fact="0.1"/>
+            <dgm:constr type="primFontSz" val="65"/>
+          </dgm:constrLst>
+          <dgm:ruleLst>
+            <dgm:rule type="primFontSz" val="5" fact="NaN" max="NaN"/>
+          </dgm:ruleLst>
+        </dgm:layoutNode>
+      </dgm:if>
+      <dgm:else name="Name157"/>
+    </dgm:choose>
+    <dgm:choose name="Name158">
+      <dgm:if name="Name159" axis="ch" ptType="node" func="cnt" op="gte" val="6">
+        <dgm:layoutNode name="wedge6">
+          <dgm:alg type="sp"/>
+          <dgm:choose name="Name160">
+            <dgm:if name="Name161" axis="ch" ptType="node" func="cnt" op="equ" val="6">
+              <dgm:shape xmlns:r="http://schemas.openxmlformats.org/officeDocument/2006/relationships" type="pie" r:blip="">
+                <dgm:adjLst>
+                  <dgm:adj idx="1" val="210"/>
+                  <dgm:adj idx="2" val="270"/>
+                </dgm:adjLst>
+              </dgm:shape>
+            </dgm:if>
+            <dgm:else name="Name162">
+              <dgm:shape xmlns:r="http://schemas.openxmlformats.org/officeDocument/2006/relationships" type="pie" r:blip="">
+                <dgm:adjLst>
+                  <dgm:adj idx="1" val="167.1429"/>
+                  <dgm:adj idx="2" val="218.5714"/>
+                </dgm:adjLst>
+              </dgm:shape>
+            </dgm:else>
+          </dgm:choose>
+          <dgm:choose name="Name163">
+            <dgm:if name="Name164" func="var" arg="dir" op="equ" val="norm">
+              <dgm:presOf axis="ch desOrSelf" ptType="node node" st="6 1" cnt="1 0"/>
+            </dgm:if>
+            <dgm:else name="Name165">
+              <dgm:choose name="Name166">
+                <dgm:if name="Name167" axis="ch" ptType="node" func="cnt" op="equ" val="6">
+                  <dgm:presOf axis="ch desOrSelf" ptType="node node" st="1 1" cnt="1 0"/>
+                </dgm:if>
+                <dgm:else name="Name168">
+                  <dgm:presOf axis="ch desOrSelf" ptType="node node" st="2 1" cnt="1 0"/>
+                </dgm:else>
+              </dgm:choose>
+            </dgm:else>
+          </dgm:choose>
+          <dgm:constrLst/>
+          <dgm:ruleLst/>
+        </dgm:layoutNode>
+        <dgm:layoutNode name="wedge6Tx" moveWith="wedge6">
+          <dgm:varLst>
+            <dgm:chMax val="0"/>
+            <dgm:chPref val="0"/>
+            <dgm:bulletEnabled val="1"/>
+          </dgm:varLst>
+          <dgm:alg type="tx"/>
+          <dgm:shape xmlns:r="http://schemas.openxmlformats.org/officeDocument/2006/relationships" type="rect" r:blip="" hideGeom="1">
+            <dgm:adjLst/>
+          </dgm:shape>
+          <dgm:choose name="Name169">
+            <dgm:if name="Name170" func="var" arg="dir" op="equ" val="norm">
+              <dgm:presOf axis="ch desOrSelf" ptType="node node" st="6 1" cnt="1 0"/>
+            </dgm:if>
+            <dgm:else name="Name171">
+              <dgm:choose name="Name172">
+                <dgm:if name="Name173" axis="ch" ptType="node" func="cnt" op="equ" val="6">
+                  <dgm:presOf axis="ch desOrSelf" ptType="node node" st="1 1" cnt="1 0"/>
+                </dgm:if>
+                <dgm:else name="Name174">
+                  <dgm:presOf axis="ch desOrSelf" ptType="node node" st="2 1" cnt="1 0"/>
+                </dgm:else>
+              </dgm:choose>
+            </dgm:else>
+          </dgm:choose>
+          <dgm:constrLst>
+            <dgm:constr type="tMarg" refType="primFontSz" fact="0.1"/>
+            <dgm:constr type="bMarg" refType="primFontSz" fact="0.1"/>
+            <dgm:constr type="lMarg" refType="primFontSz" fact="0.1"/>
+            <dgm:constr type="rMarg" refType="primFontSz" fact="0.1"/>
+            <dgm:constr type="primFontSz" val="65"/>
+          </dgm:constrLst>
+          <dgm:ruleLst>
+            <dgm:rule type="primFontSz" val="5" fact="NaN" max="NaN"/>
+          </dgm:ruleLst>
+        </dgm:layoutNode>
+      </dgm:if>
+      <dgm:else name="Name175"/>
+    </dgm:choose>
+    <dgm:choose name="Name176">
+      <dgm:if name="Name177" axis="ch" ptType="node" func="cnt" op="gte" val="7">
+        <dgm:layoutNode name="wedge7">
+          <dgm:alg type="sp"/>
+          <dgm:shape xmlns:r="http://schemas.openxmlformats.org/officeDocument/2006/relationships" type="pie" r:blip="">
+            <dgm:adjLst>
+              <dgm:adj idx="1" val="218.5714"/>
+              <dgm:adj idx="2" val="270"/>
+            </dgm:adjLst>
+          </dgm:shape>
+          <dgm:choose name="Name178">
+            <dgm:if name="Name179" func="var" arg="dir" op="equ" val="norm">
+              <dgm:presOf axis="ch desOrSelf" ptType="node node" st="7 1" cnt="1 0"/>
+            </dgm:if>
+            <dgm:else name="Name180">
+              <dgm:presOf axis="ch desOrSelf" ptType="node node" st="1 1" cnt="1 0"/>
+            </dgm:else>
+          </dgm:choose>
+          <dgm:constrLst/>
+          <dgm:ruleLst/>
+        </dgm:layoutNode>
+        <dgm:layoutNode name="wedge7Tx" moveWith="wedge7">
+          <dgm:varLst>
+            <dgm:chMax val="0"/>
+            <dgm:chPref val="0"/>
+            <dgm:bulletEnabled val="1"/>
+          </dgm:varLst>
+          <dgm:alg type="tx"/>
+          <dgm:shape xmlns:r="http://schemas.openxmlformats.org/officeDocument/2006/relationships" type="rect" r:blip="" hideGeom="1">
+            <dgm:adjLst/>
+          </dgm:shape>
+          <dgm:choose name="Name181">
+            <dgm:if name="Name182" func="var" arg="dir" op="equ" val="norm">
+              <dgm:presOf axis="ch desOrSelf" ptType="node node" st="7 1" cnt="1 0"/>
+            </dgm:if>
+            <dgm:else name="Name183">
+              <dgm:presOf axis="ch desOrSelf" ptType="node node" st="1 1" cnt="1 0"/>
+            </dgm:else>
+          </dgm:choose>
+          <dgm:constrLst>
+            <dgm:constr type="tMarg" refType="primFontSz" fact="0.1"/>
+            <dgm:constr type="bMarg" refType="primFontSz" fact="0.1"/>
+            <dgm:constr type="lMarg" refType="primFontSz" fact="0.1"/>
+            <dgm:constr type="rMarg" refType="primFontSz" fact="0.1"/>
+            <dgm:constr type="primFontSz" val="65"/>
+          </dgm:constrLst>
+          <dgm:ruleLst>
+            <dgm:rule type="primFontSz" val="5" fact="NaN" max="NaN"/>
+          </dgm:ruleLst>
+        </dgm:layoutNode>
+      </dgm:if>
+      <dgm:else name="Name184"/>
+    </dgm:choose>
+  </dgm:layoutNode>
+</dgm:layoutDef>
+</file>
+
+<file path=ppt/diagrams/quickStyle1.xml><?xml version="1.0" encoding="utf-8"?>
+<dgm:styleDef xmlns:dgm="http://schemas.openxmlformats.org/drawingml/2006/diagram" xmlns:a="http://schemas.openxmlformats.org/drawingml/2006/main" uniqueId="urn:microsoft.com/office/officeart/2005/8/quickstyle/simple1">
+  <dgm:title val=""/>
+  <dgm:desc val=""/>
+  <dgm:catLst>
+    <dgm:cat type="simple" pri="10100"/>
+  </dgm:catLst>
+  <dgm:scene3d>
+    <a:camera prst="orthographicFront"/>
+    <a:lightRig rig="threePt" dir="t"/>
+  </dgm:scene3d>
+  <dgm:styleLbl name="node0">
+    <dgm:scene3d>
+      <a:camera prst="orthographicFront"/>
+      <a:lightRig rig="threePt" dir="t"/>
+    </dgm:scene3d>
+    <dgm:sp3d/>
+    <dgm:txPr/>
+    <dgm:style>
+      <a:lnRef idx="2">
+        <a:scrgbClr r="0" g="0" b="0"/>
+      </a:lnRef>
+      <a:fillRef idx="1">
+        <a:scrgbClr r="0" g="0" b="0"/>
+      </a:fillRef>
+      <a:effectRef idx="0">
+        <a:scrgbClr r="0" g="0" b="0"/>
+      </a:effectRef>
+      <a:fontRef idx="minor">
+        <a:schemeClr val="lt1"/>
+      </a:fontRef>
+    </dgm:style>
+  </dgm:styleLbl>
+  <dgm:styleLbl name="lnNode1">
+    <dgm:scene3d>
+      <a:camera prst="orthographicFront"/>
+      <a:lightRig rig="threePt" dir="t"/>
+    </dgm:scene3d>
+    <dgm:sp3d/>
+    <dgm:txPr/>
+    <dgm:style>
+      <a:lnRef idx="2">
+        <a:scrgbClr r="0" g="0" b="0"/>
+      </a:lnRef>
+      <a:fillRef idx="1">
+        <a:scrgbClr r="0" g="0" b="0"/>
+      </a:fillRef>
+      <a:effectRef idx="0">
+        <a:scrgbClr r="0" g="0" b="0"/>
+      </a:effectRef>
+      <a:fontRef idx="minor">
+        <a:schemeClr val="lt1"/>
+      </a:fontRef>
+    </dgm:style>
+  </dgm:styleLbl>
+  <dgm:styleLbl name="vennNode1">
+    <dgm:scene3d>
+      <a:camera prst="orthographicFront"/>
+      <a:lightRig rig="threePt" dir="t"/>
+    </dgm:scene3d>
+    <dgm:sp3d/>
+    <dgm:txPr/>
+    <dgm:style>
+      <a:lnRef idx="2">
+        <a:scrgbClr r="0" g="0" b="0"/>
+      </a:lnRef>
+      <a:fillRef idx="1">
+        <a:scrgbClr r="0" g="0" b="0"/>
+      </a:fillRef>
+      <a:effectRef idx="0">
+        <a:scrgbClr r="0" g="0" b="0"/>
+      </a:effectRef>
+      <a:fontRef idx="minor">
+        <a:schemeClr val="tx1"/>
+      </a:fontRef>
+    </dgm:style>
+  </dgm:styleLbl>
+  <dgm:styleLbl name="alignNode1">
+    <dgm:scene3d>
+      <a:camera prst="orthographicFront"/>
+      <a:lightRig rig="threePt" dir="t"/>
+    </dgm:scene3d>
+    <dgm:sp3d/>
+    <dgm:txPr/>
+    <dgm:style>
+      <a:lnRef idx="2">
+        <a:scrgbClr r="0" g="0" b="0"/>
+      </a:lnRef>
+      <a:fillRef idx="1">
+        <a:scrgbClr r="0" g="0" b="0"/>
+      </a:fillRef>
+      <a:effectRef idx="0">
+        <a:scrgbClr r="0" g="0" b="0"/>
+      </a:effectRef>
+      <a:fontRef idx="minor">
+        <a:schemeClr val="lt1"/>
+      </a:fontRef>
+    </dgm:style>
+  </dgm:styleLbl>
+  <dgm:styleLbl name="node1">
+    <dgm:scene3d>
+      <a:camera prst="orthographicFront"/>
+      <a:lightRig rig="threePt" dir="t"/>
+    </dgm:scene3d>
+    <dgm:sp3d/>
+    <dgm:txPr/>
+    <dgm:style>
+      <a:lnRef idx="2">
+        <a:scrgbClr r="0" g="0" b="0"/>
+      </a:lnRef>
+      <a:fillRef idx="1">
+        <a:scrgbClr r="0" g="0" b="0"/>
+      </a:fillRef>
+      <a:effectRef idx="0">
+        <a:scrgbClr r="0" g="0" b="0"/>
+      </a:effectRef>
+      <a:fontRef idx="minor">
+        <a:schemeClr val="lt1"/>
+      </a:fontRef>
+    </dgm:style>
+  </dgm:styleLbl>
+  <dgm:styleLbl name="node2">
+    <dgm:scene3d>
+      <a:camera prst="orthographicFront"/>
+      <a:lightRig rig="threePt" dir="t"/>
+    </dgm:scene3d>
+    <dgm:sp3d/>
+    <dgm:txPr/>
+    <dgm:style>
+      <a:lnRef idx="2">
+        <a:scrgbClr r="0" g="0" b="0"/>
+      </a:lnRef>
+      <a:fillRef idx="1">
+        <a:scrgbClr r="0" g="0" b="0"/>
+      </a:fillRef>
+      <a:effectRef idx="0">
+        <a:scrgbClr r="0" g="0" b="0"/>
+      </a:effectRef>
+      <a:fontRef idx="minor">
+        <a:schemeClr val="lt1"/>
+      </a:fontRef>
+    </dgm:style>
+  </dgm:styleLbl>
+  <dgm:styleLbl name="node3">
+    <dgm:scene3d>
+      <a:camera prst="orthographicFront"/>
+      <a:lightRig rig="threePt" dir="t"/>
+    </dgm:scene3d>
+    <dgm:sp3d/>
+    <dgm:txPr/>
+    <dgm:style>
+      <a:lnRef idx="2">
+        <a:scrgbClr r="0" g="0" b="0"/>
+      </a:lnRef>
+      <a:fillRef idx="1">
+        <a:scrgbClr r="0" g="0" b="0"/>
+      </a:fillRef>
+      <a:effectRef idx="0">
+        <a:scrgbClr r="0" g="0" b="0"/>
+      </a:effectRef>
+      <a:fontRef idx="minor">
+        <a:schemeClr val="lt1"/>
+      </a:fontRef>
+    </dgm:style>
+  </dgm:styleLbl>
+  <dgm:styleLbl name="node4">
+    <dgm:scene3d>
+      <a:camera prst="orthographicFront"/>
+      <a:lightRig rig="threePt" dir="t"/>
+    </dgm:scene3d>
+    <dgm:sp3d/>
+    <dgm:txPr/>
+    <dgm:style>
+      <a:lnRef idx="2">
+        <a:scrgbClr r="0" g="0" b="0"/>
+      </a:lnRef>
+      <a:fillRef idx="1">
+        <a:scrgbClr r="0" g="0" b="0"/>
+      </a:fillRef>
+      <a:effectRef idx="0">
+        <a:scrgbClr r="0" g="0" b="0"/>
+      </a:effectRef>
+      <a:fontRef idx="minor">
+        <a:schemeClr val="lt1"/>
+      </a:fontRef>
+    </dgm:style>
+  </dgm:styleLbl>
+  <dgm:styleLbl name="fgImgPlace1">
+    <dgm:scene3d>
+      <a:camera prst="orthographicFront"/>
+      <a:lightRig rig="threePt" dir="t"/>
+    </dgm:scene3d>
+    <dgm:sp3d/>
+    <dgm:txPr/>
+    <dgm:style>
+      <a:lnRef idx="2">
+        <a:scrgbClr r="0" g="0" b="0"/>
+      </a:lnRef>
+      <a:fillRef idx="1">
+        <a:scrgbClr r="0" g="0" b="0"/>
+      </a:fillRef>
+      <a:effectRef idx="0">
+        <a:scrgbClr r="0" g="0" b="0"/>
+      </a:effectRef>
+      <a:fontRef idx="minor"/>
+    </dgm:style>
+  </dgm:styleLbl>
+  <dgm:styleLbl name="alignImgPlace1">
+    <dgm:scene3d>
+      <a:camera prst="orthographicFront"/>
+      <a:lightRig rig="threePt" dir="t"/>
+    </dgm:scene3d>
+    <dgm:sp3d/>
+    <dgm:txPr/>
+    <dgm:style>
+      <a:lnRef idx="2">
+        <a:scrgbClr r="0" g="0" b="0"/>
+      </a:lnRef>
+      <a:fillRef idx="1">
+        <a:scrgbClr r="0" g="0" b="0"/>
+      </a:fillRef>
+      <a:effectRef idx="0">
+        <a:scrgbClr r="0" g="0" b="0"/>
+      </a:effectRef>
+      <a:fontRef idx="minor"/>
+    </dgm:style>
+  </dgm:styleLbl>
+  <dgm:styleLbl name="bgImgPlace1">
+    <dgm:scene3d>
+      <a:camera prst="orthographicFront"/>
+      <a:lightRig rig="threePt" dir="t"/>
+    </dgm:scene3d>
+    <dgm:sp3d/>
+    <dgm:txPr/>
+    <dgm:style>
+      <a:lnRef idx="2">
+        <a:scrgbClr r="0" g="0" b="0"/>
+      </a:lnRef>
+      <a:fillRef idx="1">
+        <a:scrgbClr r="0" g="0" b="0"/>
+      </a:fillRef>
+      <a:effectRef idx="0">
+        <a:scrgbClr r="0" g="0" b="0"/>
+      </a:effectRef>
+      <a:fontRef idx="minor"/>
+    </dgm:style>
+  </dgm:styleLbl>
+  <dgm:styleLbl name="sibTrans2D1">
+    <dgm:scene3d>
+      <a:camera prst="orthographicFront"/>
+      <a:lightRig rig="threePt" dir="t"/>
+    </dgm:scene3d>
+    <dgm:sp3d/>
+    <dgm:txPr/>
+    <dgm:style>
+      <a:lnRef idx="0">
+        <a:scrgbClr r="0" g="0" b="0"/>
+      </a:lnRef>
+      <a:fillRef idx="1">
+        <a:scrgbClr r="0" g="0" b="0"/>
+      </a:fillRef>
+      <a:effectRef idx="0">
+        <a:scrgbClr r="0" g="0" b="0"/>
+      </a:effectRef>
+      <a:fontRef idx="minor">
+        <a:schemeClr val="lt1"/>
+      </a:fontRef>
+    </dgm:style>
+  </dgm:styleLbl>
+  <dgm:styleLbl name="fgSibTrans2D1">
+    <dgm:scene3d>
+      <a:camera prst="orthographicFront"/>
+      <a:lightRig rig="threePt" dir="t"/>
+    </dgm:scene3d>
+    <dgm:sp3d/>
+    <dgm:txPr/>
+    <dgm:style>
+      <a:lnRef idx="0">
+        <a:scrgbClr r="0" g="0" b="0"/>
+      </a:lnRef>
+      <a:fillRef idx="1">
+        <a:scrgbClr r="0" g="0" b="0"/>
+      </a:fillRef>
+      <a:effectRef idx="0">
+        <a:scrgbClr r="0" g="0" b="0"/>
+      </a:effectRef>
+      <a:fontRef idx="minor">
+        <a:schemeClr val="lt1"/>
+      </a:fontRef>
+    </dgm:style>
+  </dgm:styleLbl>
+  <dgm:styleLbl name="bgSibTrans2D1">
+    <dgm:scene3d>
+      <a:camera prst="orthographicFront"/>
+      <a:lightRig rig="threePt" dir="t"/>
+    </dgm:scene3d>
+    <dgm:sp3d/>
+    <dgm:txPr/>
+    <dgm:style>
+      <a:lnRef idx="0">
+        <a:scrgbClr r="0" g="0" b="0"/>
+      </a:lnRef>
+      <a:fillRef idx="1">
+        <a:scrgbClr r="0" g="0" b="0"/>
+      </a:fillRef>
+      <a:effectRef idx="0">
+        <a:scrgbClr r="0" g="0" b="0"/>
+      </a:effectRef>
+      <a:fontRef idx="minor">
+        <a:schemeClr val="lt1"/>
+      </a:fontRef>
+    </dgm:style>
+  </dgm:styleLbl>
+  <dgm:styleLbl name="sibTrans1D1">
+    <dgm:scene3d>
+      <a:camera prst="orthographicFront"/>
+      <a:lightRig rig="threePt" dir="t"/>
+    </dgm:scene3d>
+    <dgm:sp3d/>
+    <dgm:txPr/>
+    <dgm:style>
+      <a:lnRef idx="1">
+        <a:scrgbClr r="0" g="0" b="0"/>
+      </a:lnRef>
+      <a:fillRef idx="0">
+        <a:scrgbClr r="0" g="0" b="0"/>
+      </a:fillRef>
+      <a:effectRef idx="0">
+        <a:scrgbClr r="0" g="0" b="0"/>
+      </a:effectRef>
+      <a:fontRef idx="minor"/>
+    </dgm:style>
+  </dgm:styleLbl>
+  <dgm:styleLbl name="callout">
+    <dgm:scene3d>
+      <a:camera prst="orthographicFront"/>
+      <a:lightRig rig="threePt" dir="t"/>
+    </dgm:scene3d>
+    <dgm:sp3d/>
+    <dgm:txPr/>
+    <dgm:style>
+      <a:lnRef idx="2">
+        <a:scrgbClr r="0" g="0" b="0"/>
+      </a:lnRef>
+      <a:fillRef idx="1">
+        <a:scrgbClr r="0" g="0" b="0"/>
+      </a:fillRef>
+      <a:effectRef idx="0">
+        <a:scrgbClr r="0" g="0" b="0"/>
+      </a:effectRef>
+      <a:fontRef idx="minor"/>
+    </dgm:style>
+  </dgm:styleLbl>
+  <dgm:styleLbl name="asst0">
+    <dgm:scene3d>
+      <a:camera prst="orthographicFront"/>
+      <a:lightRig rig="threePt" dir="t"/>
+    </dgm:scene3d>
+    <dgm:sp3d/>
+    <dgm:txPr/>
+    <dgm:style>
+      <a:lnRef idx="2">
+        <a:scrgbClr r="0" g="0" b="0"/>
+      </a:lnRef>
+      <a:fillRef idx="1">
+        <a:scrgbClr r="0" g="0" b="0"/>
+      </a:fillRef>
+      <a:effectRef idx="0">
+        <a:scrgbClr r="0" g="0" b="0"/>
+      </a:effectRef>
+      <a:fontRef idx="minor">
+        <a:schemeClr val="lt1"/>
+      </a:fontRef>
+    </dgm:style>
+  </dgm:styleLbl>
+  <dgm:styleLbl name="asst1">
+    <dgm:scene3d>
+      <a:camera prst="orthographicFront"/>
+      <a:lightRig rig="threePt" dir="t"/>
+    </dgm:scene3d>
+    <dgm:sp3d/>
+    <dgm:txPr/>
+    <dgm:style>
+      <a:lnRef idx="2">
+        <a:scrgbClr r="0" g="0" b="0"/>
+      </a:lnRef>
+      <a:fillRef idx="1">
+        <a:scrgbClr r="0" g="0" b="0"/>
+      </a:fillRef>
+      <a:effectRef idx="0">
+        <a:scrgbClr r="0" g="0" b="0"/>
+      </a:effectRef>
+      <a:fontRef idx="minor">
+        <a:schemeClr val="lt1"/>
+      </a:fontRef>
+    </dgm:style>
+  </dgm:styleLbl>
+  <dgm:styleLbl name="asst2">
+    <dgm:scene3d>
+      <a:camera prst="orthographicFront"/>
+      <a:lightRig rig="threePt" dir="t"/>
+    </dgm:scene3d>
+    <dgm:sp3d/>
+    <dgm:txPr/>
+    <dgm:style>
+      <a:lnRef idx="2">
+        <a:scrgbClr r="0" g="0" b="0"/>
+      </a:lnRef>
+      <a:fillRef idx="1">
+        <a:scrgbClr r="0" g="0" b="0"/>
+      </a:fillRef>
+      <a:effectRef idx="0">
+        <a:scrgbClr r="0" g="0" b="0"/>
+      </a:effectRef>
+      <a:fontRef idx="minor">
+        <a:schemeClr val="lt1"/>
+      </a:fontRef>
+    </dgm:style>
+  </dgm:styleLbl>
+  <dgm:styleLbl name="asst3">
+    <dgm:scene3d>
+      <a:camera prst="orthographicFront"/>
+      <a:lightRig rig="threePt" dir="t"/>
+    </dgm:scene3d>
+    <dgm:sp3d/>
+    <dgm:txPr/>
+    <dgm:style>
+      <a:lnRef idx="2">
+        <a:scrgbClr r="0" g="0" b="0"/>
+      </a:lnRef>
+      <a:fillRef idx="1">
+        <a:scrgbClr r="0" g="0" b="0"/>
+      </a:fillRef>
+      <a:effectRef idx="0">
+        <a:scrgbClr r="0" g="0" b="0"/>
+      </a:effectRef>
+      <a:fontRef idx="minor">
+        <a:schemeClr val="lt1"/>
+      </a:fontRef>
+    </dgm:style>
+  </dgm:styleLbl>
+  <dgm:styleLbl name="asst4">
+    <dgm:scene3d>
+      <a:camera prst="orthographicFront"/>
+      <a:lightRig rig="threePt" dir="t"/>
+    </dgm:scene3d>
+    <dgm:sp3d/>
+    <dgm:txPr/>
+    <dgm:style>
+      <a:lnRef idx="2">
+        <a:scrgbClr r="0" g="0" b="0"/>
+      </a:lnRef>
+      <a:fillRef idx="1">
+        <a:scrgbClr r="0" g="0" b="0"/>
+      </a:fillRef>
+      <a:effectRef idx="0">
+        <a:scrgbClr r="0" g="0" b="0"/>
+      </a:effectRef>
+      <a:fontRef idx="minor">
+        <a:schemeClr val="lt1"/>
+      </a:fontRef>
+    </dgm:style>
+  </dgm:styleLbl>
+  <dgm:styleLbl name="parChTrans2D1">
+    <dgm:scene3d>
+      <a:camera prst="orthographicFront"/>
+      <a:lightRig rig="threePt" dir="t"/>
+    </dgm:scene3d>
+    <dgm:sp3d/>
+    <dgm:txPr/>
+    <dgm:style>
+      <a:lnRef idx="2">
+        <a:scrgbClr r="0" g="0" b="0"/>
+      </a:lnRef>
+      <a:fillRef idx="1">
+        <a:scrgbClr r="0" g="0" b="0"/>
+      </a:fillRef>
+      <a:effectRef idx="0">
+        <a:scrgbClr r="0" g="0" b="0"/>
+      </a:effectRef>
+      <a:fontRef idx="minor">
+        <a:schemeClr val="lt1"/>
+      </a:fontRef>
+    </dgm:style>
+  </dgm:styleLbl>
+  <dgm:styleLbl name="parChTrans2D2">
+    <dgm:scene3d>
+      <a:camera prst="orthographicFront"/>
+      <a:lightRig rig="threePt" dir="t"/>
+    </dgm:scene3d>
+    <dgm:sp3d/>
+    <dgm:txPr/>
+    <dgm:style>
+      <a:lnRef idx="2">
+        <a:scrgbClr r="0" g="0" b="0"/>
+      </a:lnRef>
+      <a:fillRef idx="1">
+        <a:scrgbClr r="0" g="0" b="0"/>
+      </a:fillRef>
+      <a:effectRef idx="0">
+        <a:scrgbClr r="0" g="0" b="0"/>
+      </a:effectRef>
+      <a:fontRef idx="minor">
+        <a:schemeClr val="lt1"/>
+      </a:fontRef>
+    </dgm:style>
+  </dgm:styleLbl>
+  <dgm:styleLbl name="parChTrans2D3">
+    <dgm:scene3d>
+      <a:camera prst="orthographicFront"/>
+      <a:lightRig rig="threePt" dir="t"/>
+    </dgm:scene3d>
+    <dgm:sp3d/>
+    <dgm:txPr/>
+    <dgm:style>
+      <a:lnRef idx="2">
+        <a:scrgbClr r="0" g="0" b="0"/>
+      </a:lnRef>
+      <a:fillRef idx="1">
+        <a:scrgbClr r="0" g="0" b="0"/>
+      </a:fillRef>
+      <a:effectRef idx="0">
+        <a:scrgbClr r="0" g="0" b="0"/>
+      </a:effectRef>
+      <a:fontRef idx="minor">
+        <a:schemeClr val="lt1"/>
+      </a:fontRef>
+    </dgm:style>
+  </dgm:styleLbl>
+  <dgm:styleLbl name="parChTrans2D4">
+    <dgm:scene3d>
+      <a:camera prst="orthographicFront"/>
+      <a:lightRig rig="threePt" dir="t"/>
+    </dgm:scene3d>
+    <dgm:sp3d/>
+    <dgm:txPr/>
+    <dgm:style>
+      <a:lnRef idx="2">
+        <a:scrgbClr r="0" g="0" b="0"/>
+      </a:lnRef>
+      <a:fillRef idx="1">
+        <a:scrgbClr r="0" g="0" b="0"/>
+      </a:fillRef>
+      <a:effectRef idx="0">
+        <a:scrgbClr r="0" g="0" b="0"/>
+      </a:effectRef>
+      <a:fontRef idx="minor">
+        <a:schemeClr val="lt1"/>
+      </a:fontRef>
+    </dgm:style>
+  </dgm:styleLbl>
+  <dgm:styleLbl name="parChTrans1D1">
+    <dgm:scene3d>
+      <a:camera prst="orthographicFront"/>
+      <a:lightRig rig="threePt" dir="t"/>
+    </dgm:scene3d>
+    <dgm:sp3d/>
+    <dgm:txPr/>
+    <dgm:style>
+      <a:lnRef idx="2">
+        <a:scrgbClr r="0" g="0" b="0"/>
+      </a:lnRef>
+      <a:fillRef idx="0">
+        <a:scrgbClr r="0" g="0" b="0"/>
+      </a:fillRef>
+      <a:effectRef idx="0">
+        <a:scrgbClr r="0" g="0" b="0"/>
+      </a:effectRef>
+      <a:fontRef idx="minor"/>
+    </dgm:style>
+  </dgm:styleLbl>
+  <dgm:styleLbl name="parChTrans1D2">
+    <dgm:scene3d>
+      <a:camera prst="orthographicFront"/>
+      <a:lightRig rig="threePt" dir="t"/>
+    </dgm:scene3d>
+    <dgm:sp3d/>
+    <dgm:txPr/>
+    <dgm:style>
+      <a:lnRef idx="2">
+        <a:scrgbClr r="0" g="0" b="0"/>
+      </a:lnRef>
+      <a:fillRef idx="0">
+        <a:scrgbClr r="0" g="0" b="0"/>
+      </a:fillRef>
+      <a:effectRef idx="0">
+        <a:scrgbClr r="0" g="0" b="0"/>
+      </a:effectRef>
+      <a:fontRef idx="minor"/>
+    </dgm:style>
+  </dgm:styleLbl>
+  <dgm:styleLbl name="parChTrans1D3">
+    <dgm:scene3d>
+      <a:camera prst="orthographicFront"/>
+      <a:lightRig rig="threePt" dir="t"/>
+    </dgm:scene3d>
+    <dgm:sp3d/>
+    <dgm:txPr/>
+    <dgm:style>
+      <a:lnRef idx="2">
+        <a:scrgbClr r="0" g="0" b="0"/>
+      </a:lnRef>
+      <a:fillRef idx="0">
+        <a:scrgbClr r="0" g="0" b="0"/>
+      </a:fillRef>
+      <a:effectRef idx="0">
+        <a:scrgbClr r="0" g="0" b="0"/>
+      </a:effectRef>
+      <a:fontRef idx="minor"/>
+    </dgm:style>
+  </dgm:styleLbl>
+  <dgm:styleLbl name="parChTrans1D4">
+    <dgm:scene3d>
+      <a:camera prst="orthographicFront"/>
+      <a:lightRig rig="threePt" dir="t"/>
+    </dgm:scene3d>
+    <dgm:sp3d/>
+    <dgm:txPr/>
+    <dgm:style>
+      <a:lnRef idx="2">
+        <a:scrgbClr r="0" g="0" b="0"/>
+      </a:lnRef>
+      <a:fillRef idx="0">
+        <a:scrgbClr r="0" g="0" b="0"/>
+      </a:fillRef>
+      <a:effectRef idx="0">
+        <a:scrgbClr r="0" g="0" b="0"/>
+      </a:effectRef>
+      <a:fontRef idx="minor"/>
+    </dgm:style>
+  </dgm:styleLbl>
+  <dgm:styleLbl name="fgAcc1">
+    <dgm:scene3d>
+      <a:camera prst="orthographicFront"/>
+      <a:lightRig rig="threePt" dir="t"/>
+    </dgm:scene3d>
+    <dgm:sp3d/>
+    <dgm:txPr/>
+    <dgm:style>
+      <a:lnRef idx="2">
+        <a:scrgbClr r="0" g="0" b="0"/>
+      </a:lnRef>
+      <a:fillRef idx="1">
+        <a:scrgbClr r="0" g="0" b="0"/>
+      </a:fillRef>
+      <a:effectRef idx="0">
+        <a:scrgbClr r="0" g="0" b="0"/>
+      </a:effectRef>
+      <a:fontRef idx="minor"/>
+    </dgm:style>
+  </dgm:styleLbl>
+  <dgm:styleLbl name="conFgAcc1">
+    <dgm:scene3d>
+      <a:camera prst="orthographicFront"/>
+      <a:lightRig rig="threePt" dir="t"/>
+    </dgm:scene3d>
+    <dgm:sp3d/>
+    <dgm:txPr/>
+    <dgm:style>
+      <a:lnRef idx="2">
+        <a:scrgbClr r="0" g="0" b="0"/>
+      </a:lnRef>
+      <a:fillRef idx="1">
+        <a:scrgbClr r="0" g="0" b="0"/>
+      </a:fillRef>
+      <a:effectRef idx="0">
+        <a:scrgbClr r="0" g="0" b="0"/>
+      </a:effectRef>
+      <a:fontRef idx="minor"/>
+    </dgm:style>
+  </dgm:styleLbl>
+  <dgm:styleLbl name="alignAcc1">
+    <dgm:scene3d>
+      <a:camera prst="orthographicFront"/>
+      <a:lightRig rig="threePt" dir="t"/>
+    </dgm:scene3d>
+    <dgm:sp3d/>
+    <dgm:txPr/>
+    <dgm:style>
+      <a:lnRef idx="2">
+        <a:scrgbClr r="0" g="0" b="0"/>
+      </a:lnRef>
+      <a:fillRef idx="1">
+        <a:scrgbClr r="0" g="0" b="0"/>
+      </a:fillRef>
+      <a:effectRef idx="0">
+        <a:scrgbClr r="0" g="0" b="0"/>
+      </a:effectRef>
+      <a:fontRef idx="minor"/>
+    </dgm:style>
+  </dgm:styleLbl>
+  <dgm:styleLbl name="trAlignAcc1">
+    <dgm:scene3d>
+      <a:camera prst="orthographicFront"/>
+      <a:lightRig rig="threePt" dir="t"/>
+    </dgm:scene3d>
+    <dgm:sp3d/>
+    <dgm:txPr/>
+    <dgm:style>
+      <a:lnRef idx="1">
+        <a:scrgbClr r="0" g="0" b="0"/>
+      </a:lnRef>
+      <a:fillRef idx="1">
+        <a:scrgbClr r="0" g="0" b="0"/>
+      </a:fillRef>
+      <a:effectRef idx="0">
+        <a:scrgbClr r="0" g="0" b="0"/>
+      </a:effectRef>
+      <a:fontRef idx="minor"/>
+    </dgm:style>
+  </dgm:styleLbl>
+  <dgm:styleLbl name="bgAcc1">
+    <dgm:scene3d>
+      <a:camera prst="orthographicFront"/>
+      <a:lightRig rig="threePt" dir="t"/>
+    </dgm:scene3d>
+    <dgm:sp3d/>
+    <dgm:txPr/>
+    <dgm:style>
+      <a:lnRef idx="2">
+        <a:scrgbClr r="0" g="0" b="0"/>
+      </a:lnRef>
+      <a:fillRef idx="1">
+        <a:scrgbClr r="0" g="0" b="0"/>
+      </a:fillRef>
+      <a:effectRef idx="0">
+        <a:scrgbClr r="0" g="0" b="0"/>
+      </a:effectRef>
+      <a:fontRef idx="minor"/>
+    </dgm:style>
+  </dgm:styleLbl>
+  <dgm:styleLbl name="solidFgAcc1">
+    <dgm:scene3d>
+      <a:camera prst="orthographicFront"/>
+      <a:lightRig rig="threePt" dir="t"/>
+    </dgm:scene3d>
+    <dgm:sp3d/>
+    <dgm:txPr/>
+    <dgm:style>
+      <a:lnRef idx="2">
+        <a:scrgbClr r="0" g="0" b="0"/>
+      </a:lnRef>
+      <a:fillRef idx="1">
+        <a:scrgbClr r="0" g="0" b="0"/>
+      </a:fillRef>
+      <a:effectRef idx="0">
+        <a:scrgbClr r="0" g="0" b="0"/>
+      </a:effectRef>
+      <a:fontRef idx="minor"/>
+    </dgm:style>
+  </dgm:styleLbl>
+  <dgm:styleLbl name="solidAlignAcc1">
+    <dgm:scene3d>
+      <a:camera prst="orthographicFront"/>
+      <a:lightRig rig="threePt" dir="t"/>
+    </dgm:scene3d>
+    <dgm:sp3d/>
+    <dgm:txPr/>
+    <dgm:style>
+      <a:lnRef idx="2">
+        <a:scrgbClr r="0" g="0" b="0"/>
+      </a:lnRef>
+      <a:fillRef idx="1">
+        <a:scrgbClr r="0" g="0" b="0"/>
+      </a:fillRef>
+      <a:effectRef idx="0">
+        <a:scrgbClr r="0" g="0" b="0"/>
+      </a:effectRef>
+      <a:fontRef idx="minor"/>
+    </dgm:style>
+  </dgm:styleLbl>
+  <dgm:styleLbl name="solidBgAcc1">
+    <dgm:scene3d>
+      <a:camera prst="orthographicFront"/>
+      <a:lightRig rig="threePt" dir="t"/>
+    </dgm:scene3d>
+    <dgm:sp3d/>
+    <dgm:txPr/>
+    <dgm:style>
+      <a:lnRef idx="2">
+        <a:scrgbClr r="0" g="0" b="0"/>
+      </a:lnRef>
+      <a:fillRef idx="1">
+        <a:scrgbClr r="0" g="0" b="0"/>
+      </a:fillRef>
+      <a:effectRef idx="0">
+        <a:scrgbClr r="0" g="0" b="0"/>
+      </a:effectRef>
+      <a:fontRef idx="minor"/>
+    </dgm:style>
+  </dgm:styleLbl>
+  <dgm:styleLbl name="fgAccFollowNode1">
+    <dgm:scene3d>
+      <a:camera prst="orthographicFront"/>
+      <a:lightRig rig="threePt" dir="t"/>
+    </dgm:scene3d>
+    <dgm:sp3d/>
+    <dgm:txPr/>
+    <dgm:style>
+      <a:lnRef idx="2">
+        <a:scrgbClr r="0" g="0" b="0"/>
+      </a:lnRef>
+      <a:fillRef idx="1">
+        <a:scrgbClr r="0" g="0" b="0"/>
+      </a:fillRef>
+      <a:effectRef idx="0">
+        <a:scrgbClr r="0" g="0" b="0"/>
+      </a:effectRef>
+      <a:fontRef idx="minor"/>
+    </dgm:style>
+  </dgm:styleLbl>
+  <dgm:styleLbl name="alignAccFollowNode1">
+    <dgm:scene3d>
+      <a:camera prst="orthographicFront"/>
+      <a:lightRig rig="threePt" dir="t"/>
+    </dgm:scene3d>
+    <dgm:sp3d/>
+    <dgm:txPr/>
+    <dgm:style>
+      <a:lnRef idx="2">
+        <a:scrgbClr r="0" g="0" b="0"/>
+      </a:lnRef>
+      <a:fillRef idx="1">
+        <a:scrgbClr r="0" g="0" b="0"/>
+      </a:fillRef>
+      <a:effectRef idx="0">
+        <a:scrgbClr r="0" g="0" b="0"/>
+      </a:effectRef>
+      <a:fontRef idx="minor"/>
+    </dgm:style>
+  </dgm:styleLbl>
+  <dgm:styleLbl name="bgAccFollowNode1">
+    <dgm:scene3d>
+      <a:camera prst="orthographicFront"/>
+      <a:lightRig rig="threePt" dir="t"/>
+    </dgm:scene3d>
+    <dgm:sp3d/>
+    <dgm:txPr/>
+    <dgm:style>
+      <a:lnRef idx="2">
+        <a:scrgbClr r="0" g="0" b="0"/>
+      </a:lnRef>
+      <a:fillRef idx="1">
+        <a:scrgbClr r="0" g="0" b="0"/>
+      </a:fillRef>
+      <a:effectRef idx="0">
+        <a:scrgbClr r="0" g="0" b="0"/>
+      </a:effectRef>
+      <a:fontRef idx="minor"/>
+    </dgm:style>
+  </dgm:styleLbl>
+  <dgm:styleLbl name="fgAcc0">
+    <dgm:scene3d>
+      <a:camera prst="orthographicFront"/>
+      <a:lightRig rig="threePt" dir="t"/>
+    </dgm:scene3d>
+    <dgm:sp3d/>
+    <dgm:txPr/>
+    <dgm:style>
+      <a:lnRef idx="2">
+        <a:scrgbClr r="0" g="0" b="0"/>
+      </a:lnRef>
+      <a:fillRef idx="1">
+        <a:scrgbClr r="0" g="0" b="0"/>
+      </a:fillRef>
+      <a:effectRef idx="0">
+        <a:scrgbClr r="0" g="0" b="0"/>
+      </a:effectRef>
+      <a:fontRef idx="minor"/>
+    </dgm:style>
+  </dgm:styleLbl>
+  <dgm:styleLbl name="fgAcc2">
+    <dgm:scene3d>
+      <a:camera prst="orthographicFront"/>
+      <a:lightRig rig="threePt" dir="t"/>
+    </dgm:scene3d>
+    <dgm:sp3d/>
+    <dgm:txPr/>
+    <dgm:style>
+      <a:lnRef idx="2">
+        <a:scrgbClr r="0" g="0" b="0"/>
+      </a:lnRef>
+      <a:fillRef idx="1">
+        <a:scrgbClr r="0" g="0" b="0"/>
+      </a:fillRef>
+      <a:effectRef idx="0">
+        <a:scrgbClr r="0" g="0" b="0"/>
+      </a:effectRef>
+      <a:fontRef idx="minor"/>
+    </dgm:style>
+  </dgm:styleLbl>
+  <dgm:styleLbl name="fgAcc3">
+    <dgm:scene3d>
+      <a:camera prst="orthographicFront"/>
+      <a:lightRig rig="threePt" dir="t"/>
+    </dgm:scene3d>
+    <dgm:sp3d/>
+    <dgm:txPr/>
+    <dgm:style>
+      <a:lnRef idx="2">
+        <a:scrgbClr r="0" g="0" b="0"/>
+      </a:lnRef>
+      <a:fillRef idx="1">
+        <a:scrgbClr r="0" g="0" b="0"/>
+      </a:fillRef>
+      <a:effectRef idx="0">
+        <a:scrgbClr r="0" g="0" b="0"/>
+      </a:effectRef>
+      <a:fontRef idx="minor"/>
+    </dgm:style>
+  </dgm:styleLbl>
+  <dgm:styleLbl name="fgAcc4">
+    <dgm:scene3d>
+      <a:camera prst="orthographicFront"/>
+      <a:lightRig rig="threePt" dir="t"/>
+    </dgm:scene3d>
+    <dgm:sp3d/>
+    <dgm:txPr/>
+    <dgm:style>
+      <a:lnRef idx="2">
+        <a:scrgbClr r="0" g="0" b="0"/>
+      </a:lnRef>
+      <a:fillRef idx="1">
+        <a:scrgbClr r="0" g="0" b="0"/>
+      </a:fillRef>
+      <a:effectRef idx="0">
+        <a:scrgbClr r="0" g="0" b="0"/>
+      </a:effectRef>
+      <a:fontRef idx="minor"/>
+    </dgm:style>
+  </dgm:styleLbl>
+  <dgm:styleLbl name="bgShp">
+    <dgm:scene3d>
+      <a:camera prst="orthographicFront"/>
+      <a:lightRig rig="threePt" dir="t"/>
+    </dgm:scene3d>
+    <dgm:sp3d/>
+    <dgm:txPr/>
+    <dgm:style>
+      <a:lnRef idx="0">
+        <a:scrgbClr r="0" g="0" b="0"/>
+      </a:lnRef>
+      <a:fillRef idx="1">
+        <a:scrgbClr r="0" g="0" b="0"/>
+      </a:fillRef>
+      <a:effectRef idx="0">
+        <a:scrgbClr r="0" g="0" b="0"/>
+      </a:effectRef>
+      <a:fontRef idx="minor"/>
+    </dgm:style>
+  </dgm:styleLbl>
+  <dgm:styleLbl name="dkBgShp">
+    <dgm:scene3d>
+      <a:camera prst="orthographicFront"/>
+      <a:lightRig rig="threePt" dir="t"/>
+    </dgm:scene3d>
+    <dgm:sp3d/>
+    <dgm:txPr/>
+    <dgm:style>
+      <a:lnRef idx="0">
+        <a:scrgbClr r="0" g="0" b="0"/>
+      </a:lnRef>
+      <a:fillRef idx="1">
+        <a:scrgbClr r="0" g="0" b="0"/>
+      </a:fillRef>
+      <a:effectRef idx="0">
+        <a:scrgbClr r="0" g="0" b="0"/>
+      </a:effectRef>
+      <a:fontRef idx="minor"/>
+    </dgm:style>
+  </dgm:styleLbl>
+  <dgm:styleLbl name="trBgShp">
+    <dgm:scene3d>
+      <a:camera prst="orthographicFront"/>
+      <a:lightRig rig="threePt" dir="t"/>
+    </dgm:scene3d>
+    <dgm:sp3d/>
+    <dgm:txPr/>
+    <dgm:style>
+      <a:lnRef idx="0">
+        <a:scrgbClr r="0" g="0" b="0"/>
+      </a:lnRef>
+      <a:fillRef idx="1">
+        <a:scrgbClr r="0" g="0" b="0"/>
+      </a:fillRef>
+      <a:effectRef idx="0">
+        <a:scrgbClr r="0" g="0" b="0"/>
+      </a:effectRef>
+      <a:fontRef idx="minor"/>
+    </dgm:style>
+  </dgm:styleLbl>
+  <dgm:styleLbl name="fgShp">
+    <dgm:scene3d>
+      <a:camera prst="orthographicFront"/>
+      <a:lightRig rig="threePt" dir="t"/>
+    </dgm:scene3d>
+    <dgm:sp3d/>
+    <dgm:txPr/>
+    <dgm:style>
+      <a:lnRef idx="2">
+        <a:scrgbClr r="0" g="0" b="0"/>
+      </a:lnRef>
+      <a:fillRef idx="1">
+        <a:scrgbClr r="0" g="0" b="0"/>
+      </a:fillRef>
+      <a:effectRef idx="0">
+        <a:scrgbClr r="0" g="0" b="0"/>
+      </a:effectRef>
+      <a:fontRef idx="minor"/>
+    </dgm:style>
+  </dgm:styleLbl>
+  <dgm:styleLbl name="revTx">
+    <dgm:scene3d>
+      <a:camera prst="orthographicFront"/>
+      <a:lightRig rig="threePt" dir="t"/>
+    </dgm:scene3d>
+    <dgm:sp3d/>
+    <dgm:txPr/>
+    <dgm:style>
+      <a:lnRef idx="0">
+        <a:scrgbClr r="0" g="0" b="0"/>
+      </a:lnRef>
+      <a:fillRef idx="0">
+        <a:scrgbClr r="0" g="0" b="0"/>
+      </a:fillRef>
+      <a:effectRef idx="0">
+        <a:scrgbClr r="0" g="0" b="0"/>
+      </a:effectRef>
+      <a:fontRef idx="minor"/>
+    </dgm:style>
+  </dgm:styleLbl>
+</dgm:styleDef>
 </file>
 
 <file path=ppt/slideLayouts/slideLayout1.xml><?xml version="1.0" encoding="utf-8"?>
@@ -3603,6 +7145,332 @@
 </p:sld>
 </file>
 
+<file path=ppt/slides/slide10.xml><?xml version="1.0" encoding="utf-8"?>
+<p:sld xmlns:a="http://schemas.openxmlformats.org/drawingml/2006/main" xmlns:r="http://schemas.openxmlformats.org/officeDocument/2006/relationships" xmlns:p="http://schemas.openxmlformats.org/presentationml/2006/main">
+  <p:cSld>
+    <p:spTree>
+      <p:nvGrpSpPr>
+        <p:cNvPr id="1" name=""/>
+        <p:cNvGrpSpPr/>
+        <p:nvPr/>
+      </p:nvGrpSpPr>
+      <p:grpSpPr>
+        <a:xfrm>
+          <a:off x="0" y="0"/>
+          <a:ext cx="0" cy="0"/>
+          <a:chOff x="0" y="0"/>
+          <a:chExt cx="0" cy="0"/>
+        </a:xfrm>
+      </p:grpSpPr>
+      <p:sp>
+        <p:nvSpPr>
+          <p:cNvPr id="2" name="标题 1"/>
+          <p:cNvSpPr>
+            <a:spLocks noGrp="1"/>
+          </p:cNvSpPr>
+          <p:nvPr>
+            <p:ph type="title"/>
+          </p:nvPr>
+        </p:nvSpPr>
+        <p:spPr/>
+        <p:txBody>
+          <a:bodyPr/>
+          <a:lstStyle/>
+          <a:p>
+            <a:r>
+              <a:rPr lang="zh-CN" altLang="en-US" dirty="0" smtClean="0"/>
+              <a:t>方案竞争力分析</a:t>
+            </a:r>
+            <a:endParaRPr lang="zh-CN" altLang="en-US" dirty="0"/>
+          </a:p>
+        </p:txBody>
+      </p:sp>
+      <p:sp>
+        <p:nvSpPr>
+          <p:cNvPr id="3" name="内容占位符 2"/>
+          <p:cNvSpPr>
+            <a:spLocks noGrp="1"/>
+          </p:cNvSpPr>
+          <p:nvPr>
+            <p:ph idx="1"/>
+          </p:nvPr>
+        </p:nvSpPr>
+        <p:spPr>
+          <a:xfrm>
+            <a:off x="457200" y="1600201"/>
+            <a:ext cx="8229600" cy="3340968"/>
+          </a:xfrm>
+        </p:spPr>
+        <p:txBody>
+          <a:bodyPr/>
+          <a:lstStyle/>
+          <a:p>
+            <a:r>
+              <a:rPr lang="zh-CN" altLang="en-US" sz="2400" dirty="0" smtClean="0"/>
+              <a:t>偕作分布式视频处理</a:t>
+            </a:r>
+            <a:endParaRPr lang="en-US" altLang="zh-CN" sz="2400" dirty="0" smtClean="0"/>
+          </a:p>
+          <a:p>
+            <a:pPr lvl="1"/>
+            <a:r>
+              <a:rPr lang="zh-CN" altLang="en-US" sz="2000" dirty="0" smtClean="0"/>
+              <a:t>基于</a:t>
+            </a:r>
+            <a:r>
+              <a:rPr lang="en-US" altLang="zh-CN" sz="2000" dirty="0" smtClean="0"/>
+              <a:t>ARM</a:t>
+            </a:r>
+            <a:r>
+              <a:rPr lang="zh-CN" altLang="en-US" sz="2000" dirty="0" smtClean="0"/>
+              <a:t>通用处理器方案，成本比其他竞争对手有优势</a:t>
+            </a:r>
+            <a:endParaRPr lang="en-US" altLang="zh-CN" sz="2000" dirty="0" smtClean="0"/>
+          </a:p>
+          <a:p>
+            <a:pPr lvl="1"/>
+            <a:r>
+              <a:rPr lang="zh-CN" altLang="en-US" sz="2000" dirty="0" smtClean="0"/>
+              <a:t>能够与开发团队深度合作，快速响应客户需求</a:t>
+            </a:r>
+            <a:endParaRPr lang="en-US" altLang="zh-CN" sz="2000" dirty="0" smtClean="0"/>
+          </a:p>
+          <a:p>
+            <a:r>
+              <a:rPr lang="zh-CN" altLang="en-US" sz="2400" dirty="0" smtClean="0"/>
+              <a:t>梅鲁</a:t>
+            </a:r>
+            <a:r>
+              <a:rPr lang="en-US" altLang="zh-CN" sz="2400" dirty="0" smtClean="0"/>
+              <a:t>WLAN</a:t>
+            </a:r>
+            <a:r>
+              <a:rPr lang="zh-CN" altLang="en-US" sz="2400" dirty="0" smtClean="0"/>
+              <a:t>网络解决方案</a:t>
+            </a:r>
+            <a:endParaRPr lang="en-US" altLang="zh-CN" sz="2400" dirty="0" smtClean="0"/>
+          </a:p>
+          <a:p>
+            <a:pPr lvl="1"/>
+            <a:r>
+              <a:rPr lang="zh-CN" altLang="en-US" sz="2000" dirty="0" smtClean="0"/>
+              <a:t>可靠性高（高于</a:t>
+            </a:r>
+            <a:r>
+              <a:rPr lang="en-US" altLang="zh-CN" sz="2000" dirty="0" smtClean="0"/>
+              <a:t>H3C</a:t>
+            </a:r>
+            <a:r>
+              <a:rPr lang="zh-CN" altLang="en-US" sz="2000" dirty="0" smtClean="0"/>
+              <a:t>）</a:t>
+            </a:r>
+            <a:endParaRPr lang="en-US" altLang="zh-CN" sz="2000" dirty="0" smtClean="0"/>
+          </a:p>
+          <a:p>
+            <a:pPr lvl="1"/>
+            <a:r>
+              <a:rPr lang="zh-CN" altLang="en-US" sz="2000" dirty="0"/>
+              <a:t>组</a:t>
+            </a:r>
+            <a:r>
+              <a:rPr lang="zh-CN" altLang="en-US" sz="2000" dirty="0" smtClean="0"/>
+              <a:t>网灵活（</a:t>
+            </a:r>
+            <a:r>
+              <a:rPr lang="en-US" altLang="zh-CN" sz="2000" dirty="0" smtClean="0"/>
+              <a:t>Mesh + </a:t>
+            </a:r>
+            <a:r>
+              <a:rPr lang="zh-CN" altLang="en-US" sz="2000" dirty="0" smtClean="0"/>
+              <a:t>同频）</a:t>
+            </a:r>
+            <a:endParaRPr lang="en-US" altLang="zh-CN" sz="2000" dirty="0" smtClean="0"/>
+          </a:p>
+          <a:p>
+            <a:pPr lvl="1"/>
+            <a:r>
+              <a:rPr lang="zh-CN" altLang="en-US" sz="2000" dirty="0" smtClean="0"/>
+              <a:t>性能高</a:t>
+            </a:r>
+            <a:endParaRPr lang="en-US" altLang="zh-CN" sz="2000" dirty="0" smtClean="0"/>
+          </a:p>
+          <a:p>
+            <a:pPr lvl="1"/>
+            <a:r>
+              <a:rPr lang="zh-CN" altLang="en-US" sz="2000" dirty="0" smtClean="0"/>
+              <a:t>单价贵</a:t>
+            </a:r>
+            <a:endParaRPr lang="zh-CN" altLang="en-US" sz="2000" dirty="0"/>
+          </a:p>
+        </p:txBody>
+      </p:sp>
+      <p:sp>
+        <p:nvSpPr>
+          <p:cNvPr id="4" name="文本框 3"/>
+          <p:cNvSpPr txBox="1"/>
+          <p:nvPr/>
+        </p:nvSpPr>
+        <p:spPr>
+          <a:xfrm>
+            <a:off x="539552" y="4941169"/>
+            <a:ext cx="8064896" cy="1477328"/>
+          </a:xfrm>
+          <a:prstGeom prst="rect">
+            <a:avLst/>
+          </a:prstGeom>
+          <a:noFill/>
+        </p:spPr>
+        <p:txBody>
+          <a:bodyPr wrap="square" rtlCol="0">
+            <a:spAutoFit/>
+          </a:bodyPr>
+          <a:lstStyle/>
+          <a:p>
+            <a:r>
+              <a:rPr lang="zh-CN" altLang="en-US" dirty="0" smtClean="0"/>
+              <a:t>永拓只是一个新的入局者，视频监控市场已经是一个红海，利润率有限。同时团队对市场的理解有限，所依托的是原有技术关系网，较有竞争力的视频处理产品和成熟、强大的无线网络产品、以及经验丰富的网络工程师。</a:t>
+            </a:r>
+            <a:endParaRPr lang="en-US" altLang="zh-CN" dirty="0" smtClean="0"/>
+          </a:p>
+          <a:p>
+            <a:r>
+              <a:rPr lang="zh-CN" altLang="en-US" dirty="0" smtClean="0"/>
+              <a:t>借助一定的客户关系，切入这个市场，有利于为未来的智慧城市业务布局，帮助建立更强的客户管理，了解客户需求</a:t>
+            </a:r>
+            <a:endParaRPr lang="zh-CN" altLang="en-US" dirty="0"/>
+          </a:p>
+        </p:txBody>
+      </p:sp>
+    </p:spTree>
+    <p:extLst>
+      <p:ext uri="{BB962C8B-B14F-4D97-AF65-F5344CB8AC3E}">
+        <p14:creationId xmlns:p14="http://schemas.microsoft.com/office/powerpoint/2010/main" val="1424762827"/>
+      </p:ext>
+    </p:extLst>
+  </p:cSld>
+  <p:clrMapOvr>
+    <a:masterClrMapping/>
+  </p:clrMapOvr>
+</p:sld>
+</file>
+
+<file path=ppt/slides/slide11.xml><?xml version="1.0" encoding="utf-8"?>
+<p:sld xmlns:a="http://schemas.openxmlformats.org/drawingml/2006/main" xmlns:r="http://schemas.openxmlformats.org/officeDocument/2006/relationships" xmlns:p="http://schemas.openxmlformats.org/presentationml/2006/main">
+  <p:cSld>
+    <p:spTree>
+      <p:nvGrpSpPr>
+        <p:cNvPr id="1" name=""/>
+        <p:cNvGrpSpPr/>
+        <p:nvPr/>
+      </p:nvGrpSpPr>
+      <p:grpSpPr>
+        <a:xfrm>
+          <a:off x="0" y="0"/>
+          <a:ext cx="0" cy="0"/>
+          <a:chOff x="0" y="0"/>
+          <a:chExt cx="0" cy="0"/>
+        </a:xfrm>
+      </p:grpSpPr>
+      <p:sp>
+        <p:nvSpPr>
+          <p:cNvPr id="2" name="标题 1"/>
+          <p:cNvSpPr>
+            <a:spLocks noGrp="1"/>
+          </p:cNvSpPr>
+          <p:nvPr>
+            <p:ph type="title"/>
+          </p:nvPr>
+        </p:nvSpPr>
+        <p:spPr/>
+        <p:txBody>
+          <a:bodyPr/>
+          <a:lstStyle/>
+          <a:p>
+            <a:r>
+              <a:rPr lang="zh-CN" altLang="en-US" dirty="0" smtClean="0"/>
+              <a:t>建立竞争力</a:t>
+            </a:r>
+            <a:endParaRPr lang="zh-CN" altLang="en-US" dirty="0"/>
+          </a:p>
+        </p:txBody>
+      </p:sp>
+      <p:sp>
+        <p:nvSpPr>
+          <p:cNvPr id="3" name="内容占位符 2"/>
+          <p:cNvSpPr>
+            <a:spLocks noGrp="1"/>
+          </p:cNvSpPr>
+          <p:nvPr>
+            <p:ph idx="1"/>
+          </p:nvPr>
+        </p:nvSpPr>
+        <p:spPr/>
+        <p:txBody>
+          <a:bodyPr/>
+          <a:lstStyle/>
+          <a:p>
+            <a:r>
+              <a:rPr lang="zh-CN" altLang="en-US" dirty="0" smtClean="0"/>
+              <a:t>增强自身技术整合能力，建立完善供应链，提供可靠的解决方案</a:t>
+            </a:r>
+            <a:endParaRPr lang="en-US" altLang="zh-CN" dirty="0" smtClean="0"/>
+          </a:p>
+          <a:p>
+            <a:pPr lvl="1"/>
+            <a:r>
+              <a:rPr lang="zh-CN" altLang="en-US" dirty="0" smtClean="0"/>
+              <a:t>建立产品实验室，验证不同解决方案，塑造整合能力</a:t>
+            </a:r>
+            <a:endParaRPr lang="en-US" altLang="zh-CN" dirty="0" smtClean="0"/>
+          </a:p>
+          <a:p>
+            <a:pPr lvl="1"/>
+            <a:r>
+              <a:rPr lang="zh-CN" altLang="en-US" dirty="0" smtClean="0"/>
+              <a:t>建立示范园区，形成品牌</a:t>
+            </a:r>
+            <a:endParaRPr lang="en-US" altLang="zh-CN" dirty="0" smtClean="0"/>
+          </a:p>
+          <a:p>
+            <a:pPr lvl="1"/>
+            <a:r>
+              <a:rPr lang="zh-CN" altLang="en-US" dirty="0" smtClean="0"/>
+              <a:t>加强供应商管理和培育</a:t>
+            </a:r>
+            <a:endParaRPr lang="en-US" altLang="zh-CN" dirty="0" smtClean="0"/>
+          </a:p>
+          <a:p>
+            <a:r>
+              <a:rPr lang="zh-CN" altLang="en-US" dirty="0" smtClean="0"/>
+              <a:t>建立本地支持团队，提供快速的响应能力</a:t>
+            </a:r>
+            <a:endParaRPr lang="en-US" altLang="zh-CN" dirty="0" smtClean="0"/>
+          </a:p>
+          <a:p>
+            <a:r>
+              <a:rPr lang="zh-CN" altLang="en-US" dirty="0" smtClean="0"/>
+              <a:t>整合和开发增值服务，为客户提供更多产品和方案</a:t>
+            </a:r>
+            <a:endParaRPr lang="en-US" altLang="zh-CN" dirty="0" smtClean="0"/>
+          </a:p>
+          <a:p>
+            <a:endParaRPr lang="zh-CN" altLang="en-US" dirty="0"/>
+          </a:p>
+        </p:txBody>
+      </p:sp>
+    </p:spTree>
+    <p:extLst>
+      <p:ext uri="{BB962C8B-B14F-4D97-AF65-F5344CB8AC3E}">
+        <p14:creationId xmlns:p14="http://schemas.microsoft.com/office/powerpoint/2010/main" val="1711995155"/>
+      </p:ext>
+    </p:extLst>
+  </p:cSld>
+  <p:clrMapOvr>
+    <a:masterClrMapping/>
+  </p:clrMapOvr>
+</p:sld>
+</file>
+
 <file path=ppt/slides/slide2.xml><?xml version="1.0" encoding="utf-8"?>
 <p:sld xmlns:a="http://schemas.openxmlformats.org/drawingml/2006/main" xmlns:r="http://schemas.openxmlformats.org/officeDocument/2006/relationships" xmlns:p="http://schemas.openxmlformats.org/presentationml/2006/main">
   <p:cSld>
@@ -3681,11 +7549,7 @@
             </a:r>
             <a:r>
               <a:rPr lang="zh-CN" altLang="en-US" dirty="0" smtClean="0"/>
-              <a:t>组网的灵活性，容错性和</a:t>
-            </a:r>
-            <a:r>
-              <a:rPr lang="zh-CN" altLang="en-US" dirty="0" smtClean="0"/>
-              <a:t>可靠性</a:t>
+              <a:t>组网的灵活性，容错性和可靠性</a:t>
             </a:r>
             <a:endParaRPr lang="en-US" altLang="zh-CN" dirty="0"/>
           </a:p>
@@ -3697,11 +7561,7 @@
             </a:r>
             <a:r>
               <a:rPr lang="zh-CN" altLang="en-US" dirty="0" smtClean="0"/>
-              <a:t>应急通信</a:t>
-            </a:r>
-            <a:r>
-              <a:rPr lang="zh-CN" altLang="en-US" dirty="0" smtClean="0"/>
-              <a:t>能力</a:t>
+              <a:t>应急通信能力</a:t>
             </a:r>
             <a:endParaRPr lang="en-US" altLang="zh-CN" dirty="0"/>
           </a:p>
@@ -3717,15 +7577,7 @@
             <a:pPr eaLnBrk="1" hangingPunct="1"/>
             <a:r>
               <a:rPr lang="zh-CN" altLang="en-US" dirty="0" smtClean="0"/>
-              <a:t>市场竞争对手分析</a:t>
-            </a:r>
-            <a:endParaRPr lang="en-US" altLang="zh-CN" dirty="0" smtClean="0"/>
-          </a:p>
-          <a:p>
-            <a:pPr eaLnBrk="1" hangingPunct="1"/>
-            <a:r>
-              <a:rPr lang="zh-CN" altLang="en-US" dirty="0" smtClean="0"/>
-              <a:t>商业路径</a:t>
+              <a:t>商业分析</a:t>
             </a:r>
             <a:endParaRPr lang="en-US" altLang="zh-CN" dirty="0" smtClean="0"/>
           </a:p>
@@ -3879,7 +7731,6 @@
               <a:rPr lang="zh-CN" altLang="en-US" dirty="0" smtClean="0"/>
               <a:t>示范网概念</a:t>
             </a:r>
-            <a:endParaRPr lang="zh-CN" altLang="en-US" dirty="0" smtClean="0"/>
           </a:p>
         </p:txBody>
       </p:sp>
@@ -9331,68 +13182,291 @@
           <a:p>
             <a:r>
               <a:rPr lang="zh-CN" altLang="en-US" dirty="0" smtClean="0"/>
-              <a:t>参考企业</a:t>
+              <a:t>商业分析</a:t>
             </a:r>
             <a:endParaRPr lang="zh-CN" altLang="en-US" dirty="0"/>
+          </a:p>
+        </p:txBody>
+      </p:sp>
+      <p:graphicFrame>
+        <p:nvGraphicFramePr>
+          <p:cNvPr id="4" name="图示 3"/>
+          <p:cNvGraphicFramePr/>
+          <p:nvPr>
+            <p:extLst>
+              <p:ext uri="{D42A27DB-BD31-4B8C-83A1-F6EECF244321}">
+                <p14:modId xmlns:p14="http://schemas.microsoft.com/office/powerpoint/2010/main" val="4040165086"/>
+              </p:ext>
+            </p:extLst>
+          </p:nvPr>
+        </p:nvGraphicFramePr>
+        <p:xfrm>
+          <a:off x="755576" y="1417638"/>
+          <a:ext cx="4272136" cy="3184128"/>
+        </p:xfrm>
+        <a:graphic>
+          <a:graphicData uri="http://schemas.openxmlformats.org/drawingml/2006/diagram">
+            <dgm:relIds xmlns:dgm="http://schemas.openxmlformats.org/drawingml/2006/diagram" xmlns:r="http://schemas.openxmlformats.org/officeDocument/2006/relationships" r:dm="rId2" r:lo="rId3" r:qs="rId4" r:cs="rId5"/>
+          </a:graphicData>
+        </a:graphic>
+      </p:graphicFrame>
+      <p:sp>
+        <p:nvSpPr>
+          <p:cNvPr id="5" name="文本框 4"/>
+          <p:cNvSpPr txBox="1"/>
+          <p:nvPr/>
+        </p:nvSpPr>
+        <p:spPr>
+          <a:xfrm>
+            <a:off x="3347864" y="1854684"/>
+            <a:ext cx="1313180" cy="261610"/>
+          </a:xfrm>
+          <a:prstGeom prst="rect">
+            <a:avLst/>
+          </a:prstGeom>
+          <a:noFill/>
+        </p:spPr>
+        <p:txBody>
+          <a:bodyPr wrap="none" rtlCol="0">
+            <a:spAutoFit/>
+          </a:bodyPr>
+          <a:lstStyle/>
+          <a:p>
+            <a:r>
+              <a:rPr lang="zh-CN" altLang="en-US" sz="1100" dirty="0" smtClean="0"/>
+              <a:t>大华，海康。。。</a:t>
+            </a:r>
+            <a:endParaRPr lang="zh-CN" altLang="en-US" sz="1100" dirty="0"/>
           </a:p>
         </p:txBody>
       </p:sp>
       <p:sp>
         <p:nvSpPr>
-          <p:cNvPr id="3" name="内容占位符 2"/>
-          <p:cNvSpPr>
-            <a:spLocks noGrp="1"/>
-          </p:cNvSpPr>
-          <p:nvPr>
-            <p:ph idx="1"/>
-          </p:nvPr>
+          <p:cNvPr id="6" name="文本框 5"/>
+          <p:cNvSpPr txBox="1"/>
+          <p:nvPr/>
         </p:nvSpPr>
-        <p:spPr/>
+        <p:spPr>
+          <a:xfrm>
+            <a:off x="1015174" y="3937918"/>
+            <a:ext cx="3927229" cy="830997"/>
+          </a:xfrm>
+          <a:prstGeom prst="rect">
+            <a:avLst/>
+          </a:prstGeom>
+          <a:noFill/>
+        </p:spPr>
         <p:txBody>
-          <a:bodyPr/>
+          <a:bodyPr wrap="none" rtlCol="0">
+            <a:spAutoFit/>
+          </a:bodyPr>
           <a:lstStyle/>
           <a:p>
             <a:r>
-              <a:rPr lang="en-US" altLang="zh-CN" dirty="0">
-                <a:hlinkClick r:id="rId2"/>
+              <a:rPr lang="zh-CN" altLang="en-US" sz="1200" dirty="0" smtClean="0"/>
+              <a:t>一般由集成商建设，已有的无线视频监控方案：</a:t>
+            </a:r>
+            <a:endParaRPr lang="en-US" altLang="zh-CN" sz="1200" dirty="0" smtClean="0"/>
+          </a:p>
+          <a:p>
+            <a:r>
+              <a:rPr lang="en-US" altLang="zh-CN" sz="1200" dirty="0">
+                <a:hlinkClick r:id="rId7"/>
               </a:rPr>
-              <a:t>http://</a:t>
-            </a:r>
-            <a:r>
-              <a:rPr lang="en-US" altLang="zh-CN" dirty="0" smtClean="0">
-                <a:hlinkClick r:id="rId2"/>
-              </a:rPr>
-              <a:t>www.anetvision.com/Program.asp?id=354</a:t>
-            </a:r>
-            <a:endParaRPr lang="en-US" altLang="zh-CN" dirty="0" smtClean="0"/>
-          </a:p>
-          <a:p>
-            <a:r>
-              <a:rPr lang="en-US" altLang="zh-CN" dirty="0">
-                <a:hlinkClick r:id="rId3"/>
-              </a:rPr>
-              <a:t>http://www.chinadid.com.cn/htm/dt82-cn/dt82gq-cn</a:t>
-            </a:r>
-            <a:r>
-              <a:rPr lang="en-US" altLang="zh-CN" dirty="0" smtClean="0">
-                <a:hlinkClick r:id="rId3"/>
+              <a:t>http://www.4008075595.com</a:t>
+            </a:r>
+            <a:r>
+              <a:rPr lang="en-US" altLang="zh-CN" sz="1200" dirty="0" smtClean="0">
+                <a:hlinkClick r:id="rId7"/>
               </a:rPr>
               <a:t>/</a:t>
             </a:r>
-            <a:endParaRPr lang="en-US" altLang="zh-CN" dirty="0" smtClean="0"/>
-          </a:p>
-          <a:p>
-            <a:endParaRPr lang="en-US" altLang="zh-CN" dirty="0" smtClean="0"/>
-          </a:p>
-          <a:p>
-            <a:endParaRPr lang="zh-CN" altLang="en-US" dirty="0"/>
+            <a:r>
+              <a:rPr lang="en-US" altLang="zh-CN" sz="1200" dirty="0" smtClean="0"/>
+              <a:t> </a:t>
+            </a:r>
+            <a:r>
+              <a:rPr lang="zh-CN" altLang="en-US" sz="1200" dirty="0" smtClean="0"/>
+              <a:t>深圳腾远智拓</a:t>
+            </a:r>
+            <a:endParaRPr lang="en-US" altLang="zh-CN" sz="1200" dirty="0" smtClean="0"/>
+          </a:p>
+          <a:p>
+            <a:r>
+              <a:rPr lang="en-US" altLang="zh-CN" sz="1200" dirty="0">
+                <a:hlinkClick r:id="rId8"/>
+              </a:rPr>
+              <a:t>http://www.video-tech.com.cn/list/?</a:t>
+            </a:r>
+            <a:r>
+              <a:rPr lang="en-US" altLang="zh-CN" sz="1200" dirty="0" smtClean="0">
+                <a:hlinkClick r:id="rId8"/>
+              </a:rPr>
+              <a:t>8.html</a:t>
+            </a:r>
+            <a:r>
+              <a:rPr lang="en-US" altLang="zh-CN" sz="1200" dirty="0" smtClean="0"/>
+              <a:t> </a:t>
+            </a:r>
+            <a:r>
+              <a:rPr lang="zh-CN" altLang="en-US" sz="1200" dirty="0" smtClean="0"/>
+              <a:t>深圳中创鑫和</a:t>
+            </a:r>
+            <a:endParaRPr lang="en-US" altLang="zh-CN" sz="1200" dirty="0" smtClean="0"/>
+          </a:p>
+          <a:p>
+            <a:endParaRPr lang="zh-CN" altLang="en-US" sz="1200" dirty="0"/>
+          </a:p>
+        </p:txBody>
+      </p:sp>
+      <p:sp>
+        <p:nvSpPr>
+          <p:cNvPr id="7" name="文本框 6"/>
+          <p:cNvSpPr txBox="1"/>
+          <p:nvPr/>
+        </p:nvSpPr>
+        <p:spPr>
+          <a:xfrm>
+            <a:off x="179512" y="1841742"/>
+            <a:ext cx="3108543" cy="830997"/>
+          </a:xfrm>
+          <a:prstGeom prst="rect">
+            <a:avLst/>
+          </a:prstGeom>
+          <a:noFill/>
+        </p:spPr>
+        <p:txBody>
+          <a:bodyPr wrap="none" rtlCol="0">
+            <a:spAutoFit/>
+          </a:bodyPr>
+          <a:lstStyle/>
+          <a:p>
+            <a:r>
+              <a:rPr lang="zh-CN" altLang="en-US" sz="1200" dirty="0" smtClean="0"/>
+              <a:t>大华，海康，威创，寰视科技，主要产品：</a:t>
+            </a:r>
+            <a:endParaRPr lang="en-US" altLang="zh-CN" sz="1200" dirty="0" smtClean="0"/>
+          </a:p>
+          <a:p>
+            <a:pPr marL="171450" indent="-171450">
+              <a:buFontTx/>
+              <a:buChar char="-"/>
+            </a:pPr>
+            <a:r>
+              <a:rPr lang="zh-CN" altLang="en-US" sz="1200" dirty="0" smtClean="0"/>
+              <a:t>拼接墙</a:t>
+            </a:r>
+            <a:r>
+              <a:rPr lang="en-US" altLang="zh-CN" sz="1200" dirty="0" smtClean="0"/>
+              <a:t>(</a:t>
+            </a:r>
+            <a:r>
+              <a:rPr lang="zh-CN" altLang="en-US" sz="1200" dirty="0" smtClean="0"/>
+              <a:t>视频流调度</a:t>
+            </a:r>
+            <a:r>
+              <a:rPr lang="en-US" altLang="zh-CN" sz="1200" dirty="0" smtClean="0"/>
+              <a:t>)</a:t>
+            </a:r>
+          </a:p>
+          <a:p>
+            <a:pPr marL="171450" indent="-171450">
+              <a:buFontTx/>
+              <a:buChar char="-"/>
+            </a:pPr>
+            <a:r>
+              <a:rPr lang="zh-CN" altLang="en-US" sz="1200" dirty="0" smtClean="0"/>
+              <a:t>视频存储</a:t>
+            </a:r>
+            <a:endParaRPr lang="en-US" altLang="zh-CN" sz="1200" dirty="0" smtClean="0"/>
+          </a:p>
+          <a:p>
+            <a:pPr marL="171450" indent="-171450">
+              <a:buFontTx/>
+              <a:buChar char="-"/>
+            </a:pPr>
+            <a:endParaRPr lang="zh-CN" altLang="en-US" sz="1200" dirty="0"/>
+          </a:p>
+        </p:txBody>
+      </p:sp>
+      <p:sp>
+        <p:nvSpPr>
+          <p:cNvPr id="11" name="文本框 10"/>
+          <p:cNvSpPr txBox="1"/>
+          <p:nvPr/>
+        </p:nvSpPr>
+        <p:spPr>
+          <a:xfrm>
+            <a:off x="5220072" y="4869160"/>
+            <a:ext cx="3312368" cy="1200329"/>
+          </a:xfrm>
+          <a:prstGeom prst="rect">
+            <a:avLst/>
+          </a:prstGeom>
+          <a:noFill/>
+        </p:spPr>
+        <p:txBody>
+          <a:bodyPr wrap="square" rtlCol="0">
+            <a:spAutoFit/>
+          </a:bodyPr>
+          <a:lstStyle/>
+          <a:p>
+            <a:pPr marL="285750" indent="-285750">
+              <a:buFontTx/>
+              <a:buChar char="-"/>
+            </a:pPr>
+            <a:r>
+              <a:rPr lang="zh-CN" altLang="en-US" sz="1200" dirty="0" smtClean="0"/>
+              <a:t>依托网络，扩展更多的智能城市服务</a:t>
+            </a:r>
+            <a:endParaRPr lang="en-US" altLang="zh-CN" sz="1200" dirty="0" smtClean="0"/>
+          </a:p>
+          <a:p>
+            <a:pPr marL="742950" lvl="1" indent="-285750">
+              <a:buFontTx/>
+              <a:buChar char="-"/>
+            </a:pPr>
+            <a:r>
+              <a:rPr lang="zh-CN" altLang="en-US" sz="1200" dirty="0" smtClean="0"/>
+              <a:t>室内定位</a:t>
+            </a:r>
+            <a:endParaRPr lang="en-US" altLang="zh-CN" sz="1200" dirty="0" smtClean="0"/>
+          </a:p>
+          <a:p>
+            <a:pPr marL="742950" lvl="1" indent="-285750">
+              <a:buFontTx/>
+              <a:buChar char="-"/>
+            </a:pPr>
+            <a:r>
+              <a:rPr lang="zh-CN" altLang="en-US" sz="1200" dirty="0" smtClean="0"/>
+              <a:t>传感器网络等</a:t>
+            </a:r>
+            <a:endParaRPr lang="en-US" altLang="zh-CN" sz="1200" dirty="0" smtClean="0"/>
+          </a:p>
+          <a:p>
+            <a:pPr marL="285750" indent="-285750">
+              <a:buFontTx/>
+              <a:buChar char="-"/>
+            </a:pPr>
+            <a:r>
+              <a:rPr lang="zh-CN" altLang="en-US" sz="1200" dirty="0" smtClean="0"/>
+              <a:t>深耕专业客户市场，形成具有特色的后台产品</a:t>
+            </a:r>
+            <a:endParaRPr lang="en-US" altLang="zh-CN" sz="1200" dirty="0"/>
+          </a:p>
+          <a:p>
+            <a:pPr marL="1200150" lvl="2" indent="-285750">
+              <a:buFontTx/>
+              <a:buChar char="-"/>
+            </a:pPr>
+            <a:endParaRPr lang="zh-CN" altLang="en-US" sz="1200" dirty="0"/>
           </a:p>
         </p:txBody>
       </p:sp>
     </p:spTree>
     <p:extLst>
       <p:ext uri="{BB962C8B-B14F-4D97-AF65-F5344CB8AC3E}">
-        <p14:creationId xmlns:p14="http://schemas.microsoft.com/office/powerpoint/2010/main" val="2529042197"/>
+        <p14:creationId xmlns:p14="http://schemas.microsoft.com/office/powerpoint/2010/main" val="3749671532"/>
       </p:ext>
     </p:extLst>
   </p:cSld>

--- a/doc/基于Mesh的视频监控解决方案.pptx
+++ b/doc/基于Mesh的视频监控解决方案.pptx
@@ -13,9 +13,11 @@
     <p:sldId id="261" r:id="rId7"/>
     <p:sldId id="268" r:id="rId8"/>
     <p:sldId id="269" r:id="rId9"/>
-    <p:sldId id="270" r:id="rId10"/>
-    <p:sldId id="271" r:id="rId11"/>
-    <p:sldId id="272" r:id="rId12"/>
+    <p:sldId id="273" r:id="rId10"/>
+    <p:sldId id="274" r:id="rId11"/>
+    <p:sldId id="270" r:id="rId12"/>
+    <p:sldId id="271" r:id="rId13"/>
+    <p:sldId id="272" r:id="rId14"/>
   </p:sldIdLst>
   <p:sldSz cx="9144000" cy="6858000" type="screen4x3"/>
   <p:notesSz cx="6858000" cy="9144000"/>
@@ -1041,6 +1043,13 @@
     <dgm:pt modelId="{DC6B959F-CEF1-4584-A5EF-09C7B2DA3DF2}" type="pres">
       <dgm:prSet presAssocID="{5F794FBA-07E8-4B9C-883F-3A69CE84C8B8}" presName="wedge1" presStyleLbl="node1" presStyleIdx="0" presStyleCnt="3"/>
       <dgm:spPr/>
+      <dgm:t>
+        <a:bodyPr/>
+        <a:lstStyle/>
+        <a:p>
+          <a:endParaRPr lang="zh-CN" altLang="en-US"/>
+        </a:p>
+      </dgm:t>
     </dgm:pt>
     <dgm:pt modelId="{438047A4-F1FD-4629-99B6-C80678FC1F23}" type="pres">
       <dgm:prSet presAssocID="{5F794FBA-07E8-4B9C-883F-3A69CE84C8B8}" presName="wedge1Tx" presStyleLbl="node1" presStyleIdx="0" presStyleCnt="3">
@@ -1051,10 +1060,24 @@
         </dgm:presLayoutVars>
       </dgm:prSet>
       <dgm:spPr/>
+      <dgm:t>
+        <a:bodyPr/>
+        <a:lstStyle/>
+        <a:p>
+          <a:endParaRPr lang="zh-CN" altLang="en-US"/>
+        </a:p>
+      </dgm:t>
     </dgm:pt>
     <dgm:pt modelId="{FE62A468-0522-4548-A37C-B18569B2C0D4}" type="pres">
       <dgm:prSet presAssocID="{5F794FBA-07E8-4B9C-883F-3A69CE84C8B8}" presName="wedge2" presStyleLbl="node1" presStyleIdx="1" presStyleCnt="3"/>
       <dgm:spPr/>
+      <dgm:t>
+        <a:bodyPr/>
+        <a:lstStyle/>
+        <a:p>
+          <a:endParaRPr lang="zh-CN" altLang="en-US"/>
+        </a:p>
+      </dgm:t>
     </dgm:pt>
     <dgm:pt modelId="{49CA772F-1E33-44F7-9BBC-9F1E8D7D2101}" type="pres">
       <dgm:prSet presAssocID="{5F794FBA-07E8-4B9C-883F-3A69CE84C8B8}" presName="wedge2Tx" presStyleLbl="node1" presStyleIdx="1" presStyleCnt="3">
@@ -1065,10 +1088,24 @@
         </dgm:presLayoutVars>
       </dgm:prSet>
       <dgm:spPr/>
+      <dgm:t>
+        <a:bodyPr/>
+        <a:lstStyle/>
+        <a:p>
+          <a:endParaRPr lang="zh-CN" altLang="en-US"/>
+        </a:p>
+      </dgm:t>
     </dgm:pt>
     <dgm:pt modelId="{AFC5880C-93DC-4A29-B567-1ECB0C16D596}" type="pres">
       <dgm:prSet presAssocID="{5F794FBA-07E8-4B9C-883F-3A69CE84C8B8}" presName="wedge3" presStyleLbl="node1" presStyleIdx="2" presStyleCnt="3"/>
       <dgm:spPr/>
+      <dgm:t>
+        <a:bodyPr/>
+        <a:lstStyle/>
+        <a:p>
+          <a:endParaRPr lang="zh-CN" altLang="en-US"/>
+        </a:p>
+      </dgm:t>
     </dgm:pt>
     <dgm:pt modelId="{42062A33-7FB4-4F2B-83EA-E814020E255B}" type="pres">
       <dgm:prSet presAssocID="{5F794FBA-07E8-4B9C-883F-3A69CE84C8B8}" presName="wedge3Tx" presStyleLbl="node1" presStyleIdx="2" presStyleCnt="3">
@@ -1079,19 +1116,26 @@
         </dgm:presLayoutVars>
       </dgm:prSet>
       <dgm:spPr/>
+      <dgm:t>
+        <a:bodyPr/>
+        <a:lstStyle/>
+        <a:p>
+          <a:endParaRPr lang="zh-CN" altLang="en-US"/>
+        </a:p>
+      </dgm:t>
     </dgm:pt>
   </dgm:ptLst>
   <dgm:cxnLst>
     <dgm:cxn modelId="{27425C95-DD9A-4714-971B-EAA0AFA16EF4}" type="presOf" srcId="{536850B8-8CA5-4775-ADDE-ABA5C792F576}" destId="{42062A33-7FB4-4F2B-83EA-E814020E255B}" srcOrd="1" destOrd="0" presId="urn:microsoft.com/office/officeart/2005/8/layout/chart3"/>
-    <dgm:cxn modelId="{4B5AD040-E7FD-45F3-9320-3FE3BA632AD0}" srcId="{5F794FBA-07E8-4B9C-883F-3A69CE84C8B8}" destId="{0B4D35FC-A0DB-4B47-B807-761DAE6C95C2}" srcOrd="1" destOrd="0" parTransId="{029C0BC3-E4D1-4489-8408-91D42C92F746}" sibTransId="{D22B74B2-BA26-4046-B21E-54668C5E6819}"/>
-    <dgm:cxn modelId="{107D961A-35F5-4A93-B271-31E6D7F732A0}" srcId="{5F794FBA-07E8-4B9C-883F-3A69CE84C8B8}" destId="{434F5F95-70C6-4DB2-97C6-3BDC6A7DDE1C}" srcOrd="0" destOrd="0" parTransId="{8BFBD196-D354-4AB4-A31B-CC8E49AC0026}" sibTransId="{17C3480B-43C4-4812-AE55-0E2DB49A4B3B}"/>
+    <dgm:cxn modelId="{0966600E-E66E-49FE-BBB0-66D9700E0F50}" type="presOf" srcId="{0B4D35FC-A0DB-4B47-B807-761DAE6C95C2}" destId="{FE62A468-0522-4548-A37C-B18569B2C0D4}" srcOrd="0" destOrd="0" presId="urn:microsoft.com/office/officeart/2005/8/layout/chart3"/>
     <dgm:cxn modelId="{213AEA32-D5E5-45A8-9F40-4653ADD8A9CE}" type="presOf" srcId="{434F5F95-70C6-4DB2-97C6-3BDC6A7DDE1C}" destId="{DC6B959F-CEF1-4584-A5EF-09C7B2DA3DF2}" srcOrd="0" destOrd="0" presId="urn:microsoft.com/office/officeart/2005/8/layout/chart3"/>
     <dgm:cxn modelId="{6C10A4CF-4E72-42E9-B908-09AC460877A1}" type="presOf" srcId="{0B4D35FC-A0DB-4B47-B807-761DAE6C95C2}" destId="{49CA772F-1E33-44F7-9BBC-9F1E8D7D2101}" srcOrd="1" destOrd="0" presId="urn:microsoft.com/office/officeart/2005/8/layout/chart3"/>
+    <dgm:cxn modelId="{33CFA850-B81B-449F-9EF3-F4FCACCFFAAC}" type="presOf" srcId="{536850B8-8CA5-4775-ADDE-ABA5C792F576}" destId="{AFC5880C-93DC-4A29-B567-1ECB0C16D596}" srcOrd="0" destOrd="0" presId="urn:microsoft.com/office/officeart/2005/8/layout/chart3"/>
+    <dgm:cxn modelId="{FA901170-1679-4066-8834-8C24CF8851B1}" type="presOf" srcId="{434F5F95-70C6-4DB2-97C6-3BDC6A7DDE1C}" destId="{438047A4-F1FD-4629-99B6-C80678FC1F23}" srcOrd="1" destOrd="0" presId="urn:microsoft.com/office/officeart/2005/8/layout/chart3"/>
     <dgm:cxn modelId="{E53119FA-9B47-42D9-8EDE-728624F3D437}" type="presOf" srcId="{5F794FBA-07E8-4B9C-883F-3A69CE84C8B8}" destId="{89D84C3D-C0F0-4052-913E-5C9B66528EF6}" srcOrd="0" destOrd="0" presId="urn:microsoft.com/office/officeart/2005/8/layout/chart3"/>
-    <dgm:cxn modelId="{0966600E-E66E-49FE-BBB0-66D9700E0F50}" type="presOf" srcId="{0B4D35FC-A0DB-4B47-B807-761DAE6C95C2}" destId="{FE62A468-0522-4548-A37C-B18569B2C0D4}" srcOrd="0" destOrd="0" presId="urn:microsoft.com/office/officeart/2005/8/layout/chart3"/>
-    <dgm:cxn modelId="{FA901170-1679-4066-8834-8C24CF8851B1}" type="presOf" srcId="{434F5F95-70C6-4DB2-97C6-3BDC6A7DDE1C}" destId="{438047A4-F1FD-4629-99B6-C80678FC1F23}" srcOrd="1" destOrd="0" presId="urn:microsoft.com/office/officeart/2005/8/layout/chart3"/>
+    <dgm:cxn modelId="{4B5AD040-E7FD-45F3-9320-3FE3BA632AD0}" srcId="{5F794FBA-07E8-4B9C-883F-3A69CE84C8B8}" destId="{0B4D35FC-A0DB-4B47-B807-761DAE6C95C2}" srcOrd="1" destOrd="0" parTransId="{029C0BC3-E4D1-4489-8408-91D42C92F746}" sibTransId="{D22B74B2-BA26-4046-B21E-54668C5E6819}"/>
     <dgm:cxn modelId="{9816DADA-FC73-4197-B1B1-5FA8B4DD6677}" srcId="{5F794FBA-07E8-4B9C-883F-3A69CE84C8B8}" destId="{536850B8-8CA5-4775-ADDE-ABA5C792F576}" srcOrd="2" destOrd="0" parTransId="{941217D9-E035-4809-B6F5-BE87C60833C2}" sibTransId="{197F6096-262F-4919-A99D-E0BE8FE98A9D}"/>
-    <dgm:cxn modelId="{33CFA850-B81B-449F-9EF3-F4FCACCFFAAC}" type="presOf" srcId="{536850B8-8CA5-4775-ADDE-ABA5C792F576}" destId="{AFC5880C-93DC-4A29-B567-1ECB0C16D596}" srcOrd="0" destOrd="0" presId="urn:microsoft.com/office/officeart/2005/8/layout/chart3"/>
+    <dgm:cxn modelId="{107D961A-35F5-4A93-B271-31E6D7F732A0}" srcId="{5F794FBA-07E8-4B9C-883F-3A69CE84C8B8}" destId="{434F5F95-70C6-4DB2-97C6-3BDC6A7DDE1C}" srcOrd="0" destOrd="0" parTransId="{8BFBD196-D354-4AB4-A31B-CC8E49AC0026}" sibTransId="{17C3480B-43C4-4812-AE55-0E2DB49A4B3B}"/>
     <dgm:cxn modelId="{1D858A2A-BABF-4E48-BD88-C18F72C9211A}" type="presParOf" srcId="{89D84C3D-C0F0-4052-913E-5C9B66528EF6}" destId="{DC6B959F-CEF1-4584-A5EF-09C7B2DA3DF2}" srcOrd="0" destOrd="0" presId="urn:microsoft.com/office/officeart/2005/8/layout/chart3"/>
     <dgm:cxn modelId="{909E3EBF-D2B8-4C89-84E5-8CB761F17417}" type="presParOf" srcId="{89D84C3D-C0F0-4052-913E-5C9B66528EF6}" destId="{438047A4-F1FD-4629-99B6-C80678FC1F23}" srcOrd="1" destOrd="0" presId="urn:microsoft.com/office/officeart/2005/8/layout/chart3"/>
     <dgm:cxn modelId="{40B642FD-5ECA-4505-9E9A-BEF4EBE2D2F5}" type="presParOf" srcId="{89D84C3D-C0F0-4052-913E-5C9B66528EF6}" destId="{FE62A468-0522-4548-A37C-B18569B2C0D4}" srcOrd="2" destOrd="0" presId="urn:microsoft.com/office/officeart/2005/8/layout/chart3"/>
@@ -7177,6 +7221,402 @@
           <a:bodyPr/>
           <a:lstStyle/>
           <a:p>
+            <a:endParaRPr lang="zh-CN" altLang="en-US" dirty="0"/>
+          </a:p>
+        </p:txBody>
+      </p:sp>
+      <p:sp>
+        <p:nvSpPr>
+          <p:cNvPr id="3" name="内容占位符 2"/>
+          <p:cNvSpPr>
+            <a:spLocks noGrp="1"/>
+          </p:cNvSpPr>
+          <p:nvPr>
+            <p:ph idx="1"/>
+          </p:nvPr>
+        </p:nvSpPr>
+        <p:spPr/>
+        <p:txBody>
+          <a:bodyPr/>
+          <a:lstStyle/>
+          <a:p>
+            <a:endParaRPr lang="zh-CN" altLang="en-US"/>
+          </a:p>
+        </p:txBody>
+      </p:sp>
+    </p:spTree>
+    <p:extLst>
+      <p:ext uri="{BB962C8B-B14F-4D97-AF65-F5344CB8AC3E}">
+        <p14:creationId xmlns:p14="http://schemas.microsoft.com/office/powerpoint/2010/main" val="3857314153"/>
+      </p:ext>
+    </p:extLst>
+  </p:cSld>
+  <p:clrMapOvr>
+    <a:masterClrMapping/>
+  </p:clrMapOvr>
+</p:sld>
+</file>
+
+<file path=ppt/slides/slide11.xml><?xml version="1.0" encoding="utf-8"?>
+<p:sld xmlns:a="http://schemas.openxmlformats.org/drawingml/2006/main" xmlns:r="http://schemas.openxmlformats.org/officeDocument/2006/relationships" xmlns:p="http://schemas.openxmlformats.org/presentationml/2006/main">
+  <p:cSld>
+    <p:spTree>
+      <p:nvGrpSpPr>
+        <p:cNvPr id="1" name=""/>
+        <p:cNvGrpSpPr/>
+        <p:nvPr/>
+      </p:nvGrpSpPr>
+      <p:grpSpPr>
+        <a:xfrm>
+          <a:off x="0" y="0"/>
+          <a:ext cx="0" cy="0"/>
+          <a:chOff x="0" y="0"/>
+          <a:chExt cx="0" cy="0"/>
+        </a:xfrm>
+      </p:grpSpPr>
+      <p:sp>
+        <p:nvSpPr>
+          <p:cNvPr id="2" name="标题 1"/>
+          <p:cNvSpPr>
+            <a:spLocks noGrp="1"/>
+          </p:cNvSpPr>
+          <p:nvPr>
+            <p:ph type="title"/>
+          </p:nvPr>
+        </p:nvSpPr>
+        <p:spPr/>
+        <p:txBody>
+          <a:bodyPr/>
+          <a:lstStyle/>
+          <a:p>
+            <a:r>
+              <a:rPr lang="zh-CN" altLang="en-US" dirty="0" smtClean="0"/>
+              <a:t>商业分析</a:t>
+            </a:r>
+            <a:endParaRPr lang="zh-CN" altLang="en-US" dirty="0"/>
+          </a:p>
+        </p:txBody>
+      </p:sp>
+      <p:graphicFrame>
+        <p:nvGraphicFramePr>
+          <p:cNvPr id="4" name="图示 3"/>
+          <p:cNvGraphicFramePr/>
+          <p:nvPr>
+            <p:extLst>
+              <p:ext uri="{D42A27DB-BD31-4B8C-83A1-F6EECF244321}">
+                <p14:modId xmlns:p14="http://schemas.microsoft.com/office/powerpoint/2010/main" val="4040165086"/>
+              </p:ext>
+            </p:extLst>
+          </p:nvPr>
+        </p:nvGraphicFramePr>
+        <p:xfrm>
+          <a:off x="755576" y="1417638"/>
+          <a:ext cx="4272136" cy="3184128"/>
+        </p:xfrm>
+        <a:graphic>
+          <a:graphicData uri="http://schemas.openxmlformats.org/drawingml/2006/diagram">
+            <dgm:relIds xmlns:dgm="http://schemas.openxmlformats.org/drawingml/2006/diagram" xmlns:r="http://schemas.openxmlformats.org/officeDocument/2006/relationships" r:dm="rId2" r:lo="rId3" r:qs="rId4" r:cs="rId5"/>
+          </a:graphicData>
+        </a:graphic>
+      </p:graphicFrame>
+      <p:sp>
+        <p:nvSpPr>
+          <p:cNvPr id="5" name="文本框 4"/>
+          <p:cNvSpPr txBox="1"/>
+          <p:nvPr/>
+        </p:nvSpPr>
+        <p:spPr>
+          <a:xfrm>
+            <a:off x="3347864" y="1854684"/>
+            <a:ext cx="1313180" cy="261610"/>
+          </a:xfrm>
+          <a:prstGeom prst="rect">
+            <a:avLst/>
+          </a:prstGeom>
+          <a:noFill/>
+        </p:spPr>
+        <p:txBody>
+          <a:bodyPr wrap="none" rtlCol="0">
+            <a:spAutoFit/>
+          </a:bodyPr>
+          <a:lstStyle/>
+          <a:p>
+            <a:r>
+              <a:rPr lang="zh-CN" altLang="en-US" sz="1100" dirty="0" smtClean="0"/>
+              <a:t>大华，海康。。。</a:t>
+            </a:r>
+            <a:endParaRPr lang="zh-CN" altLang="en-US" sz="1100" dirty="0"/>
+          </a:p>
+        </p:txBody>
+      </p:sp>
+      <p:sp>
+        <p:nvSpPr>
+          <p:cNvPr id="6" name="文本框 5"/>
+          <p:cNvSpPr txBox="1"/>
+          <p:nvPr/>
+        </p:nvSpPr>
+        <p:spPr>
+          <a:xfrm>
+            <a:off x="1015174" y="3937918"/>
+            <a:ext cx="3927229" cy="830997"/>
+          </a:xfrm>
+          <a:prstGeom prst="rect">
+            <a:avLst/>
+          </a:prstGeom>
+          <a:noFill/>
+        </p:spPr>
+        <p:txBody>
+          <a:bodyPr wrap="none" rtlCol="0">
+            <a:spAutoFit/>
+          </a:bodyPr>
+          <a:lstStyle/>
+          <a:p>
+            <a:r>
+              <a:rPr lang="zh-CN" altLang="en-US" sz="1200" dirty="0" smtClean="0"/>
+              <a:t>一般由集成商建设，已有的无线视频监控方案：</a:t>
+            </a:r>
+            <a:endParaRPr lang="en-US" altLang="zh-CN" sz="1200" dirty="0" smtClean="0"/>
+          </a:p>
+          <a:p>
+            <a:r>
+              <a:rPr lang="en-US" altLang="zh-CN" sz="1200" dirty="0">
+                <a:hlinkClick r:id="rId7"/>
+              </a:rPr>
+              <a:t>http://www.4008075595.com</a:t>
+            </a:r>
+            <a:r>
+              <a:rPr lang="en-US" altLang="zh-CN" sz="1200" dirty="0" smtClean="0">
+                <a:hlinkClick r:id="rId7"/>
+              </a:rPr>
+              <a:t>/</a:t>
+            </a:r>
+            <a:r>
+              <a:rPr lang="en-US" altLang="zh-CN" sz="1200" dirty="0" smtClean="0"/>
+              <a:t> </a:t>
+            </a:r>
+            <a:r>
+              <a:rPr lang="zh-CN" altLang="en-US" sz="1200" dirty="0" smtClean="0"/>
+              <a:t>深圳腾远智拓</a:t>
+            </a:r>
+            <a:endParaRPr lang="en-US" altLang="zh-CN" sz="1200" dirty="0" smtClean="0"/>
+          </a:p>
+          <a:p>
+            <a:r>
+              <a:rPr lang="en-US" altLang="zh-CN" sz="1200" dirty="0">
+                <a:hlinkClick r:id="rId8"/>
+              </a:rPr>
+              <a:t>http://www.video-tech.com.cn/list/?</a:t>
+            </a:r>
+            <a:r>
+              <a:rPr lang="en-US" altLang="zh-CN" sz="1200" dirty="0" smtClean="0">
+                <a:hlinkClick r:id="rId8"/>
+              </a:rPr>
+              <a:t>8.html</a:t>
+            </a:r>
+            <a:r>
+              <a:rPr lang="en-US" altLang="zh-CN" sz="1200" dirty="0" smtClean="0"/>
+              <a:t> </a:t>
+            </a:r>
+            <a:r>
+              <a:rPr lang="zh-CN" altLang="en-US" sz="1200" dirty="0" smtClean="0"/>
+              <a:t>深圳中创鑫和</a:t>
+            </a:r>
+            <a:endParaRPr lang="en-US" altLang="zh-CN" sz="1200" dirty="0" smtClean="0"/>
+          </a:p>
+          <a:p>
+            <a:endParaRPr lang="zh-CN" altLang="en-US" sz="1200" dirty="0"/>
+          </a:p>
+        </p:txBody>
+      </p:sp>
+      <p:sp>
+        <p:nvSpPr>
+          <p:cNvPr id="7" name="文本框 6"/>
+          <p:cNvSpPr txBox="1"/>
+          <p:nvPr/>
+        </p:nvSpPr>
+        <p:spPr>
+          <a:xfrm>
+            <a:off x="179512" y="1841742"/>
+            <a:ext cx="3108543" cy="830997"/>
+          </a:xfrm>
+          <a:prstGeom prst="rect">
+            <a:avLst/>
+          </a:prstGeom>
+          <a:noFill/>
+        </p:spPr>
+        <p:txBody>
+          <a:bodyPr wrap="none" rtlCol="0">
+            <a:spAutoFit/>
+          </a:bodyPr>
+          <a:lstStyle/>
+          <a:p>
+            <a:r>
+              <a:rPr lang="zh-CN" altLang="en-US" sz="1200" dirty="0" smtClean="0"/>
+              <a:t>大华，海康，威创，寰视科技，主要产品：</a:t>
+            </a:r>
+            <a:endParaRPr lang="en-US" altLang="zh-CN" sz="1200" dirty="0" smtClean="0"/>
+          </a:p>
+          <a:p>
+            <a:pPr marL="171450" indent="-171450">
+              <a:buFontTx/>
+              <a:buChar char="-"/>
+            </a:pPr>
+            <a:r>
+              <a:rPr lang="zh-CN" altLang="en-US" sz="1200" dirty="0" smtClean="0"/>
+              <a:t>拼接墙</a:t>
+            </a:r>
+            <a:r>
+              <a:rPr lang="en-US" altLang="zh-CN" sz="1200" dirty="0" smtClean="0"/>
+              <a:t>(</a:t>
+            </a:r>
+            <a:r>
+              <a:rPr lang="zh-CN" altLang="en-US" sz="1200" dirty="0" smtClean="0"/>
+              <a:t>视频流调度</a:t>
+            </a:r>
+            <a:r>
+              <a:rPr lang="en-US" altLang="zh-CN" sz="1200" dirty="0" smtClean="0"/>
+              <a:t>)</a:t>
+            </a:r>
+          </a:p>
+          <a:p>
+            <a:pPr marL="171450" indent="-171450">
+              <a:buFontTx/>
+              <a:buChar char="-"/>
+            </a:pPr>
+            <a:r>
+              <a:rPr lang="zh-CN" altLang="en-US" sz="1200" dirty="0" smtClean="0"/>
+              <a:t>视频存储</a:t>
+            </a:r>
+            <a:endParaRPr lang="en-US" altLang="zh-CN" sz="1200" dirty="0" smtClean="0"/>
+          </a:p>
+          <a:p>
+            <a:pPr marL="171450" indent="-171450">
+              <a:buFontTx/>
+              <a:buChar char="-"/>
+            </a:pPr>
+            <a:endParaRPr lang="zh-CN" altLang="en-US" sz="1200" dirty="0"/>
+          </a:p>
+        </p:txBody>
+      </p:sp>
+      <p:sp>
+        <p:nvSpPr>
+          <p:cNvPr id="11" name="文本框 10"/>
+          <p:cNvSpPr txBox="1"/>
+          <p:nvPr/>
+        </p:nvSpPr>
+        <p:spPr>
+          <a:xfrm>
+            <a:off x="5220072" y="4869160"/>
+            <a:ext cx="3312368" cy="1200329"/>
+          </a:xfrm>
+          <a:prstGeom prst="rect">
+            <a:avLst/>
+          </a:prstGeom>
+          <a:noFill/>
+        </p:spPr>
+        <p:txBody>
+          <a:bodyPr wrap="square" rtlCol="0">
+            <a:spAutoFit/>
+          </a:bodyPr>
+          <a:lstStyle/>
+          <a:p>
+            <a:pPr marL="285750" indent="-285750">
+              <a:buFontTx/>
+              <a:buChar char="-"/>
+            </a:pPr>
+            <a:r>
+              <a:rPr lang="zh-CN" altLang="en-US" sz="1200" dirty="0" smtClean="0"/>
+              <a:t>依托网络，扩展更多的智能城市服务</a:t>
+            </a:r>
+            <a:endParaRPr lang="en-US" altLang="zh-CN" sz="1200" dirty="0" smtClean="0"/>
+          </a:p>
+          <a:p>
+            <a:pPr marL="742950" lvl="1" indent="-285750">
+              <a:buFontTx/>
+              <a:buChar char="-"/>
+            </a:pPr>
+            <a:r>
+              <a:rPr lang="zh-CN" altLang="en-US" sz="1200" dirty="0" smtClean="0"/>
+              <a:t>室内定位</a:t>
+            </a:r>
+            <a:endParaRPr lang="en-US" altLang="zh-CN" sz="1200" dirty="0" smtClean="0"/>
+          </a:p>
+          <a:p>
+            <a:pPr marL="742950" lvl="1" indent="-285750">
+              <a:buFontTx/>
+              <a:buChar char="-"/>
+            </a:pPr>
+            <a:r>
+              <a:rPr lang="zh-CN" altLang="en-US" sz="1200" dirty="0" smtClean="0"/>
+              <a:t>传感器网络等</a:t>
+            </a:r>
+            <a:endParaRPr lang="en-US" altLang="zh-CN" sz="1200" dirty="0" smtClean="0"/>
+          </a:p>
+          <a:p>
+            <a:pPr marL="285750" indent="-285750">
+              <a:buFontTx/>
+              <a:buChar char="-"/>
+            </a:pPr>
+            <a:r>
+              <a:rPr lang="zh-CN" altLang="en-US" sz="1200" dirty="0" smtClean="0"/>
+              <a:t>深耕专业客户市场，形成具有特色的后台产品</a:t>
+            </a:r>
+            <a:endParaRPr lang="en-US" altLang="zh-CN" sz="1200" dirty="0"/>
+          </a:p>
+          <a:p>
+            <a:pPr marL="1200150" lvl="2" indent="-285750">
+              <a:buFontTx/>
+              <a:buChar char="-"/>
+            </a:pPr>
+            <a:endParaRPr lang="zh-CN" altLang="en-US" sz="1200" dirty="0"/>
+          </a:p>
+        </p:txBody>
+      </p:sp>
+    </p:spTree>
+    <p:extLst>
+      <p:ext uri="{BB962C8B-B14F-4D97-AF65-F5344CB8AC3E}">
+        <p14:creationId xmlns:p14="http://schemas.microsoft.com/office/powerpoint/2010/main" val="3749671532"/>
+      </p:ext>
+    </p:extLst>
+  </p:cSld>
+  <p:clrMapOvr>
+    <a:masterClrMapping/>
+  </p:clrMapOvr>
+</p:sld>
+</file>
+
+<file path=ppt/slides/slide12.xml><?xml version="1.0" encoding="utf-8"?>
+<p:sld xmlns:a="http://schemas.openxmlformats.org/drawingml/2006/main" xmlns:r="http://schemas.openxmlformats.org/officeDocument/2006/relationships" xmlns:p="http://schemas.openxmlformats.org/presentationml/2006/main">
+  <p:cSld>
+    <p:spTree>
+      <p:nvGrpSpPr>
+        <p:cNvPr id="1" name=""/>
+        <p:cNvGrpSpPr/>
+        <p:nvPr/>
+      </p:nvGrpSpPr>
+      <p:grpSpPr>
+        <a:xfrm>
+          <a:off x="0" y="0"/>
+          <a:ext cx="0" cy="0"/>
+          <a:chOff x="0" y="0"/>
+          <a:chExt cx="0" cy="0"/>
+        </a:xfrm>
+      </p:grpSpPr>
+      <p:sp>
+        <p:nvSpPr>
+          <p:cNvPr id="2" name="标题 1"/>
+          <p:cNvSpPr>
+            <a:spLocks noGrp="1"/>
+          </p:cNvSpPr>
+          <p:nvPr>
+            <p:ph type="title"/>
+          </p:nvPr>
+        </p:nvSpPr>
+        <p:spPr/>
+        <p:txBody>
+          <a:bodyPr/>
+          <a:lstStyle/>
+          <a:p>
             <a:r>
               <a:rPr lang="zh-CN" altLang="en-US" dirty="0" smtClean="0"/>
               <a:t>方案竞争力分析</a:t>
@@ -7354,7 +7794,7 @@
 </p:sld>
 </file>
 
-<file path=ppt/slides/slide11.xml><?xml version="1.0" encoding="utf-8"?>
+<file path=ppt/slides/slide13.xml><?xml version="1.0" encoding="utf-8"?>
 <p:sld xmlns:a="http://schemas.openxmlformats.org/drawingml/2006/main" xmlns:r="http://schemas.openxmlformats.org/officeDocument/2006/relationships" xmlns:p="http://schemas.openxmlformats.org/presentationml/2006/main">
   <p:cSld>
     <p:spTree>
@@ -13167,6 +13607,430 @@
       </p:grpSpPr>
       <p:sp>
         <p:nvSpPr>
+          <p:cNvPr id="7" name="任意多边形 6"/>
+          <p:cNvSpPr/>
+          <p:nvPr/>
+        </p:nvSpPr>
+        <p:spPr>
+          <a:xfrm>
+            <a:off x="4749232" y="3242577"/>
+            <a:ext cx="1648701" cy="2636312"/>
+          </a:xfrm>
+          <a:custGeom>
+            <a:avLst/>
+            <a:gdLst>
+              <a:gd name="connsiteX0" fmla="*/ 1553572 w 1648701"/>
+              <a:gd name="connsiteY0" fmla="*/ 1114655 h 2636312"/>
+              <a:gd name="connsiteX1" fmla="*/ 783551 w 1648701"/>
+              <a:gd name="connsiteY1" fmla="*/ 145254 h 2636312"/>
+              <a:gd name="connsiteX2" fmla="*/ 412291 w 1648701"/>
+              <a:gd name="connsiteY2" fmla="*/ 14625 h 2636312"/>
+              <a:gd name="connsiteX3" fmla="*/ 164784 w 1648701"/>
+              <a:gd name="connsiteY3" fmla="*/ 248382 h 2636312"/>
+              <a:gd name="connsiteX4" fmla="*/ 68531 w 1648701"/>
+              <a:gd name="connsiteY4" fmla="*/ 812147 h 2636312"/>
+              <a:gd name="connsiteX5" fmla="*/ 13530 w 1648701"/>
+              <a:gd name="connsiteY5" fmla="*/ 1410288 h 2636312"/>
+              <a:gd name="connsiteX6" fmla="*/ 13530 w 1648701"/>
+              <a:gd name="connsiteY6" fmla="*/ 1884676 h 2636312"/>
+              <a:gd name="connsiteX7" fmla="*/ 164784 w 1648701"/>
+              <a:gd name="connsiteY7" fmla="*/ 2228436 h 2636312"/>
+              <a:gd name="connsiteX8" fmla="*/ 391665 w 1648701"/>
+              <a:gd name="connsiteY8" fmla="*/ 2634072 h 2636312"/>
+              <a:gd name="connsiteX9" fmla="*/ 886679 w 1648701"/>
+              <a:gd name="connsiteY9" fmla="*/ 2372815 h 2636312"/>
+              <a:gd name="connsiteX10" fmla="*/ 1361067 w 1648701"/>
+              <a:gd name="connsiteY10" fmla="*/ 1974054 h 2636312"/>
+              <a:gd name="connsiteX11" fmla="*/ 1615449 w 1648701"/>
+              <a:gd name="connsiteY11" fmla="*/ 1795299 h 2636312"/>
+              <a:gd name="connsiteX12" fmla="*/ 1553572 w 1648701"/>
+              <a:gd name="connsiteY12" fmla="*/ 1114655 h 2636312"/>
+            </a:gdLst>
+            <a:ahLst/>
+            <a:cxnLst>
+              <a:cxn ang="0">
+                <a:pos x="connsiteX0" y="connsiteY0"/>
+              </a:cxn>
+              <a:cxn ang="0">
+                <a:pos x="connsiteX1" y="connsiteY1"/>
+              </a:cxn>
+              <a:cxn ang="0">
+                <a:pos x="connsiteX2" y="connsiteY2"/>
+              </a:cxn>
+              <a:cxn ang="0">
+                <a:pos x="connsiteX3" y="connsiteY3"/>
+              </a:cxn>
+              <a:cxn ang="0">
+                <a:pos x="connsiteX4" y="connsiteY4"/>
+              </a:cxn>
+              <a:cxn ang="0">
+                <a:pos x="connsiteX5" y="connsiteY5"/>
+              </a:cxn>
+              <a:cxn ang="0">
+                <a:pos x="connsiteX6" y="connsiteY6"/>
+              </a:cxn>
+              <a:cxn ang="0">
+                <a:pos x="connsiteX7" y="connsiteY7"/>
+              </a:cxn>
+              <a:cxn ang="0">
+                <a:pos x="connsiteX8" y="connsiteY8"/>
+              </a:cxn>
+              <a:cxn ang="0">
+                <a:pos x="connsiteX9" y="connsiteY9"/>
+              </a:cxn>
+              <a:cxn ang="0">
+                <a:pos x="connsiteX10" y="connsiteY10"/>
+              </a:cxn>
+              <a:cxn ang="0">
+                <a:pos x="connsiteX11" y="connsiteY11"/>
+              </a:cxn>
+              <a:cxn ang="0">
+                <a:pos x="connsiteX12" y="connsiteY12"/>
+              </a:cxn>
+            </a:cxnLst>
+            <a:rect l="l" t="t" r="r" b="b"/>
+            <a:pathLst>
+              <a:path w="1648701" h="2636312">
+                <a:moveTo>
+                  <a:pt x="1553572" y="1114655"/>
+                </a:moveTo>
+                <a:cubicBezTo>
+                  <a:pt x="1414922" y="839647"/>
+                  <a:pt x="973764" y="328592"/>
+                  <a:pt x="783551" y="145254"/>
+                </a:cubicBezTo>
+                <a:cubicBezTo>
+                  <a:pt x="593338" y="-38084"/>
+                  <a:pt x="515419" y="-2563"/>
+                  <a:pt x="412291" y="14625"/>
+                </a:cubicBezTo>
+                <a:cubicBezTo>
+                  <a:pt x="309163" y="31813"/>
+                  <a:pt x="222077" y="115462"/>
+                  <a:pt x="164784" y="248382"/>
+                </a:cubicBezTo>
+                <a:cubicBezTo>
+                  <a:pt x="107491" y="381302"/>
+                  <a:pt x="93740" y="618496"/>
+                  <a:pt x="68531" y="812147"/>
+                </a:cubicBezTo>
+                <a:cubicBezTo>
+                  <a:pt x="43322" y="1005798"/>
+                  <a:pt x="22697" y="1231533"/>
+                  <a:pt x="13530" y="1410288"/>
+                </a:cubicBezTo>
+                <a:cubicBezTo>
+                  <a:pt x="4363" y="1589043"/>
+                  <a:pt x="-11679" y="1748318"/>
+                  <a:pt x="13530" y="1884676"/>
+                </a:cubicBezTo>
+                <a:cubicBezTo>
+                  <a:pt x="38739" y="2021034"/>
+                  <a:pt x="101762" y="2103537"/>
+                  <a:pt x="164784" y="2228436"/>
+                </a:cubicBezTo>
+                <a:cubicBezTo>
+                  <a:pt x="227806" y="2353335"/>
+                  <a:pt x="271349" y="2610009"/>
+                  <a:pt x="391665" y="2634072"/>
+                </a:cubicBezTo>
+                <a:cubicBezTo>
+                  <a:pt x="511981" y="2658135"/>
+                  <a:pt x="725112" y="2482818"/>
+                  <a:pt x="886679" y="2372815"/>
+                </a:cubicBezTo>
+                <a:cubicBezTo>
+                  <a:pt x="1048246" y="2262812"/>
+                  <a:pt x="1239606" y="2070307"/>
+                  <a:pt x="1361067" y="1974054"/>
+                </a:cubicBezTo>
+                <a:cubicBezTo>
+                  <a:pt x="1482528" y="1877801"/>
+                  <a:pt x="1583365" y="1939678"/>
+                  <a:pt x="1615449" y="1795299"/>
+                </a:cubicBezTo>
+                <a:cubicBezTo>
+                  <a:pt x="1647533" y="1650920"/>
+                  <a:pt x="1692222" y="1389663"/>
+                  <a:pt x="1553572" y="1114655"/>
+                </a:cubicBezTo>
+                <a:close/>
+              </a:path>
+            </a:pathLst>
+          </a:custGeom>
+          <a:gradFill flip="none" rotWithShape="1">
+            <a:gsLst>
+              <a:gs pos="0">
+                <a:schemeClr val="accent1">
+                  <a:lumMod val="5000"/>
+                  <a:lumOff val="95000"/>
+                </a:schemeClr>
+              </a:gs>
+              <a:gs pos="74000">
+                <a:schemeClr val="accent1">
+                  <a:lumMod val="45000"/>
+                  <a:lumOff val="55000"/>
+                </a:schemeClr>
+              </a:gs>
+              <a:gs pos="83000">
+                <a:schemeClr val="accent1">
+                  <a:lumMod val="45000"/>
+                  <a:lumOff val="55000"/>
+                </a:schemeClr>
+              </a:gs>
+              <a:gs pos="100000">
+                <a:schemeClr val="accent1">
+                  <a:lumMod val="30000"/>
+                  <a:lumOff val="70000"/>
+                </a:schemeClr>
+              </a:gs>
+            </a:gsLst>
+            <a:lin ang="2700000" scaled="1"/>
+            <a:tileRect/>
+          </a:gradFill>
+          <a:ln>
+            <a:noFill/>
+          </a:ln>
+        </p:spPr>
+        <p:style>
+          <a:lnRef idx="2">
+            <a:schemeClr val="accent1">
+              <a:shade val="50000"/>
+            </a:schemeClr>
+          </a:lnRef>
+          <a:fillRef idx="1">
+            <a:schemeClr val="accent1"/>
+          </a:fillRef>
+          <a:effectRef idx="0">
+            <a:schemeClr val="accent1"/>
+          </a:effectRef>
+          <a:fontRef idx="minor">
+            <a:schemeClr val="lt1"/>
+          </a:fontRef>
+        </p:style>
+        <p:txBody>
+          <a:bodyPr rtlCol="0" anchor="ctr"/>
+          <a:lstStyle/>
+          <a:p>
+            <a:pPr algn="ctr"/>
+            <a:endParaRPr lang="zh-CN" altLang="en-US"/>
+          </a:p>
+        </p:txBody>
+      </p:sp>
+      <p:sp>
+        <p:nvSpPr>
+          <p:cNvPr id="10" name="任意多边形 9"/>
+          <p:cNvSpPr/>
+          <p:nvPr/>
+        </p:nvSpPr>
+        <p:spPr>
+          <a:xfrm rot="10641054">
+            <a:off x="7140479" y="2545025"/>
+            <a:ext cx="1648701" cy="2636312"/>
+          </a:xfrm>
+          <a:custGeom>
+            <a:avLst/>
+            <a:gdLst>
+              <a:gd name="connsiteX0" fmla="*/ 1553572 w 1648701"/>
+              <a:gd name="connsiteY0" fmla="*/ 1114655 h 2636312"/>
+              <a:gd name="connsiteX1" fmla="*/ 783551 w 1648701"/>
+              <a:gd name="connsiteY1" fmla="*/ 145254 h 2636312"/>
+              <a:gd name="connsiteX2" fmla="*/ 412291 w 1648701"/>
+              <a:gd name="connsiteY2" fmla="*/ 14625 h 2636312"/>
+              <a:gd name="connsiteX3" fmla="*/ 164784 w 1648701"/>
+              <a:gd name="connsiteY3" fmla="*/ 248382 h 2636312"/>
+              <a:gd name="connsiteX4" fmla="*/ 68531 w 1648701"/>
+              <a:gd name="connsiteY4" fmla="*/ 812147 h 2636312"/>
+              <a:gd name="connsiteX5" fmla="*/ 13530 w 1648701"/>
+              <a:gd name="connsiteY5" fmla="*/ 1410288 h 2636312"/>
+              <a:gd name="connsiteX6" fmla="*/ 13530 w 1648701"/>
+              <a:gd name="connsiteY6" fmla="*/ 1884676 h 2636312"/>
+              <a:gd name="connsiteX7" fmla="*/ 164784 w 1648701"/>
+              <a:gd name="connsiteY7" fmla="*/ 2228436 h 2636312"/>
+              <a:gd name="connsiteX8" fmla="*/ 391665 w 1648701"/>
+              <a:gd name="connsiteY8" fmla="*/ 2634072 h 2636312"/>
+              <a:gd name="connsiteX9" fmla="*/ 886679 w 1648701"/>
+              <a:gd name="connsiteY9" fmla="*/ 2372815 h 2636312"/>
+              <a:gd name="connsiteX10" fmla="*/ 1361067 w 1648701"/>
+              <a:gd name="connsiteY10" fmla="*/ 1974054 h 2636312"/>
+              <a:gd name="connsiteX11" fmla="*/ 1615449 w 1648701"/>
+              <a:gd name="connsiteY11" fmla="*/ 1795299 h 2636312"/>
+              <a:gd name="connsiteX12" fmla="*/ 1553572 w 1648701"/>
+              <a:gd name="connsiteY12" fmla="*/ 1114655 h 2636312"/>
+            </a:gdLst>
+            <a:ahLst/>
+            <a:cxnLst>
+              <a:cxn ang="0">
+                <a:pos x="connsiteX0" y="connsiteY0"/>
+              </a:cxn>
+              <a:cxn ang="0">
+                <a:pos x="connsiteX1" y="connsiteY1"/>
+              </a:cxn>
+              <a:cxn ang="0">
+                <a:pos x="connsiteX2" y="connsiteY2"/>
+              </a:cxn>
+              <a:cxn ang="0">
+                <a:pos x="connsiteX3" y="connsiteY3"/>
+              </a:cxn>
+              <a:cxn ang="0">
+                <a:pos x="connsiteX4" y="connsiteY4"/>
+              </a:cxn>
+              <a:cxn ang="0">
+                <a:pos x="connsiteX5" y="connsiteY5"/>
+              </a:cxn>
+              <a:cxn ang="0">
+                <a:pos x="connsiteX6" y="connsiteY6"/>
+              </a:cxn>
+              <a:cxn ang="0">
+                <a:pos x="connsiteX7" y="connsiteY7"/>
+              </a:cxn>
+              <a:cxn ang="0">
+                <a:pos x="connsiteX8" y="connsiteY8"/>
+              </a:cxn>
+              <a:cxn ang="0">
+                <a:pos x="connsiteX9" y="connsiteY9"/>
+              </a:cxn>
+              <a:cxn ang="0">
+                <a:pos x="connsiteX10" y="connsiteY10"/>
+              </a:cxn>
+              <a:cxn ang="0">
+                <a:pos x="connsiteX11" y="connsiteY11"/>
+              </a:cxn>
+              <a:cxn ang="0">
+                <a:pos x="connsiteX12" y="connsiteY12"/>
+              </a:cxn>
+            </a:cxnLst>
+            <a:rect l="l" t="t" r="r" b="b"/>
+            <a:pathLst>
+              <a:path w="1648701" h="2636312">
+                <a:moveTo>
+                  <a:pt x="1553572" y="1114655"/>
+                </a:moveTo>
+                <a:cubicBezTo>
+                  <a:pt x="1414922" y="839647"/>
+                  <a:pt x="973764" y="328592"/>
+                  <a:pt x="783551" y="145254"/>
+                </a:cubicBezTo>
+                <a:cubicBezTo>
+                  <a:pt x="593338" y="-38084"/>
+                  <a:pt x="515419" y="-2563"/>
+                  <a:pt x="412291" y="14625"/>
+                </a:cubicBezTo>
+                <a:cubicBezTo>
+                  <a:pt x="309163" y="31813"/>
+                  <a:pt x="222077" y="115462"/>
+                  <a:pt x="164784" y="248382"/>
+                </a:cubicBezTo>
+                <a:cubicBezTo>
+                  <a:pt x="107491" y="381302"/>
+                  <a:pt x="93740" y="618496"/>
+                  <a:pt x="68531" y="812147"/>
+                </a:cubicBezTo>
+                <a:cubicBezTo>
+                  <a:pt x="43322" y="1005798"/>
+                  <a:pt x="22697" y="1231533"/>
+                  <a:pt x="13530" y="1410288"/>
+                </a:cubicBezTo>
+                <a:cubicBezTo>
+                  <a:pt x="4363" y="1589043"/>
+                  <a:pt x="-11679" y="1748318"/>
+                  <a:pt x="13530" y="1884676"/>
+                </a:cubicBezTo>
+                <a:cubicBezTo>
+                  <a:pt x="38739" y="2021034"/>
+                  <a:pt x="101762" y="2103537"/>
+                  <a:pt x="164784" y="2228436"/>
+                </a:cubicBezTo>
+                <a:cubicBezTo>
+                  <a:pt x="227806" y="2353335"/>
+                  <a:pt x="271349" y="2610009"/>
+                  <a:pt x="391665" y="2634072"/>
+                </a:cubicBezTo>
+                <a:cubicBezTo>
+                  <a:pt x="511981" y="2658135"/>
+                  <a:pt x="725112" y="2482818"/>
+                  <a:pt x="886679" y="2372815"/>
+                </a:cubicBezTo>
+                <a:cubicBezTo>
+                  <a:pt x="1048246" y="2262812"/>
+                  <a:pt x="1239606" y="2070307"/>
+                  <a:pt x="1361067" y="1974054"/>
+                </a:cubicBezTo>
+                <a:cubicBezTo>
+                  <a:pt x="1482528" y="1877801"/>
+                  <a:pt x="1583365" y="1939678"/>
+                  <a:pt x="1615449" y="1795299"/>
+                </a:cubicBezTo>
+                <a:cubicBezTo>
+                  <a:pt x="1647533" y="1650920"/>
+                  <a:pt x="1692222" y="1389663"/>
+                  <a:pt x="1553572" y="1114655"/>
+                </a:cubicBezTo>
+                <a:close/>
+              </a:path>
+            </a:pathLst>
+          </a:custGeom>
+          <a:gradFill flip="none" rotWithShape="1">
+            <a:gsLst>
+              <a:gs pos="0">
+                <a:schemeClr val="accent1">
+                  <a:lumMod val="5000"/>
+                  <a:lumOff val="95000"/>
+                </a:schemeClr>
+              </a:gs>
+              <a:gs pos="74000">
+                <a:schemeClr val="accent1">
+                  <a:lumMod val="45000"/>
+                  <a:lumOff val="55000"/>
+                </a:schemeClr>
+              </a:gs>
+              <a:gs pos="83000">
+                <a:schemeClr val="accent1">
+                  <a:lumMod val="45000"/>
+                  <a:lumOff val="55000"/>
+                </a:schemeClr>
+              </a:gs>
+              <a:gs pos="100000">
+                <a:schemeClr val="accent1">
+                  <a:lumMod val="30000"/>
+                  <a:lumOff val="70000"/>
+                </a:schemeClr>
+              </a:gs>
+            </a:gsLst>
+            <a:lin ang="2700000" scaled="1"/>
+            <a:tileRect/>
+          </a:gradFill>
+          <a:ln>
+            <a:noFill/>
+          </a:ln>
+        </p:spPr>
+        <p:style>
+          <a:lnRef idx="2">
+            <a:schemeClr val="accent1">
+              <a:shade val="50000"/>
+            </a:schemeClr>
+          </a:lnRef>
+          <a:fillRef idx="1">
+            <a:schemeClr val="accent1"/>
+          </a:fillRef>
+          <a:effectRef idx="0">
+            <a:schemeClr val="accent1"/>
+          </a:effectRef>
+          <a:fontRef idx="minor">
+            <a:schemeClr val="lt1"/>
+          </a:fontRef>
+        </p:style>
+        <p:txBody>
+          <a:bodyPr rtlCol="0" anchor="ctr"/>
+          <a:lstStyle/>
+          <a:p>
+            <a:pPr algn="ctr"/>
+            <a:endParaRPr lang="zh-CN" altLang="en-US"/>
+          </a:p>
+        </p:txBody>
+      </p:sp>
+      <p:sp>
+        <p:nvSpPr>
           <p:cNvPr id="2" name="标题 1"/>
           <p:cNvSpPr>
             <a:spLocks noGrp="1"/>
@@ -13182,291 +14046,460 @@
           <a:p>
             <a:r>
               <a:rPr lang="zh-CN" altLang="en-US" dirty="0" smtClean="0"/>
-              <a:t>商业分析</a:t>
+              <a:t>部署方案</a:t>
             </a:r>
             <a:endParaRPr lang="zh-CN" altLang="en-US" dirty="0"/>
           </a:p>
         </p:txBody>
       </p:sp>
-      <p:graphicFrame>
-        <p:nvGraphicFramePr>
-          <p:cNvPr id="4" name="图示 3"/>
-          <p:cNvGraphicFramePr/>
-          <p:nvPr>
-            <p:extLst>
-              <p:ext uri="{D42A27DB-BD31-4B8C-83A1-F6EECF244321}">
-                <p14:modId xmlns:p14="http://schemas.microsoft.com/office/powerpoint/2010/main" val="4040165086"/>
-              </p:ext>
-            </p:extLst>
-          </p:nvPr>
-        </p:nvGraphicFramePr>
-        <p:xfrm>
-          <a:off x="755576" y="1417638"/>
-          <a:ext cx="4272136" cy="3184128"/>
-        </p:xfrm>
-        <a:graphic>
-          <a:graphicData uri="http://schemas.openxmlformats.org/drawingml/2006/diagram">
-            <dgm:relIds xmlns:dgm="http://schemas.openxmlformats.org/drawingml/2006/diagram" xmlns:r="http://schemas.openxmlformats.org/officeDocument/2006/relationships" r:dm="rId2" r:lo="rId3" r:qs="rId4" r:cs="rId5"/>
-          </a:graphicData>
-        </a:graphic>
-      </p:graphicFrame>
       <p:sp>
         <p:nvSpPr>
-          <p:cNvPr id="5" name="文本框 4"/>
-          <p:cNvSpPr txBox="1"/>
+          <p:cNvPr id="3" name="内容占位符 2"/>
+          <p:cNvSpPr>
+            <a:spLocks noGrp="1"/>
+          </p:cNvSpPr>
+          <p:nvPr>
+            <p:ph idx="1"/>
+          </p:nvPr>
+        </p:nvSpPr>
+        <p:spPr>
+          <a:xfrm>
+            <a:off x="457200" y="1600200"/>
+            <a:ext cx="5626968" cy="4525963"/>
+          </a:xfrm>
+        </p:spPr>
+        <p:txBody>
+          <a:bodyPr/>
+          <a:lstStyle/>
+          <a:p>
+            <a:r>
+              <a:rPr lang="zh-CN" altLang="en-US" sz="2000" dirty="0" smtClean="0"/>
+              <a:t>永拓七楼部署两个室内型</a:t>
+            </a:r>
+            <a:r>
+              <a:rPr lang="en-US" altLang="zh-CN" sz="2000" dirty="0" smtClean="0"/>
+              <a:t>AP</a:t>
+            </a:r>
+            <a:r>
+              <a:rPr lang="zh-CN" altLang="en-US" sz="2000" dirty="0" smtClean="0"/>
+              <a:t>，</a:t>
+            </a:r>
+            <a:r>
+              <a:rPr lang="en-US" altLang="zh-CN" sz="2000" dirty="0" err="1" smtClean="0"/>
+              <a:t>TLink</a:t>
+            </a:r>
+            <a:r>
+              <a:rPr lang="zh-CN" altLang="en-US" sz="2000" dirty="0" smtClean="0"/>
+              <a:t>信号打向不同方向</a:t>
+            </a:r>
+            <a:endParaRPr lang="en-US" altLang="zh-CN" sz="2000" dirty="0" smtClean="0"/>
+          </a:p>
+          <a:p>
+            <a:pPr lvl="1"/>
+            <a:r>
+              <a:rPr lang="zh-CN" altLang="en-US" sz="1800" dirty="0"/>
+              <a:t>两</a:t>
+            </a:r>
+            <a:r>
+              <a:rPr lang="zh-CN" altLang="en-US" sz="1800" dirty="0" smtClean="0"/>
+              <a:t>个</a:t>
+            </a:r>
+            <a:r>
+              <a:rPr lang="en-US" altLang="zh-CN" sz="1800" dirty="0" smtClean="0"/>
+              <a:t>AP</a:t>
+            </a:r>
+            <a:r>
+              <a:rPr lang="zh-CN" altLang="en-US" sz="1800" dirty="0" smtClean="0"/>
+              <a:t>可以实现七楼的大部分区域的</a:t>
+            </a:r>
+            <a:r>
+              <a:rPr lang="en-US" altLang="zh-CN" sz="1800" dirty="0" smtClean="0"/>
+              <a:t>WIFI</a:t>
+            </a:r>
+            <a:r>
+              <a:rPr lang="zh-CN" altLang="en-US" sz="1800" dirty="0" smtClean="0"/>
+              <a:t>覆盖</a:t>
+            </a:r>
+            <a:endParaRPr lang="en-US" altLang="zh-CN" sz="1800" dirty="0" smtClean="0"/>
+          </a:p>
+          <a:p>
+            <a:pPr lvl="1"/>
+            <a:r>
+              <a:rPr lang="zh-CN" altLang="en-US" sz="1800" dirty="0" smtClean="0"/>
+              <a:t>室内部署</a:t>
+            </a:r>
+            <a:r>
+              <a:rPr lang="en-US" altLang="zh-CN" sz="1800" dirty="0" smtClean="0"/>
+              <a:t>4</a:t>
+            </a:r>
+            <a:r>
+              <a:rPr lang="zh-CN" altLang="en-US" sz="1800" dirty="0" smtClean="0"/>
+              <a:t>个摄像头</a:t>
+            </a:r>
+            <a:endParaRPr lang="en-US" altLang="zh-CN" sz="1800" dirty="0" smtClean="0"/>
+          </a:p>
+          <a:p>
+            <a:pPr lvl="1"/>
+            <a:r>
+              <a:rPr lang="zh-CN" altLang="en-US" sz="1800" dirty="0" smtClean="0"/>
+              <a:t>可以提供半径</a:t>
+            </a:r>
+            <a:r>
+              <a:rPr lang="en-US" altLang="zh-CN" sz="1800" dirty="0" smtClean="0"/>
+              <a:t>X</a:t>
+            </a:r>
+            <a:r>
+              <a:rPr lang="zh-CN" altLang="en-US" sz="1800" dirty="0" smtClean="0"/>
+              <a:t>米的中继覆盖</a:t>
+            </a:r>
+            <a:endParaRPr lang="en-US" altLang="zh-CN" sz="1800" dirty="0" smtClean="0"/>
+          </a:p>
+          <a:p>
+            <a:r>
+              <a:rPr lang="zh-CN" altLang="en-US" sz="2000" dirty="0" smtClean="0"/>
+              <a:t>应急指挥覆盖</a:t>
+            </a:r>
+            <a:endParaRPr lang="en-US" altLang="zh-CN" sz="2000" dirty="0" smtClean="0"/>
+          </a:p>
+          <a:p>
+            <a:pPr lvl="1"/>
+            <a:r>
+              <a:rPr lang="zh-CN" altLang="en-US" sz="1800" dirty="0"/>
+              <a:t>一</a:t>
+            </a:r>
+            <a:r>
+              <a:rPr lang="zh-CN" altLang="en-US" sz="1800" dirty="0" smtClean="0"/>
+              <a:t>台中继通信车连接大楼</a:t>
+            </a:r>
+            <a:r>
+              <a:rPr lang="en-US" altLang="zh-CN" sz="1800" dirty="0" smtClean="0"/>
+              <a:t>Mesh</a:t>
+            </a:r>
+            <a:r>
+              <a:rPr lang="zh-CN" altLang="en-US" sz="1800" dirty="0" smtClean="0"/>
+              <a:t>网络</a:t>
+            </a:r>
+            <a:endParaRPr lang="en-US" altLang="zh-CN" sz="1800" dirty="0" smtClean="0"/>
+          </a:p>
+          <a:p>
+            <a:pPr lvl="1"/>
+            <a:r>
+              <a:rPr lang="zh-CN" altLang="en-US" sz="1800" dirty="0"/>
+              <a:t>一</a:t>
+            </a:r>
+            <a:r>
+              <a:rPr lang="zh-CN" altLang="en-US" sz="1800" dirty="0" smtClean="0"/>
+              <a:t>台视频采集车传送</a:t>
+            </a:r>
+            <a:r>
+              <a:rPr lang="en-US" altLang="zh-CN" sz="1800" dirty="0" smtClean="0"/>
+              <a:t>N</a:t>
+            </a:r>
+            <a:r>
+              <a:rPr lang="zh-CN" altLang="en-US" sz="1800" dirty="0" smtClean="0"/>
+              <a:t>路视频</a:t>
+            </a:r>
+            <a:endParaRPr lang="en-US" altLang="zh-CN" sz="1800" dirty="0" smtClean="0"/>
+          </a:p>
+          <a:p>
+            <a:pPr marL="457200" lvl="1" indent="0">
+              <a:buNone/>
+            </a:pPr>
+            <a:endParaRPr lang="en-US" altLang="zh-CN" sz="1800" dirty="0" smtClean="0"/>
+          </a:p>
+          <a:p>
+            <a:pPr lvl="1"/>
+            <a:endParaRPr lang="zh-CN" altLang="en-US" sz="1800" dirty="0"/>
+          </a:p>
+        </p:txBody>
+      </p:sp>
+      <p:sp>
+        <p:nvSpPr>
+          <p:cNvPr id="4" name="矩形 3"/>
+          <p:cNvSpPr/>
           <p:nvPr/>
         </p:nvSpPr>
         <p:spPr>
+          <a:xfrm rot="16200000">
+            <a:off x="5868144" y="3854646"/>
+            <a:ext cx="1872208" cy="648072"/>
+          </a:xfrm>
+          <a:prstGeom prst="rect">
+            <a:avLst/>
+          </a:prstGeom>
+        </p:spPr>
+        <p:style>
+          <a:lnRef idx="2">
+            <a:schemeClr val="accent1">
+              <a:shade val="50000"/>
+            </a:schemeClr>
+          </a:lnRef>
+          <a:fillRef idx="1">
+            <a:schemeClr val="accent1"/>
+          </a:fillRef>
+          <a:effectRef idx="0">
+            <a:schemeClr val="accent1"/>
+          </a:effectRef>
+          <a:fontRef idx="minor">
+            <a:schemeClr val="lt1"/>
+          </a:fontRef>
+        </p:style>
+        <p:txBody>
+          <a:bodyPr rtlCol="0" anchor="ctr"/>
+          <a:lstStyle/>
+          <a:p>
+            <a:pPr algn="ctr"/>
+            <a:endParaRPr lang="zh-CN" altLang="en-US"/>
+          </a:p>
+        </p:txBody>
+      </p:sp>
+      <p:pic>
+        <p:nvPicPr>
+          <p:cNvPr id="1026" name="Picture 2" descr="http://www.complus.de/public/media/201408/frontend_1407919944_shbbk8poff.png"/>
+          <p:cNvPicPr>
+            <a:picLocks noChangeAspect="1" noChangeArrowheads="1"/>
+          </p:cNvPicPr>
+          <p:nvPr/>
+        </p:nvPicPr>
+        <p:blipFill>
+          <a:blip r:embed="rId2" cstate="print">
+            <a:extLst>
+              <a:ext uri="{28A0092B-C50C-407E-A947-70E740481C1C}">
+                <a14:useLocalDpi xmlns:a14="http://schemas.microsoft.com/office/drawing/2010/main" val="0"/>
+              </a:ext>
+            </a:extLst>
+          </a:blip>
+          <a:srcRect/>
+          <a:stretch>
+            <a:fillRect/>
+          </a:stretch>
+        </p:blipFill>
+        <p:spPr bwMode="auto">
           <a:xfrm>
-            <a:off x="3347864" y="1854684"/>
-            <a:ext cx="1313180" cy="261610"/>
+            <a:off x="5659633" y="4230633"/>
+            <a:ext cx="1171122" cy="1224136"/>
           </a:xfrm>
           <a:prstGeom prst="rect">
             <a:avLst/>
           </a:prstGeom>
           <a:noFill/>
-        </p:spPr>
-        <p:txBody>
-          <a:bodyPr wrap="none" rtlCol="0">
-            <a:spAutoFit/>
-          </a:bodyPr>
-          <a:lstStyle/>
-          <a:p>
-            <a:r>
-              <a:rPr lang="zh-CN" altLang="en-US" sz="1100" dirty="0" smtClean="0"/>
-              <a:t>大华，海康。。。</a:t>
-            </a:r>
-            <a:endParaRPr lang="zh-CN" altLang="en-US" sz="1100" dirty="0"/>
-          </a:p>
-        </p:txBody>
-      </p:sp>
-      <p:sp>
-        <p:nvSpPr>
-          <p:cNvPr id="6" name="文本框 5"/>
-          <p:cNvSpPr txBox="1"/>
+          <a:extLst>
+            <a:ext uri="{909E8E84-426E-40DD-AFC4-6F175D3DCCD1}">
+              <a14:hiddenFill xmlns:a14="http://schemas.microsoft.com/office/drawing/2010/main">
+                <a:solidFill>
+                  <a:srgbClr val="FFFFFF"/>
+                </a:solidFill>
+              </a14:hiddenFill>
+            </a:ext>
+          </a:extLst>
+        </p:spPr>
+      </p:pic>
+      <p:pic>
+        <p:nvPicPr>
+          <p:cNvPr id="6" name="Picture 2" descr="http://www.complus.de/public/media/201408/frontend_1407919944_shbbk8poff.png"/>
+          <p:cNvPicPr>
+            <a:picLocks noChangeAspect="1" noChangeArrowheads="1"/>
+          </p:cNvPicPr>
           <p:nvPr/>
-        </p:nvSpPr>
-        <p:spPr>
+        </p:nvPicPr>
+        <p:blipFill>
+          <a:blip r:embed="rId2" cstate="print">
+            <a:extLst>
+              <a:ext uri="{28A0092B-C50C-407E-A947-70E740481C1C}">
+                <a14:useLocalDpi xmlns:a14="http://schemas.microsoft.com/office/drawing/2010/main" val="0"/>
+              </a:ext>
+            </a:extLst>
+          </a:blip>
+          <a:srcRect/>
+          <a:stretch>
+            <a:fillRect/>
+          </a:stretch>
+        </p:blipFill>
+        <p:spPr bwMode="auto">
           <a:xfrm>
-            <a:off x="1015174" y="3937918"/>
-            <a:ext cx="3927229" cy="830997"/>
+            <a:off x="6555669" y="3121470"/>
+            <a:ext cx="1171122" cy="1224136"/>
           </a:xfrm>
           <a:prstGeom prst="rect">
             <a:avLst/>
           </a:prstGeom>
           <a:noFill/>
-        </p:spPr>
-        <p:txBody>
-          <a:bodyPr wrap="none" rtlCol="0">
-            <a:spAutoFit/>
-          </a:bodyPr>
-          <a:lstStyle/>
-          <a:p>
-            <a:r>
-              <a:rPr lang="zh-CN" altLang="en-US" sz="1200" dirty="0" smtClean="0"/>
-              <a:t>一般由集成商建设，已有的无线视频监控方案：</a:t>
-            </a:r>
-            <a:endParaRPr lang="en-US" altLang="zh-CN" sz="1200" dirty="0" smtClean="0"/>
-          </a:p>
-          <a:p>
-            <a:r>
-              <a:rPr lang="en-US" altLang="zh-CN" sz="1200" dirty="0">
-                <a:hlinkClick r:id="rId7"/>
-              </a:rPr>
-              <a:t>http://www.4008075595.com</a:t>
-            </a:r>
-            <a:r>
-              <a:rPr lang="en-US" altLang="zh-CN" sz="1200" dirty="0" smtClean="0">
-                <a:hlinkClick r:id="rId7"/>
-              </a:rPr>
-              <a:t>/</a:t>
-            </a:r>
-            <a:r>
-              <a:rPr lang="en-US" altLang="zh-CN" sz="1200" dirty="0" smtClean="0"/>
-              <a:t> </a:t>
-            </a:r>
-            <a:r>
-              <a:rPr lang="zh-CN" altLang="en-US" sz="1200" dirty="0" smtClean="0"/>
-              <a:t>深圳腾远智拓</a:t>
-            </a:r>
-            <a:endParaRPr lang="en-US" altLang="zh-CN" sz="1200" dirty="0" smtClean="0"/>
-          </a:p>
-          <a:p>
-            <a:r>
-              <a:rPr lang="en-US" altLang="zh-CN" sz="1200" dirty="0">
-                <a:hlinkClick r:id="rId8"/>
-              </a:rPr>
-              <a:t>http://www.video-tech.com.cn/list/?</a:t>
-            </a:r>
-            <a:r>
-              <a:rPr lang="en-US" altLang="zh-CN" sz="1200" dirty="0" smtClean="0">
-                <a:hlinkClick r:id="rId8"/>
-              </a:rPr>
-              <a:t>8.html</a:t>
-            </a:r>
-            <a:r>
-              <a:rPr lang="en-US" altLang="zh-CN" sz="1200" dirty="0" smtClean="0"/>
-              <a:t> </a:t>
-            </a:r>
-            <a:r>
-              <a:rPr lang="zh-CN" altLang="en-US" sz="1200" dirty="0" smtClean="0"/>
-              <a:t>深圳中创鑫和</a:t>
-            </a:r>
-            <a:endParaRPr lang="en-US" altLang="zh-CN" sz="1200" dirty="0" smtClean="0"/>
-          </a:p>
-          <a:p>
-            <a:endParaRPr lang="zh-CN" altLang="en-US" sz="1200" dirty="0"/>
-          </a:p>
-        </p:txBody>
-      </p:sp>
-      <p:sp>
-        <p:nvSpPr>
-          <p:cNvPr id="7" name="文本框 6"/>
-          <p:cNvSpPr txBox="1"/>
+          <a:extLst>
+            <a:ext uri="{909E8E84-426E-40DD-AFC4-6F175D3DCCD1}">
+              <a14:hiddenFill xmlns:a14="http://schemas.microsoft.com/office/drawing/2010/main">
+                <a:solidFill>
+                  <a:srgbClr val="FFFFFF"/>
+                </a:solidFill>
+              </a14:hiddenFill>
+            </a:ext>
+          </a:extLst>
+        </p:spPr>
+      </p:pic>
+      <p:pic>
+        <p:nvPicPr>
+          <p:cNvPr id="9" name="图片 8"/>
+          <p:cNvPicPr>
+            <a:picLocks noChangeAspect="1"/>
+          </p:cNvPicPr>
           <p:nvPr/>
-        </p:nvSpPr>
+        </p:nvPicPr>
+        <p:blipFill>
+          <a:blip r:embed="rId3"/>
+          <a:stretch>
+            <a:fillRect/>
+          </a:stretch>
+        </p:blipFill>
         <p:spPr>
           <a:xfrm>
-            <a:off x="179512" y="1841742"/>
-            <a:ext cx="3108543" cy="830997"/>
+            <a:off x="4764124" y="4434517"/>
+            <a:ext cx="790203" cy="408184"/>
+          </a:xfrm>
+          <a:prstGeom prst="rect">
+            <a:avLst/>
+          </a:prstGeom>
+        </p:spPr>
+      </p:pic>
+      <p:pic>
+        <p:nvPicPr>
+          <p:cNvPr id="12" name="Picture 2" descr="http://www.complus.de/public/media/201408/frontend_1407919944_shbbk8poff.png"/>
+          <p:cNvPicPr>
+            <a:picLocks noChangeAspect="1" noChangeArrowheads="1"/>
+          </p:cNvPicPr>
+          <p:nvPr/>
+        </p:nvPicPr>
+        <p:blipFill>
+          <a:blip r:embed="rId4" cstate="print">
+            <a:extLst>
+              <a:ext uri="{28A0092B-C50C-407E-A947-70E740481C1C}">
+                <a14:useLocalDpi xmlns:a14="http://schemas.microsoft.com/office/drawing/2010/main" val="0"/>
+              </a:ext>
+            </a:extLst>
+          </a:blip>
+          <a:srcRect/>
+          <a:stretch>
+            <a:fillRect/>
+          </a:stretch>
+        </p:blipFill>
+        <p:spPr bwMode="auto">
+          <a:xfrm>
+            <a:off x="4974178" y="4230633"/>
+            <a:ext cx="460509" cy="481355"/>
           </a:xfrm>
           <a:prstGeom prst="rect">
             <a:avLst/>
           </a:prstGeom>
           <a:noFill/>
-        </p:spPr>
-        <p:txBody>
-          <a:bodyPr wrap="none" rtlCol="0">
-            <a:spAutoFit/>
-          </a:bodyPr>
-          <a:lstStyle/>
-          <a:p>
-            <a:r>
-              <a:rPr lang="zh-CN" altLang="en-US" sz="1200" dirty="0" smtClean="0"/>
-              <a:t>大华，海康，威创，寰视科技，主要产品：</a:t>
-            </a:r>
-            <a:endParaRPr lang="en-US" altLang="zh-CN" sz="1200" dirty="0" smtClean="0"/>
-          </a:p>
-          <a:p>
-            <a:pPr marL="171450" indent="-171450">
-              <a:buFontTx/>
-              <a:buChar char="-"/>
-            </a:pPr>
-            <a:r>
-              <a:rPr lang="zh-CN" altLang="en-US" sz="1200" dirty="0" smtClean="0"/>
-              <a:t>拼接墙</a:t>
-            </a:r>
-            <a:r>
-              <a:rPr lang="en-US" altLang="zh-CN" sz="1200" dirty="0" smtClean="0"/>
-              <a:t>(</a:t>
-            </a:r>
-            <a:r>
-              <a:rPr lang="zh-CN" altLang="en-US" sz="1200" dirty="0" smtClean="0"/>
-              <a:t>视频流调度</a:t>
-            </a:r>
-            <a:r>
-              <a:rPr lang="en-US" altLang="zh-CN" sz="1200" dirty="0" smtClean="0"/>
-              <a:t>)</a:t>
-            </a:r>
-          </a:p>
-          <a:p>
-            <a:pPr marL="171450" indent="-171450">
-              <a:buFontTx/>
-              <a:buChar char="-"/>
-            </a:pPr>
-            <a:r>
-              <a:rPr lang="zh-CN" altLang="en-US" sz="1200" dirty="0" smtClean="0"/>
-              <a:t>视频存储</a:t>
-            </a:r>
-            <a:endParaRPr lang="en-US" altLang="zh-CN" sz="1200" dirty="0" smtClean="0"/>
-          </a:p>
-          <a:p>
-            <a:pPr marL="171450" indent="-171450">
-              <a:buFontTx/>
-              <a:buChar char="-"/>
-            </a:pPr>
-            <a:endParaRPr lang="zh-CN" altLang="en-US" sz="1200" dirty="0"/>
-          </a:p>
-        </p:txBody>
-      </p:sp>
-      <p:sp>
-        <p:nvSpPr>
-          <p:cNvPr id="11" name="文本框 10"/>
-          <p:cNvSpPr txBox="1"/>
+          <a:extLst>
+            <a:ext uri="{909E8E84-426E-40DD-AFC4-6F175D3DCCD1}">
+              <a14:hiddenFill xmlns:a14="http://schemas.microsoft.com/office/drawing/2010/main">
+                <a:solidFill>
+                  <a:srgbClr val="FFFFFF"/>
+                </a:solidFill>
+              </a14:hiddenFill>
+            </a:ext>
+          </a:extLst>
+        </p:spPr>
+      </p:pic>
+      <p:pic>
+        <p:nvPicPr>
+          <p:cNvPr id="14" name="图片 13"/>
+          <p:cNvPicPr>
+            <a:picLocks noChangeAspect="1"/>
+          </p:cNvPicPr>
           <p:nvPr/>
-        </p:nvSpPr>
+        </p:nvPicPr>
+        <p:blipFill>
+          <a:blip r:embed="rId3"/>
+          <a:stretch>
+            <a:fillRect/>
+          </a:stretch>
+        </p:blipFill>
         <p:spPr>
           <a:xfrm>
-            <a:off x="5220072" y="4869160"/>
-            <a:ext cx="3312368" cy="1200329"/>
+            <a:off x="3487528" y="5450462"/>
+            <a:ext cx="790203" cy="408184"/>
           </a:xfrm>
           <a:prstGeom prst="rect">
             <a:avLst/>
           </a:prstGeom>
-          <a:noFill/>
-        </p:spPr>
-        <p:txBody>
-          <a:bodyPr wrap="square" rtlCol="0">
-            <a:spAutoFit/>
-          </a:bodyPr>
-          <a:lstStyle/>
-          <a:p>
-            <a:pPr marL="285750" indent="-285750">
-              <a:buFontTx/>
-              <a:buChar char="-"/>
-            </a:pPr>
-            <a:r>
-              <a:rPr lang="zh-CN" altLang="en-US" sz="1200" dirty="0" smtClean="0"/>
-              <a:t>依托网络，扩展更多的智能城市服务</a:t>
-            </a:r>
-            <a:endParaRPr lang="en-US" altLang="zh-CN" sz="1200" dirty="0" smtClean="0"/>
-          </a:p>
-          <a:p>
-            <a:pPr marL="742950" lvl="1" indent="-285750">
-              <a:buFontTx/>
-              <a:buChar char="-"/>
-            </a:pPr>
-            <a:r>
-              <a:rPr lang="zh-CN" altLang="en-US" sz="1200" dirty="0" smtClean="0"/>
-              <a:t>室内定位</a:t>
-            </a:r>
-            <a:endParaRPr lang="en-US" altLang="zh-CN" sz="1200" dirty="0" smtClean="0"/>
-          </a:p>
-          <a:p>
-            <a:pPr marL="742950" lvl="1" indent="-285750">
-              <a:buFontTx/>
-              <a:buChar char="-"/>
-            </a:pPr>
-            <a:r>
-              <a:rPr lang="zh-CN" altLang="en-US" sz="1200" dirty="0" smtClean="0"/>
-              <a:t>传感器网络等</a:t>
-            </a:r>
-            <a:endParaRPr lang="en-US" altLang="zh-CN" sz="1200" dirty="0" smtClean="0"/>
-          </a:p>
-          <a:p>
-            <a:pPr marL="285750" indent="-285750">
-              <a:buFontTx/>
-              <a:buChar char="-"/>
-            </a:pPr>
-            <a:r>
-              <a:rPr lang="zh-CN" altLang="en-US" sz="1200" dirty="0" smtClean="0"/>
-              <a:t>深耕专业客户市场，形成具有特色的后台产品</a:t>
-            </a:r>
-            <a:endParaRPr lang="en-US" altLang="zh-CN" sz="1200" dirty="0"/>
-          </a:p>
-          <a:p>
-            <a:pPr marL="1200150" lvl="2" indent="-285750">
-              <a:buFontTx/>
-              <a:buChar char="-"/>
-            </a:pPr>
-            <a:endParaRPr lang="zh-CN" altLang="en-US" sz="1200" dirty="0"/>
-          </a:p>
-        </p:txBody>
-      </p:sp>
+        </p:spPr>
+      </p:pic>
+      <p:pic>
+        <p:nvPicPr>
+          <p:cNvPr id="15" name="图片 14"/>
+          <p:cNvPicPr>
+            <a:picLocks noChangeAspect="1"/>
+          </p:cNvPicPr>
+          <p:nvPr/>
+        </p:nvPicPr>
+        <p:blipFill>
+          <a:blip r:embed="rId5"/>
+          <a:stretch>
+            <a:fillRect/>
+          </a:stretch>
+        </p:blipFill>
+        <p:spPr>
+          <a:xfrm>
+            <a:off x="4008715" y="5172549"/>
+            <a:ext cx="511433" cy="413582"/>
+          </a:xfrm>
+          <a:prstGeom prst="rect">
+            <a:avLst/>
+          </a:prstGeom>
+        </p:spPr>
+      </p:pic>
+      <p:pic>
+        <p:nvPicPr>
+          <p:cNvPr id="16" name="图片 15"/>
+          <p:cNvPicPr>
+            <a:picLocks noChangeAspect="1"/>
+          </p:cNvPicPr>
+          <p:nvPr/>
+        </p:nvPicPr>
+        <p:blipFill>
+          <a:blip r:embed="rId5"/>
+          <a:stretch>
+            <a:fillRect/>
+          </a:stretch>
+        </p:blipFill>
+        <p:spPr>
+          <a:xfrm>
+            <a:off x="6869434" y="4905351"/>
+            <a:ext cx="586132" cy="473989"/>
+          </a:xfrm>
+          <a:prstGeom prst="rect">
+            <a:avLst/>
+          </a:prstGeom>
+        </p:spPr>
+      </p:pic>
+      <p:pic>
+        <p:nvPicPr>
+          <p:cNvPr id="17" name="图片 16"/>
+          <p:cNvPicPr>
+            <a:picLocks noChangeAspect="1"/>
+          </p:cNvPicPr>
+          <p:nvPr/>
+        </p:nvPicPr>
+        <p:blipFill>
+          <a:blip r:embed="rId5"/>
+          <a:stretch>
+            <a:fillRect/>
+          </a:stretch>
+        </p:blipFill>
+        <p:spPr>
+          <a:xfrm>
+            <a:off x="6226261" y="2945029"/>
+            <a:ext cx="586132" cy="473989"/>
+          </a:xfrm>
+          <a:prstGeom prst="rect">
+            <a:avLst/>
+          </a:prstGeom>
+        </p:spPr>
+      </p:pic>
     </p:spTree>
     <p:extLst>
       <p:ext uri="{BB962C8B-B14F-4D97-AF65-F5344CB8AC3E}">
-        <p14:creationId xmlns:p14="http://schemas.microsoft.com/office/powerpoint/2010/main" val="3749671532"/>
+        <p14:creationId xmlns:p14="http://schemas.microsoft.com/office/powerpoint/2010/main" val="3697044306"/>
       </p:ext>
     </p:extLst>
   </p:cSld>

--- a/doc/基于Mesh的视频监控解决方案.pptx
+++ b/doc/基于Mesh的视频监控解决方案.pptx
@@ -14,10 +14,9 @@
     <p:sldId id="268" r:id="rId8"/>
     <p:sldId id="269" r:id="rId9"/>
     <p:sldId id="273" r:id="rId10"/>
-    <p:sldId id="274" r:id="rId11"/>
-    <p:sldId id="270" r:id="rId12"/>
-    <p:sldId id="271" r:id="rId13"/>
-    <p:sldId id="272" r:id="rId14"/>
+    <p:sldId id="270" r:id="rId11"/>
+    <p:sldId id="271" r:id="rId12"/>
+    <p:sldId id="272" r:id="rId13"/>
   </p:sldIdLst>
   <p:sldSz cx="9144000" cy="6858000" type="screen4x3"/>
   <p:notesSz cx="6858000" cy="9144000"/>
@@ -7221,33 +7220,293 @@
           <a:bodyPr/>
           <a:lstStyle/>
           <a:p>
+            <a:r>
+              <a:rPr lang="zh-CN" altLang="en-US" dirty="0" smtClean="0"/>
+              <a:t>商业分析</a:t>
+            </a:r>
             <a:endParaRPr lang="zh-CN" altLang="en-US" dirty="0"/>
+          </a:p>
+        </p:txBody>
+      </p:sp>
+      <p:graphicFrame>
+        <p:nvGraphicFramePr>
+          <p:cNvPr id="4" name="图示 3"/>
+          <p:cNvGraphicFramePr/>
+          <p:nvPr>
+            <p:extLst>
+              <p:ext uri="{D42A27DB-BD31-4B8C-83A1-F6EECF244321}">
+                <p14:modId xmlns:p14="http://schemas.microsoft.com/office/powerpoint/2010/main" val="4040165086"/>
+              </p:ext>
+            </p:extLst>
+          </p:nvPr>
+        </p:nvGraphicFramePr>
+        <p:xfrm>
+          <a:off x="755576" y="1417638"/>
+          <a:ext cx="4272136" cy="3184128"/>
+        </p:xfrm>
+        <a:graphic>
+          <a:graphicData uri="http://schemas.openxmlformats.org/drawingml/2006/diagram">
+            <dgm:relIds xmlns:dgm="http://schemas.openxmlformats.org/drawingml/2006/diagram" xmlns:r="http://schemas.openxmlformats.org/officeDocument/2006/relationships" r:dm="rId2" r:lo="rId3" r:qs="rId4" r:cs="rId5"/>
+          </a:graphicData>
+        </a:graphic>
+      </p:graphicFrame>
+      <p:sp>
+        <p:nvSpPr>
+          <p:cNvPr id="5" name="文本框 4"/>
+          <p:cNvSpPr txBox="1"/>
+          <p:nvPr/>
+        </p:nvSpPr>
+        <p:spPr>
+          <a:xfrm>
+            <a:off x="3347864" y="1854684"/>
+            <a:ext cx="1313180" cy="261610"/>
+          </a:xfrm>
+          <a:prstGeom prst="rect">
+            <a:avLst/>
+          </a:prstGeom>
+          <a:noFill/>
+        </p:spPr>
+        <p:txBody>
+          <a:bodyPr wrap="none" rtlCol="0">
+            <a:spAutoFit/>
+          </a:bodyPr>
+          <a:lstStyle/>
+          <a:p>
+            <a:r>
+              <a:rPr lang="zh-CN" altLang="en-US" sz="1100" dirty="0" smtClean="0"/>
+              <a:t>大华，海康。。。</a:t>
+            </a:r>
+            <a:endParaRPr lang="zh-CN" altLang="en-US" sz="1100" dirty="0"/>
           </a:p>
         </p:txBody>
       </p:sp>
       <p:sp>
         <p:nvSpPr>
-          <p:cNvPr id="3" name="内容占位符 2"/>
-          <p:cNvSpPr>
-            <a:spLocks noGrp="1"/>
-          </p:cNvSpPr>
-          <p:nvPr>
-            <p:ph idx="1"/>
-          </p:nvPr>
+          <p:cNvPr id="6" name="文本框 5"/>
+          <p:cNvSpPr txBox="1"/>
+          <p:nvPr/>
         </p:nvSpPr>
-        <p:spPr/>
+        <p:spPr>
+          <a:xfrm>
+            <a:off x="1015174" y="3937918"/>
+            <a:ext cx="3927229" cy="830997"/>
+          </a:xfrm>
+          <a:prstGeom prst="rect">
+            <a:avLst/>
+          </a:prstGeom>
+          <a:noFill/>
+        </p:spPr>
         <p:txBody>
-          <a:bodyPr/>
+          <a:bodyPr wrap="none" rtlCol="0">
+            <a:spAutoFit/>
+          </a:bodyPr>
           <a:lstStyle/>
           <a:p>
-            <a:endParaRPr lang="zh-CN" altLang="en-US"/>
+            <a:r>
+              <a:rPr lang="zh-CN" altLang="en-US" sz="1200" dirty="0" smtClean="0"/>
+              <a:t>一般由集成商建设，已有的无线视频监控方案：</a:t>
+            </a:r>
+            <a:endParaRPr lang="en-US" altLang="zh-CN" sz="1200" dirty="0" smtClean="0"/>
+          </a:p>
+          <a:p>
+            <a:r>
+              <a:rPr lang="en-US" altLang="zh-CN" sz="1200" dirty="0">
+                <a:hlinkClick r:id="rId7"/>
+              </a:rPr>
+              <a:t>http://www.4008075595.com</a:t>
+            </a:r>
+            <a:r>
+              <a:rPr lang="en-US" altLang="zh-CN" sz="1200" dirty="0" smtClean="0">
+                <a:hlinkClick r:id="rId7"/>
+              </a:rPr>
+              <a:t>/</a:t>
+            </a:r>
+            <a:r>
+              <a:rPr lang="en-US" altLang="zh-CN" sz="1200" dirty="0" smtClean="0"/>
+              <a:t> </a:t>
+            </a:r>
+            <a:r>
+              <a:rPr lang="zh-CN" altLang="en-US" sz="1200" dirty="0" smtClean="0"/>
+              <a:t>深圳腾远智拓</a:t>
+            </a:r>
+            <a:endParaRPr lang="en-US" altLang="zh-CN" sz="1200" dirty="0" smtClean="0"/>
+          </a:p>
+          <a:p>
+            <a:r>
+              <a:rPr lang="en-US" altLang="zh-CN" sz="1200" dirty="0">
+                <a:hlinkClick r:id="rId8"/>
+              </a:rPr>
+              <a:t>http://www.video-tech.com.cn/list/?</a:t>
+            </a:r>
+            <a:r>
+              <a:rPr lang="en-US" altLang="zh-CN" sz="1200" dirty="0" smtClean="0">
+                <a:hlinkClick r:id="rId8"/>
+              </a:rPr>
+              <a:t>8.html</a:t>
+            </a:r>
+            <a:r>
+              <a:rPr lang="en-US" altLang="zh-CN" sz="1200" dirty="0" smtClean="0"/>
+              <a:t> </a:t>
+            </a:r>
+            <a:r>
+              <a:rPr lang="zh-CN" altLang="en-US" sz="1200" dirty="0" smtClean="0"/>
+              <a:t>深圳中创鑫和</a:t>
+            </a:r>
+            <a:endParaRPr lang="en-US" altLang="zh-CN" sz="1200" dirty="0" smtClean="0"/>
+          </a:p>
+          <a:p>
+            <a:endParaRPr lang="zh-CN" altLang="en-US" sz="1200" dirty="0"/>
+          </a:p>
+        </p:txBody>
+      </p:sp>
+      <p:sp>
+        <p:nvSpPr>
+          <p:cNvPr id="7" name="文本框 6"/>
+          <p:cNvSpPr txBox="1"/>
+          <p:nvPr/>
+        </p:nvSpPr>
+        <p:spPr>
+          <a:xfrm>
+            <a:off x="179512" y="1841742"/>
+            <a:ext cx="3108543" cy="830997"/>
+          </a:xfrm>
+          <a:prstGeom prst="rect">
+            <a:avLst/>
+          </a:prstGeom>
+          <a:noFill/>
+        </p:spPr>
+        <p:txBody>
+          <a:bodyPr wrap="none" rtlCol="0">
+            <a:spAutoFit/>
+          </a:bodyPr>
+          <a:lstStyle/>
+          <a:p>
+            <a:r>
+              <a:rPr lang="zh-CN" altLang="en-US" sz="1200" dirty="0" smtClean="0"/>
+              <a:t>大华，海康，威创，寰视科技，主要产品：</a:t>
+            </a:r>
+            <a:endParaRPr lang="en-US" altLang="zh-CN" sz="1200" dirty="0" smtClean="0"/>
+          </a:p>
+          <a:p>
+            <a:pPr marL="171450" indent="-171450">
+              <a:buFontTx/>
+              <a:buChar char="-"/>
+            </a:pPr>
+            <a:r>
+              <a:rPr lang="zh-CN" altLang="en-US" sz="1200" dirty="0" smtClean="0"/>
+              <a:t>拼接墙</a:t>
+            </a:r>
+            <a:r>
+              <a:rPr lang="en-US" altLang="zh-CN" sz="1200" dirty="0" smtClean="0"/>
+              <a:t>(</a:t>
+            </a:r>
+            <a:r>
+              <a:rPr lang="zh-CN" altLang="en-US" sz="1200" dirty="0" smtClean="0"/>
+              <a:t>视频流调度</a:t>
+            </a:r>
+            <a:r>
+              <a:rPr lang="en-US" altLang="zh-CN" sz="1200" dirty="0" smtClean="0"/>
+              <a:t>)</a:t>
+            </a:r>
+          </a:p>
+          <a:p>
+            <a:pPr marL="171450" indent="-171450">
+              <a:buFontTx/>
+              <a:buChar char="-"/>
+            </a:pPr>
+            <a:r>
+              <a:rPr lang="zh-CN" altLang="en-US" sz="1200" dirty="0" smtClean="0"/>
+              <a:t>视频存储</a:t>
+            </a:r>
+            <a:endParaRPr lang="en-US" altLang="zh-CN" sz="1200" dirty="0" smtClean="0"/>
+          </a:p>
+          <a:p>
+            <a:pPr marL="171450" indent="-171450">
+              <a:buFontTx/>
+              <a:buChar char="-"/>
+            </a:pPr>
+            <a:endParaRPr lang="zh-CN" altLang="en-US" sz="1200" dirty="0"/>
+          </a:p>
+        </p:txBody>
+      </p:sp>
+      <p:sp>
+        <p:nvSpPr>
+          <p:cNvPr id="11" name="文本框 10"/>
+          <p:cNvSpPr txBox="1"/>
+          <p:nvPr/>
+        </p:nvSpPr>
+        <p:spPr>
+          <a:xfrm>
+            <a:off x="5220072" y="4869160"/>
+            <a:ext cx="3312368" cy="1200329"/>
+          </a:xfrm>
+          <a:prstGeom prst="rect">
+            <a:avLst/>
+          </a:prstGeom>
+          <a:noFill/>
+        </p:spPr>
+        <p:txBody>
+          <a:bodyPr wrap="square" rtlCol="0">
+            <a:spAutoFit/>
+          </a:bodyPr>
+          <a:lstStyle/>
+          <a:p>
+            <a:pPr marL="285750" indent="-285750">
+              <a:buFontTx/>
+              <a:buChar char="-"/>
+            </a:pPr>
+            <a:r>
+              <a:rPr lang="zh-CN" altLang="en-US" sz="1200" dirty="0" smtClean="0"/>
+              <a:t>依托网络，扩展更多的智能城市服务</a:t>
+            </a:r>
+            <a:endParaRPr lang="en-US" altLang="zh-CN" sz="1200" dirty="0" smtClean="0"/>
+          </a:p>
+          <a:p>
+            <a:pPr marL="742950" lvl="1" indent="-285750">
+              <a:buFontTx/>
+              <a:buChar char="-"/>
+            </a:pPr>
+            <a:r>
+              <a:rPr lang="zh-CN" altLang="en-US" sz="1200" dirty="0" smtClean="0"/>
+              <a:t>室内定位</a:t>
+            </a:r>
+            <a:endParaRPr lang="en-US" altLang="zh-CN" sz="1200" dirty="0" smtClean="0"/>
+          </a:p>
+          <a:p>
+            <a:pPr marL="742950" lvl="1" indent="-285750">
+              <a:buFontTx/>
+              <a:buChar char="-"/>
+            </a:pPr>
+            <a:r>
+              <a:rPr lang="zh-CN" altLang="en-US" sz="1200" dirty="0" smtClean="0"/>
+              <a:t>传感器网络等</a:t>
+            </a:r>
+            <a:endParaRPr lang="en-US" altLang="zh-CN" sz="1200" dirty="0" smtClean="0"/>
+          </a:p>
+          <a:p>
+            <a:pPr marL="285750" indent="-285750">
+              <a:buFontTx/>
+              <a:buChar char="-"/>
+            </a:pPr>
+            <a:r>
+              <a:rPr lang="zh-CN" altLang="en-US" sz="1200" dirty="0" smtClean="0"/>
+              <a:t>深耕专业客户市场，形成具有特色的后台产品</a:t>
+            </a:r>
+            <a:endParaRPr lang="en-US" altLang="zh-CN" sz="1200" dirty="0"/>
+          </a:p>
+          <a:p>
+            <a:pPr marL="1200150" lvl="2" indent="-285750">
+              <a:buFontTx/>
+              <a:buChar char="-"/>
+            </a:pPr>
+            <a:endParaRPr lang="zh-CN" altLang="en-US" sz="1200" dirty="0"/>
           </a:p>
         </p:txBody>
       </p:sp>
     </p:spTree>
     <p:extLst>
       <p:ext uri="{BB962C8B-B14F-4D97-AF65-F5344CB8AC3E}">
-        <p14:creationId xmlns:p14="http://schemas.microsoft.com/office/powerpoint/2010/main" val="3857314153"/>
+        <p14:creationId xmlns:p14="http://schemas.microsoft.com/office/powerpoint/2010/main" val="3749671532"/>
       </p:ext>
     </p:extLst>
   </p:cSld>
@@ -7291,334 +7550,6 @@
           <a:p>
             <a:r>
               <a:rPr lang="zh-CN" altLang="en-US" dirty="0" smtClean="0"/>
-              <a:t>商业分析</a:t>
-            </a:r>
-            <a:endParaRPr lang="zh-CN" altLang="en-US" dirty="0"/>
-          </a:p>
-        </p:txBody>
-      </p:sp>
-      <p:graphicFrame>
-        <p:nvGraphicFramePr>
-          <p:cNvPr id="4" name="图示 3"/>
-          <p:cNvGraphicFramePr/>
-          <p:nvPr>
-            <p:extLst>
-              <p:ext uri="{D42A27DB-BD31-4B8C-83A1-F6EECF244321}">
-                <p14:modId xmlns:p14="http://schemas.microsoft.com/office/powerpoint/2010/main" val="4040165086"/>
-              </p:ext>
-            </p:extLst>
-          </p:nvPr>
-        </p:nvGraphicFramePr>
-        <p:xfrm>
-          <a:off x="755576" y="1417638"/>
-          <a:ext cx="4272136" cy="3184128"/>
-        </p:xfrm>
-        <a:graphic>
-          <a:graphicData uri="http://schemas.openxmlformats.org/drawingml/2006/diagram">
-            <dgm:relIds xmlns:dgm="http://schemas.openxmlformats.org/drawingml/2006/diagram" xmlns:r="http://schemas.openxmlformats.org/officeDocument/2006/relationships" r:dm="rId2" r:lo="rId3" r:qs="rId4" r:cs="rId5"/>
-          </a:graphicData>
-        </a:graphic>
-      </p:graphicFrame>
-      <p:sp>
-        <p:nvSpPr>
-          <p:cNvPr id="5" name="文本框 4"/>
-          <p:cNvSpPr txBox="1"/>
-          <p:nvPr/>
-        </p:nvSpPr>
-        <p:spPr>
-          <a:xfrm>
-            <a:off x="3347864" y="1854684"/>
-            <a:ext cx="1313180" cy="261610"/>
-          </a:xfrm>
-          <a:prstGeom prst="rect">
-            <a:avLst/>
-          </a:prstGeom>
-          <a:noFill/>
-        </p:spPr>
-        <p:txBody>
-          <a:bodyPr wrap="none" rtlCol="0">
-            <a:spAutoFit/>
-          </a:bodyPr>
-          <a:lstStyle/>
-          <a:p>
-            <a:r>
-              <a:rPr lang="zh-CN" altLang="en-US" sz="1100" dirty="0" smtClean="0"/>
-              <a:t>大华，海康。。。</a:t>
-            </a:r>
-            <a:endParaRPr lang="zh-CN" altLang="en-US" sz="1100" dirty="0"/>
-          </a:p>
-        </p:txBody>
-      </p:sp>
-      <p:sp>
-        <p:nvSpPr>
-          <p:cNvPr id="6" name="文本框 5"/>
-          <p:cNvSpPr txBox="1"/>
-          <p:nvPr/>
-        </p:nvSpPr>
-        <p:spPr>
-          <a:xfrm>
-            <a:off x="1015174" y="3937918"/>
-            <a:ext cx="3927229" cy="830997"/>
-          </a:xfrm>
-          <a:prstGeom prst="rect">
-            <a:avLst/>
-          </a:prstGeom>
-          <a:noFill/>
-        </p:spPr>
-        <p:txBody>
-          <a:bodyPr wrap="none" rtlCol="0">
-            <a:spAutoFit/>
-          </a:bodyPr>
-          <a:lstStyle/>
-          <a:p>
-            <a:r>
-              <a:rPr lang="zh-CN" altLang="en-US" sz="1200" dirty="0" smtClean="0"/>
-              <a:t>一般由集成商建设，已有的无线视频监控方案：</a:t>
-            </a:r>
-            <a:endParaRPr lang="en-US" altLang="zh-CN" sz="1200" dirty="0" smtClean="0"/>
-          </a:p>
-          <a:p>
-            <a:r>
-              <a:rPr lang="en-US" altLang="zh-CN" sz="1200" dirty="0">
-                <a:hlinkClick r:id="rId7"/>
-              </a:rPr>
-              <a:t>http://www.4008075595.com</a:t>
-            </a:r>
-            <a:r>
-              <a:rPr lang="en-US" altLang="zh-CN" sz="1200" dirty="0" smtClean="0">
-                <a:hlinkClick r:id="rId7"/>
-              </a:rPr>
-              <a:t>/</a:t>
-            </a:r>
-            <a:r>
-              <a:rPr lang="en-US" altLang="zh-CN" sz="1200" dirty="0" smtClean="0"/>
-              <a:t> </a:t>
-            </a:r>
-            <a:r>
-              <a:rPr lang="zh-CN" altLang="en-US" sz="1200" dirty="0" smtClean="0"/>
-              <a:t>深圳腾远智拓</a:t>
-            </a:r>
-            <a:endParaRPr lang="en-US" altLang="zh-CN" sz="1200" dirty="0" smtClean="0"/>
-          </a:p>
-          <a:p>
-            <a:r>
-              <a:rPr lang="en-US" altLang="zh-CN" sz="1200" dirty="0">
-                <a:hlinkClick r:id="rId8"/>
-              </a:rPr>
-              <a:t>http://www.video-tech.com.cn/list/?</a:t>
-            </a:r>
-            <a:r>
-              <a:rPr lang="en-US" altLang="zh-CN" sz="1200" dirty="0" smtClean="0">
-                <a:hlinkClick r:id="rId8"/>
-              </a:rPr>
-              <a:t>8.html</a:t>
-            </a:r>
-            <a:r>
-              <a:rPr lang="en-US" altLang="zh-CN" sz="1200" dirty="0" smtClean="0"/>
-              <a:t> </a:t>
-            </a:r>
-            <a:r>
-              <a:rPr lang="zh-CN" altLang="en-US" sz="1200" dirty="0" smtClean="0"/>
-              <a:t>深圳中创鑫和</a:t>
-            </a:r>
-            <a:endParaRPr lang="en-US" altLang="zh-CN" sz="1200" dirty="0" smtClean="0"/>
-          </a:p>
-          <a:p>
-            <a:endParaRPr lang="zh-CN" altLang="en-US" sz="1200" dirty="0"/>
-          </a:p>
-        </p:txBody>
-      </p:sp>
-      <p:sp>
-        <p:nvSpPr>
-          <p:cNvPr id="7" name="文本框 6"/>
-          <p:cNvSpPr txBox="1"/>
-          <p:nvPr/>
-        </p:nvSpPr>
-        <p:spPr>
-          <a:xfrm>
-            <a:off x="179512" y="1841742"/>
-            <a:ext cx="3108543" cy="830997"/>
-          </a:xfrm>
-          <a:prstGeom prst="rect">
-            <a:avLst/>
-          </a:prstGeom>
-          <a:noFill/>
-        </p:spPr>
-        <p:txBody>
-          <a:bodyPr wrap="none" rtlCol="0">
-            <a:spAutoFit/>
-          </a:bodyPr>
-          <a:lstStyle/>
-          <a:p>
-            <a:r>
-              <a:rPr lang="zh-CN" altLang="en-US" sz="1200" dirty="0" smtClean="0"/>
-              <a:t>大华，海康，威创，寰视科技，主要产品：</a:t>
-            </a:r>
-            <a:endParaRPr lang="en-US" altLang="zh-CN" sz="1200" dirty="0" smtClean="0"/>
-          </a:p>
-          <a:p>
-            <a:pPr marL="171450" indent="-171450">
-              <a:buFontTx/>
-              <a:buChar char="-"/>
-            </a:pPr>
-            <a:r>
-              <a:rPr lang="zh-CN" altLang="en-US" sz="1200" dirty="0" smtClean="0"/>
-              <a:t>拼接墙</a:t>
-            </a:r>
-            <a:r>
-              <a:rPr lang="en-US" altLang="zh-CN" sz="1200" dirty="0" smtClean="0"/>
-              <a:t>(</a:t>
-            </a:r>
-            <a:r>
-              <a:rPr lang="zh-CN" altLang="en-US" sz="1200" dirty="0" smtClean="0"/>
-              <a:t>视频流调度</a:t>
-            </a:r>
-            <a:r>
-              <a:rPr lang="en-US" altLang="zh-CN" sz="1200" dirty="0" smtClean="0"/>
-              <a:t>)</a:t>
-            </a:r>
-          </a:p>
-          <a:p>
-            <a:pPr marL="171450" indent="-171450">
-              <a:buFontTx/>
-              <a:buChar char="-"/>
-            </a:pPr>
-            <a:r>
-              <a:rPr lang="zh-CN" altLang="en-US" sz="1200" dirty="0" smtClean="0"/>
-              <a:t>视频存储</a:t>
-            </a:r>
-            <a:endParaRPr lang="en-US" altLang="zh-CN" sz="1200" dirty="0" smtClean="0"/>
-          </a:p>
-          <a:p>
-            <a:pPr marL="171450" indent="-171450">
-              <a:buFontTx/>
-              <a:buChar char="-"/>
-            </a:pPr>
-            <a:endParaRPr lang="zh-CN" altLang="en-US" sz="1200" dirty="0"/>
-          </a:p>
-        </p:txBody>
-      </p:sp>
-      <p:sp>
-        <p:nvSpPr>
-          <p:cNvPr id="11" name="文本框 10"/>
-          <p:cNvSpPr txBox="1"/>
-          <p:nvPr/>
-        </p:nvSpPr>
-        <p:spPr>
-          <a:xfrm>
-            <a:off x="5220072" y="4869160"/>
-            <a:ext cx="3312368" cy="1200329"/>
-          </a:xfrm>
-          <a:prstGeom prst="rect">
-            <a:avLst/>
-          </a:prstGeom>
-          <a:noFill/>
-        </p:spPr>
-        <p:txBody>
-          <a:bodyPr wrap="square" rtlCol="0">
-            <a:spAutoFit/>
-          </a:bodyPr>
-          <a:lstStyle/>
-          <a:p>
-            <a:pPr marL="285750" indent="-285750">
-              <a:buFontTx/>
-              <a:buChar char="-"/>
-            </a:pPr>
-            <a:r>
-              <a:rPr lang="zh-CN" altLang="en-US" sz="1200" dirty="0" smtClean="0"/>
-              <a:t>依托网络，扩展更多的智能城市服务</a:t>
-            </a:r>
-            <a:endParaRPr lang="en-US" altLang="zh-CN" sz="1200" dirty="0" smtClean="0"/>
-          </a:p>
-          <a:p>
-            <a:pPr marL="742950" lvl="1" indent="-285750">
-              <a:buFontTx/>
-              <a:buChar char="-"/>
-            </a:pPr>
-            <a:r>
-              <a:rPr lang="zh-CN" altLang="en-US" sz="1200" dirty="0" smtClean="0"/>
-              <a:t>室内定位</a:t>
-            </a:r>
-            <a:endParaRPr lang="en-US" altLang="zh-CN" sz="1200" dirty="0" smtClean="0"/>
-          </a:p>
-          <a:p>
-            <a:pPr marL="742950" lvl="1" indent="-285750">
-              <a:buFontTx/>
-              <a:buChar char="-"/>
-            </a:pPr>
-            <a:r>
-              <a:rPr lang="zh-CN" altLang="en-US" sz="1200" dirty="0" smtClean="0"/>
-              <a:t>传感器网络等</a:t>
-            </a:r>
-            <a:endParaRPr lang="en-US" altLang="zh-CN" sz="1200" dirty="0" smtClean="0"/>
-          </a:p>
-          <a:p>
-            <a:pPr marL="285750" indent="-285750">
-              <a:buFontTx/>
-              <a:buChar char="-"/>
-            </a:pPr>
-            <a:r>
-              <a:rPr lang="zh-CN" altLang="en-US" sz="1200" dirty="0" smtClean="0"/>
-              <a:t>深耕专业客户市场，形成具有特色的后台产品</a:t>
-            </a:r>
-            <a:endParaRPr lang="en-US" altLang="zh-CN" sz="1200" dirty="0"/>
-          </a:p>
-          <a:p>
-            <a:pPr marL="1200150" lvl="2" indent="-285750">
-              <a:buFontTx/>
-              <a:buChar char="-"/>
-            </a:pPr>
-            <a:endParaRPr lang="zh-CN" altLang="en-US" sz="1200" dirty="0"/>
-          </a:p>
-        </p:txBody>
-      </p:sp>
-    </p:spTree>
-    <p:extLst>
-      <p:ext uri="{BB962C8B-B14F-4D97-AF65-F5344CB8AC3E}">
-        <p14:creationId xmlns:p14="http://schemas.microsoft.com/office/powerpoint/2010/main" val="3749671532"/>
-      </p:ext>
-    </p:extLst>
-  </p:cSld>
-  <p:clrMapOvr>
-    <a:masterClrMapping/>
-  </p:clrMapOvr>
-</p:sld>
-</file>
-
-<file path=ppt/slides/slide12.xml><?xml version="1.0" encoding="utf-8"?>
-<p:sld xmlns:a="http://schemas.openxmlformats.org/drawingml/2006/main" xmlns:r="http://schemas.openxmlformats.org/officeDocument/2006/relationships" xmlns:p="http://schemas.openxmlformats.org/presentationml/2006/main">
-  <p:cSld>
-    <p:spTree>
-      <p:nvGrpSpPr>
-        <p:cNvPr id="1" name=""/>
-        <p:cNvGrpSpPr/>
-        <p:nvPr/>
-      </p:nvGrpSpPr>
-      <p:grpSpPr>
-        <a:xfrm>
-          <a:off x="0" y="0"/>
-          <a:ext cx="0" cy="0"/>
-          <a:chOff x="0" y="0"/>
-          <a:chExt cx="0" cy="0"/>
-        </a:xfrm>
-      </p:grpSpPr>
-      <p:sp>
-        <p:nvSpPr>
-          <p:cNvPr id="2" name="标题 1"/>
-          <p:cNvSpPr>
-            <a:spLocks noGrp="1"/>
-          </p:cNvSpPr>
-          <p:nvPr>
-            <p:ph type="title"/>
-          </p:nvPr>
-        </p:nvSpPr>
-        <p:spPr/>
-        <p:txBody>
-          <a:bodyPr/>
-          <a:lstStyle/>
-          <a:p>
-            <a:r>
-              <a:rPr lang="zh-CN" altLang="en-US" dirty="0" smtClean="0"/>
               <a:t>方案竞争力分析</a:t>
             </a:r>
             <a:endParaRPr lang="zh-CN" altLang="en-US" dirty="0"/>
@@ -7794,7 +7725,7 @@
 </p:sld>
 </file>
 
-<file path=ppt/slides/slide13.xml><?xml version="1.0" encoding="utf-8"?>
+<file path=ppt/slides/slide12.xml><?xml version="1.0" encoding="utf-8"?>
 <p:sld xmlns:a="http://schemas.openxmlformats.org/drawingml/2006/main" xmlns:r="http://schemas.openxmlformats.org/officeDocument/2006/relationships" xmlns:p="http://schemas.openxmlformats.org/presentationml/2006/main">
   <p:cSld>
     <p:spTree>
@@ -14047,6 +13978,18 @@
             <a:r>
               <a:rPr lang="zh-CN" altLang="en-US" dirty="0" smtClean="0"/>
               <a:t>部署方案</a:t>
+            </a:r>
+            <a:r>
+              <a:rPr lang="en-US" altLang="zh-CN" dirty="0" smtClean="0"/>
+              <a:t>-</a:t>
+            </a:r>
+            <a:r>
+              <a:rPr lang="zh-CN" altLang="en-US" dirty="0" smtClean="0"/>
+              <a:t>阶段</a:t>
+            </a:r>
+            <a:r>
+              <a:rPr lang="en-US" altLang="zh-CN" dirty="0" smtClean="0"/>
+              <a:t>1</a:t>
             </a:r>
             <a:endParaRPr lang="zh-CN" altLang="en-US" dirty="0"/>
           </a:p>

--- a/doc/基于Mesh的视频监控解决方案.pptx
+++ b/doc/基于Mesh的视频监控解决方案.pptx
@@ -13544,7 +13544,7 @@
         </p:nvSpPr>
         <p:spPr>
           <a:xfrm>
-            <a:off x="4749232" y="3242577"/>
+            <a:off x="1721673" y="3419018"/>
             <a:ext cx="1648701" cy="2636312"/>
           </a:xfrm>
           <a:custGeom>
@@ -13756,7 +13756,7 @@
         </p:nvSpPr>
         <p:spPr>
           <a:xfrm rot="10641054">
-            <a:off x="7140479" y="2545025"/>
+            <a:off x="976882" y="2777458"/>
             <a:ext cx="1648701" cy="2636312"/>
           </a:xfrm>
           <a:custGeom>
@@ -14007,7 +14007,7 @@
         </p:nvSpPr>
         <p:spPr>
           <a:xfrm>
-            <a:off x="457200" y="1600200"/>
+            <a:off x="521512" y="1499781"/>
             <a:ext cx="5626968" cy="4525963"/>
           </a:xfrm>
         </p:spPr>
@@ -14069,7 +14069,11 @@
             <a:pPr lvl="1"/>
             <a:r>
               <a:rPr lang="zh-CN" altLang="en-US" sz="1800" dirty="0" smtClean="0"/>
-              <a:t>室内部署</a:t>
+              <a:t>大厦外部固定</a:t>
+            </a:r>
+            <a:r>
+              <a:rPr lang="zh-CN" altLang="en-US" sz="1800" dirty="0" smtClean="0"/>
+              <a:t>部署</a:t>
             </a:r>
             <a:r>
               <a:rPr lang="en-US" altLang="zh-CN" sz="1800" dirty="0" smtClean="0"/>
@@ -14156,56 +14160,40 @@
           </a:p>
         </p:txBody>
       </p:sp>
-      <p:sp>
-        <p:nvSpPr>
-          <p:cNvPr id="4" name="矩形 3"/>
-          <p:cNvSpPr/>
+      <p:pic>
+        <p:nvPicPr>
+          <p:cNvPr id="9" name="图片 8"/>
+          <p:cNvPicPr>
+            <a:picLocks noChangeAspect="1"/>
+          </p:cNvPicPr>
           <p:nvPr/>
-        </p:nvSpPr>
-        <p:spPr>
-          <a:xfrm rot="16200000">
-            <a:off x="5868144" y="3854646"/>
-            <a:ext cx="1872208" cy="648072"/>
+        </p:nvPicPr>
+        <p:blipFill>
+          <a:blip r:embed="rId2"/>
+          <a:stretch>
+            <a:fillRect/>
+          </a:stretch>
+        </p:blipFill>
+        <p:spPr>
+          <a:xfrm>
+            <a:off x="4980457" y="4967808"/>
+            <a:ext cx="790203" cy="408184"/>
           </a:xfrm>
           <a:prstGeom prst="rect">
             <a:avLst/>
           </a:prstGeom>
         </p:spPr>
-        <p:style>
-          <a:lnRef idx="2">
-            <a:schemeClr val="accent1">
-              <a:shade val="50000"/>
-            </a:schemeClr>
-          </a:lnRef>
-          <a:fillRef idx="1">
-            <a:schemeClr val="accent1"/>
-          </a:fillRef>
-          <a:effectRef idx="0">
-            <a:schemeClr val="accent1"/>
-          </a:effectRef>
-          <a:fontRef idx="minor">
-            <a:schemeClr val="lt1"/>
-          </a:fontRef>
-        </p:style>
-        <p:txBody>
-          <a:bodyPr rtlCol="0" anchor="ctr"/>
-          <a:lstStyle/>
-          <a:p>
-            <a:pPr algn="ctr"/>
-            <a:endParaRPr lang="zh-CN" altLang="en-US"/>
-          </a:p>
-        </p:txBody>
-      </p:sp>
+      </p:pic>
       <p:pic>
         <p:nvPicPr>
-          <p:cNvPr id="1026" name="Picture 2" descr="http://www.complus.de/public/media/201408/frontend_1407919944_shbbk8poff.png"/>
+          <p:cNvPr id="12" name="Picture 2" descr="http://www.complus.de/public/media/201408/frontend_1407919944_shbbk8poff.png"/>
           <p:cNvPicPr>
             <a:picLocks noChangeAspect="1" noChangeArrowheads="1"/>
           </p:cNvPicPr>
           <p:nvPr/>
         </p:nvPicPr>
         <p:blipFill>
-          <a:blip r:embed="rId2" cstate="print">
+          <a:blip r:embed="rId3" cstate="print">
             <a:extLst>
               <a:ext uri="{28A0092B-C50C-407E-A947-70E740481C1C}">
                 <a14:useLocalDpi xmlns:a14="http://schemas.microsoft.com/office/drawing/2010/main" val="0"/>
@@ -14219,8 +14207,8 @@
         </p:blipFill>
         <p:spPr bwMode="auto">
           <a:xfrm>
-            <a:off x="5659633" y="4230633"/>
-            <a:ext cx="1171122" cy="1224136"/>
+            <a:off x="5237642" y="4876969"/>
+            <a:ext cx="460509" cy="481355"/>
           </a:xfrm>
           <a:prstGeom prst="rect">
             <a:avLst/>
@@ -14239,14 +14227,62 @@
       </p:pic>
       <p:pic>
         <p:nvPicPr>
-          <p:cNvPr id="6" name="Picture 2" descr="http://www.complus.de/public/media/201408/frontend_1407919944_shbbk8poff.png"/>
+          <p:cNvPr id="14" name="图片 13"/>
+          <p:cNvPicPr>
+            <a:picLocks noChangeAspect="1"/>
+          </p:cNvPicPr>
+          <p:nvPr/>
+        </p:nvPicPr>
+        <p:blipFill>
+          <a:blip r:embed="rId2"/>
+          <a:stretch>
+            <a:fillRect/>
+          </a:stretch>
+        </p:blipFill>
+        <p:spPr>
+          <a:xfrm>
+            <a:off x="3487529" y="5450462"/>
+            <a:ext cx="580416" cy="299817"/>
+          </a:xfrm>
+          <a:prstGeom prst="rect">
+            <a:avLst/>
+          </a:prstGeom>
+        </p:spPr>
+      </p:pic>
+      <p:pic>
+        <p:nvPicPr>
+          <p:cNvPr id="16" name="图片 15"/>
+          <p:cNvPicPr>
+            <a:picLocks noChangeAspect="1"/>
+          </p:cNvPicPr>
+          <p:nvPr/>
+        </p:nvPicPr>
+        <p:blipFill>
+          <a:blip r:embed="rId4"/>
+          <a:stretch>
+            <a:fillRect/>
+          </a:stretch>
+        </p:blipFill>
+        <p:spPr>
+          <a:xfrm>
+            <a:off x="3648766" y="5267900"/>
+            <a:ext cx="371427" cy="300363"/>
+          </a:xfrm>
+          <a:prstGeom prst="rect">
+            <a:avLst/>
+          </a:prstGeom>
+        </p:spPr>
+      </p:pic>
+      <p:pic>
+        <p:nvPicPr>
+          <p:cNvPr id="5" name="Picture 2" descr="http://photo.renwen.com/3/689/368906_1354696484758897.jpg"/>
           <p:cNvPicPr>
             <a:picLocks noChangeAspect="1" noChangeArrowheads="1"/>
           </p:cNvPicPr>
           <p:nvPr/>
         </p:nvPicPr>
         <p:blipFill>
-          <a:blip r:embed="rId2" cstate="print">
+          <a:blip r:embed="rId5">
             <a:extLst>
               <a:ext uri="{28A0092B-C50C-407E-A947-70E740481C1C}">
                 <a14:useLocalDpi xmlns:a14="http://schemas.microsoft.com/office/drawing/2010/main" val="0"/>
@@ -14260,8 +14296,8 @@
         </p:blipFill>
         <p:spPr bwMode="auto">
           <a:xfrm>
-            <a:off x="6555669" y="3121470"/>
-            <a:ext cx="1171122" cy="1224136"/>
+            <a:off x="6543807" y="3461074"/>
+            <a:ext cx="1368862" cy="2286000"/>
           </a:xfrm>
           <a:prstGeom prst="rect">
             <a:avLst/>
@@ -14280,38 +14316,55 @@
       </p:pic>
       <p:pic>
         <p:nvPicPr>
-          <p:cNvPr id="9" name="图片 8"/>
-          <p:cNvPicPr>
-            <a:picLocks noChangeAspect="1"/>
-          </p:cNvPicPr>
-          <p:nvPr/>
-        </p:nvPicPr>
-        <p:blipFill>
-          <a:blip r:embed="rId3"/>
-          <a:stretch>
-            <a:fillRect/>
-          </a:stretch>
-        </p:blipFill>
-        <p:spPr>
-          <a:xfrm>
-            <a:off x="4764124" y="4434517"/>
-            <a:ext cx="790203" cy="408184"/>
-          </a:xfrm>
-          <a:prstGeom prst="rect">
-            <a:avLst/>
-          </a:prstGeom>
-        </p:spPr>
-      </p:pic>
-      <p:pic>
-        <p:nvPicPr>
-          <p:cNvPr id="12" name="Picture 2" descr="http://www.complus.de/public/media/201408/frontend_1407919944_shbbk8poff.png"/>
+          <p:cNvPr id="1028" name="Picture 4" descr="http://file4.youboy.com/a/84/19/22/0/9842200.jpg"/>
           <p:cNvPicPr>
             <a:picLocks noChangeAspect="1" noChangeArrowheads="1"/>
           </p:cNvPicPr>
           <p:nvPr/>
         </p:nvPicPr>
         <p:blipFill>
-          <a:blip r:embed="rId4" cstate="print">
+          <a:blip r:embed="rId6" cstate="print">
+            <a:extLst>
+              <a:ext uri="{28A0092B-C50C-407E-A947-70E740481C1C}">
+                <a14:useLocalDpi xmlns:a14="http://schemas.microsoft.com/office/drawing/2010/main" val="0"/>
+              </a:ext>
+            </a:extLst>
+          </a:blip>
+          <a:srcRect/>
+          <a:stretch>
+            <a:fillRect/>
+          </a:stretch>
+        </p:blipFill>
+        <p:spPr bwMode="auto">
+          <a:xfrm rot="11126956">
+            <a:off x="6290384" y="4344375"/>
+            <a:ext cx="552128" cy="552128"/>
+          </a:xfrm>
+          <a:prstGeom prst="rect">
+            <a:avLst/>
+          </a:prstGeom>
+          <a:noFill/>
+          <a:extLst>
+            <a:ext uri="{909E8E84-426E-40DD-AFC4-6F175D3DCCD1}">
+              <a14:hiddenFill xmlns:a14="http://schemas.microsoft.com/office/drawing/2010/main">
+                <a:solidFill>
+                  <a:srgbClr val="FFFFFF"/>
+                </a:solidFill>
+              </a14:hiddenFill>
+            </a:ext>
+          </a:extLst>
+        </p:spPr>
+      </p:pic>
+      <p:pic>
+        <p:nvPicPr>
+          <p:cNvPr id="6" name="Picture 2" descr="http://www.complus.de/public/media/201408/frontend_1407919944_shbbk8poff.png"/>
+          <p:cNvPicPr>
+            <a:picLocks noChangeAspect="1" noChangeArrowheads="1"/>
+          </p:cNvPicPr>
+          <p:nvPr/>
+        </p:nvPicPr>
+        <p:blipFill>
+          <a:blip r:embed="rId7" cstate="print">
             <a:extLst>
               <a:ext uri="{28A0092B-C50C-407E-A947-70E740481C1C}">
                 <a14:useLocalDpi xmlns:a14="http://schemas.microsoft.com/office/drawing/2010/main" val="0"/>
@@ -14325,8 +14378,8 @@
         </p:blipFill>
         <p:spPr bwMode="auto">
           <a:xfrm>
-            <a:off x="4974178" y="4230633"/>
-            <a:ext cx="460509" cy="481355"/>
+            <a:off x="6526300" y="4331258"/>
+            <a:ext cx="656672" cy="686398"/>
           </a:xfrm>
           <a:prstGeom prst="rect">
             <a:avLst/>
@@ -14345,26 +14398,84 @@
       </p:pic>
       <p:pic>
         <p:nvPicPr>
-          <p:cNvPr id="14" name="图片 13"/>
+          <p:cNvPr id="18" name="Picture 4" descr="http://file4.youboy.com/a/84/19/22/0/9842200.jpg"/>
           <p:cNvPicPr>
-            <a:picLocks noChangeAspect="1"/>
+            <a:picLocks noChangeAspect="1" noChangeArrowheads="1"/>
           </p:cNvPicPr>
           <p:nvPr/>
         </p:nvPicPr>
         <p:blipFill>
-          <a:blip r:embed="rId3"/>
+          <a:blip r:embed="rId6" cstate="print">
+            <a:extLst>
+              <a:ext uri="{28A0092B-C50C-407E-A947-70E740481C1C}">
+                <a14:useLocalDpi xmlns:a14="http://schemas.microsoft.com/office/drawing/2010/main" val="0"/>
+              </a:ext>
+            </a:extLst>
+          </a:blip>
+          <a:srcRect/>
           <a:stretch>
             <a:fillRect/>
           </a:stretch>
         </p:blipFill>
-        <p:spPr>
-          <a:xfrm>
-            <a:off x="3487528" y="5450462"/>
-            <a:ext cx="790203" cy="408184"/>
+        <p:spPr bwMode="auto">
+          <a:xfrm rot="21027796">
+            <a:off x="7390563" y="4300288"/>
+            <a:ext cx="552128" cy="552128"/>
           </a:xfrm>
           <a:prstGeom prst="rect">
             <a:avLst/>
           </a:prstGeom>
+          <a:noFill/>
+          <a:extLst>
+            <a:ext uri="{909E8E84-426E-40DD-AFC4-6F175D3DCCD1}">
+              <a14:hiddenFill xmlns:a14="http://schemas.microsoft.com/office/drawing/2010/main">
+                <a:solidFill>
+                  <a:srgbClr val="FFFFFF"/>
+                </a:solidFill>
+              </a14:hiddenFill>
+            </a:ext>
+          </a:extLst>
+        </p:spPr>
+      </p:pic>
+      <p:pic>
+        <p:nvPicPr>
+          <p:cNvPr id="1026" name="Picture 2" descr="http://www.complus.de/public/media/201408/frontend_1407919944_shbbk8poff.png"/>
+          <p:cNvPicPr>
+            <a:picLocks noChangeAspect="1" noChangeArrowheads="1"/>
+          </p:cNvPicPr>
+          <p:nvPr/>
+        </p:nvPicPr>
+        <p:blipFill>
+          <a:blip r:embed="rId8" cstate="print">
+            <a:extLst>
+              <a:ext uri="{28A0092B-C50C-407E-A947-70E740481C1C}">
+                <a14:useLocalDpi xmlns:a14="http://schemas.microsoft.com/office/drawing/2010/main" val="0"/>
+              </a:ext>
+            </a:extLst>
+          </a:blip>
+          <a:srcRect/>
+          <a:stretch>
+            <a:fillRect/>
+          </a:stretch>
+        </p:blipFill>
+        <p:spPr bwMode="auto">
+          <a:xfrm>
+            <a:off x="7309613" y="4384156"/>
+            <a:ext cx="452100" cy="472566"/>
+          </a:xfrm>
+          <a:prstGeom prst="rect">
+            <a:avLst/>
+          </a:prstGeom>
+          <a:noFill/>
+          <a:extLst>
+            <a:ext uri="{909E8E84-426E-40DD-AFC4-6F175D3DCCD1}">
+              <a14:hiddenFill xmlns:a14="http://schemas.microsoft.com/office/drawing/2010/main">
+                <a:solidFill>
+                  <a:srgbClr val="FFFFFF"/>
+                </a:solidFill>
+              </a14:hiddenFill>
+            </a:ext>
+          </a:extLst>
         </p:spPr>
       </p:pic>
       <p:pic>
@@ -14376,39 +14487,15 @@
           <p:nvPr/>
         </p:nvPicPr>
         <p:blipFill>
-          <a:blip r:embed="rId5"/>
+          <a:blip r:embed="rId4"/>
           <a:stretch>
             <a:fillRect/>
           </a:stretch>
         </p:blipFill>
         <p:spPr>
           <a:xfrm>
-            <a:off x="4008715" y="5172549"/>
-            <a:ext cx="511433" cy="413582"/>
-          </a:xfrm>
-          <a:prstGeom prst="rect">
-            <a:avLst/>
-          </a:prstGeom>
-        </p:spPr>
-      </p:pic>
-      <p:pic>
-        <p:nvPicPr>
-          <p:cNvPr id="16" name="图片 15"/>
-          <p:cNvPicPr>
-            <a:picLocks noChangeAspect="1"/>
-          </p:cNvPicPr>
-          <p:nvPr/>
-        </p:nvPicPr>
-        <p:blipFill>
-          <a:blip r:embed="rId5"/>
-          <a:stretch>
-            <a:fillRect/>
-          </a:stretch>
-        </p:blipFill>
-        <p:spPr>
-          <a:xfrm>
-            <a:off x="6869434" y="4905351"/>
-            <a:ext cx="586132" cy="473989"/>
+            <a:off x="6633285" y="5230833"/>
+            <a:ext cx="354159" cy="286399"/>
           </a:xfrm>
           <a:prstGeom prst="rect">
             <a:avLst/>
@@ -14424,15 +14511,15 @@
           <p:nvPr/>
         </p:nvPicPr>
         <p:blipFill>
-          <a:blip r:embed="rId5"/>
+          <a:blip r:embed="rId4"/>
           <a:stretch>
             <a:fillRect/>
           </a:stretch>
         </p:blipFill>
         <p:spPr>
           <a:xfrm>
-            <a:off x="6226261" y="2945029"/>
-            <a:ext cx="586132" cy="473989"/>
+            <a:off x="7427002" y="5171901"/>
+            <a:ext cx="485667" cy="392746"/>
           </a:xfrm>
           <a:prstGeom prst="rect">
             <a:avLst/>
